--- a/01_요구사항 실습/SW 요구사항 분석 및 설계_1조.pptx
+++ b/01_요구사항 실습/SW 요구사항 분석 및 설계_1조.pptx
@@ -234,7 +234,7 @@
                 <a:latin typeface="프리젠테이션 7 Bold" pitchFamily="2" charset="-127"/>
                 <a:ea typeface="프리젠테이션 7 Bold" pitchFamily="2" charset="-127"/>
               </a:rPr>
-              <a:t>2025-01-20</a:t>
+              <a:t>2025-01-21</a:t>
             </a:fld>
             <a:endParaRPr lang="ko-KR" altLang="en-US" dirty="0">
               <a:latin typeface="프리젠테이션 7 Bold" pitchFamily="2" charset="-127"/>
@@ -418,7 +418,7 @@
             <a:fld id="{725F075A-3C9E-41AC-8981-A520D7FBA881}" type="datetimeFigureOut">
               <a:rPr lang="ko-KR" altLang="en-US" smtClean="0"/>
               <a:pPr/>
-              <a:t>2025-01-20</a:t>
+              <a:t>2025-01-21</a:t>
             </a:fld>
             <a:endParaRPr lang="ko-KR" altLang="en-US" dirty="0"/>
           </a:p>
@@ -16185,7 +16185,7 @@
           <p:nvPr>
             <p:extLst>
               <p:ext uri="{D42A27DB-BD31-4B8C-83A1-F6EECF244321}">
-                <p14:modId xmlns:p14="http://schemas.microsoft.com/office/powerpoint/2010/main" val="3871447811"/>
+                <p14:modId xmlns:p14="http://schemas.microsoft.com/office/powerpoint/2010/main" val="1337148201"/>
               </p:ext>
             </p:extLst>
           </p:nvPr>
@@ -17452,9 +17452,105 @@
                           <a:ea typeface="나눔바른고딕" panose="020B0603020101020101" pitchFamily="50" charset="-127"/>
                           <a:cs typeface="Calibri"/>
                         </a:rPr>
-                        <a:t> 켜진 상태로 운전자가 하차했을 때 알림 전송</a:t>
+                        <a:t> 켜진 상태로 운전자가 하차했을 때 </a:t>
                       </a:r>
-                      <a:endParaRPr sz="1100" spc="0" baseline="0" dirty="0">
+                      <a:r>
+                        <a:rPr lang="ko-KR" altLang="en-US" sz="1100" strike="sngStrike" spc="0" baseline="0" dirty="0">
+                          <a:latin typeface="나눔바른고딕" panose="020B0603020101020101" pitchFamily="50" charset="-127"/>
+                          <a:ea typeface="나눔바른고딕" panose="020B0603020101020101" pitchFamily="50" charset="-127"/>
+                          <a:cs typeface="Calibri"/>
+                        </a:rPr>
+                        <a:t>알림 전송</a:t>
+                      </a:r>
+                      <a:r>
+                        <a:rPr lang="en-US" altLang="ko-KR" sz="1100" strike="sngStrike" spc="0" baseline="0" dirty="0">
+                          <a:latin typeface="나눔바른고딕" panose="020B0603020101020101" pitchFamily="50" charset="-127"/>
+                          <a:ea typeface="나눔바른고딕" panose="020B0603020101020101" pitchFamily="50" charset="-127"/>
+                          <a:cs typeface="Calibri"/>
+                        </a:rPr>
+                        <a:t>(</a:t>
+                      </a:r>
+                      <a:r>
+                        <a:rPr lang="ko-KR" altLang="en-US" sz="1100" strike="sngStrike" spc="0" baseline="0" dirty="0">
+                          <a:latin typeface="나눔바른고딕" panose="020B0603020101020101" pitchFamily="50" charset="-127"/>
+                          <a:ea typeface="나눔바른고딕" panose="020B0603020101020101" pitchFamily="50" charset="-127"/>
+                          <a:cs typeface="Calibri"/>
+                        </a:rPr>
+                        <a:t>메시지 전송 뉘앙스</a:t>
+                      </a:r>
+                      <a:r>
+                        <a:rPr lang="en-US" altLang="ko-KR" sz="1100" strike="sngStrike" spc="0" baseline="0" dirty="0">
+                          <a:latin typeface="나눔바른고딕" panose="020B0603020101020101" pitchFamily="50" charset="-127"/>
+                          <a:ea typeface="나눔바른고딕" panose="020B0603020101020101" pitchFamily="50" charset="-127"/>
+                          <a:cs typeface="Calibri"/>
+                        </a:rPr>
+                        <a:t>)</a:t>
+                      </a:r>
+                      <a:r>
+                        <a:rPr lang="ko-KR" altLang="en-US" sz="1100" strike="noStrike" spc="0" baseline="0" dirty="0">
+                          <a:latin typeface="나눔바른고딕" panose="020B0603020101020101" pitchFamily="50" charset="-127"/>
+                          <a:ea typeface="나눔바른고딕" panose="020B0603020101020101" pitchFamily="50" charset="-127"/>
+                          <a:cs typeface="Calibri"/>
+                        </a:rPr>
+                        <a:t> </a:t>
+                      </a:r>
+                      <a:r>
+                        <a:rPr lang="en-US" altLang="ko-KR" sz="1100" strike="noStrike" spc="0" baseline="0" dirty="0">
+                          <a:latin typeface="나눔바른고딕" panose="020B0603020101020101" pitchFamily="50" charset="-127"/>
+                          <a:ea typeface="나눔바른고딕" panose="020B0603020101020101" pitchFamily="50" charset="-127"/>
+                          <a:cs typeface="Calibri"/>
+                        </a:rPr>
+                        <a:t>-&gt; </a:t>
+                      </a:r>
+                      <a:r>
+                        <a:rPr lang="ko-KR" altLang="en-US" sz="1100" strike="noStrike" spc="0" baseline="0" dirty="0">
+                          <a:latin typeface="나눔바른고딕" panose="020B0603020101020101" pitchFamily="50" charset="-127"/>
+                          <a:ea typeface="나눔바른고딕" panose="020B0603020101020101" pitchFamily="50" charset="-127"/>
+                          <a:cs typeface="Calibri"/>
+                        </a:rPr>
+                        <a:t>알림 기능 수행</a:t>
+                      </a:r>
+                      <a:r>
+                        <a:rPr lang="en-US" altLang="ko-KR" sz="1100" strike="noStrike" spc="0" baseline="0" dirty="0">
+                          <a:latin typeface="나눔바른고딕" panose="020B0603020101020101" pitchFamily="50" charset="-127"/>
+                          <a:ea typeface="나눔바른고딕" panose="020B0603020101020101" pitchFamily="50" charset="-127"/>
+                          <a:cs typeface="Calibri"/>
+                        </a:rPr>
+                        <a:t>(</a:t>
+                      </a:r>
+                      <a:r>
+                        <a:rPr lang="ko-KR" altLang="en-US" sz="1100" strike="noStrike" spc="0" baseline="0" dirty="0">
+                          <a:latin typeface="나눔바른고딕" panose="020B0603020101020101" pitchFamily="50" charset="-127"/>
+                          <a:ea typeface="나눔바른고딕" panose="020B0603020101020101" pitchFamily="50" charset="-127"/>
+                          <a:cs typeface="Calibri"/>
+                        </a:rPr>
+                        <a:t>소음</a:t>
+                      </a:r>
+                      <a:r>
+                        <a:rPr lang="en-US" altLang="ko-KR" sz="1100" strike="noStrike" spc="0" baseline="0" dirty="0">
+                          <a:latin typeface="나눔바른고딕" panose="020B0603020101020101" pitchFamily="50" charset="-127"/>
+                          <a:ea typeface="나눔바른고딕" panose="020B0603020101020101" pitchFamily="50" charset="-127"/>
+                          <a:cs typeface="Calibri"/>
+                        </a:rPr>
+                        <a:t>, </a:t>
+                      </a:r>
+                      <a:r>
+                        <a:rPr lang="ko-KR" altLang="en-US" sz="1100" strike="noStrike" spc="0" baseline="0" dirty="0">
+                          <a:latin typeface="나눔바른고딕" panose="020B0603020101020101" pitchFamily="50" charset="-127"/>
+                          <a:ea typeface="나눔바른고딕" panose="020B0603020101020101" pitchFamily="50" charset="-127"/>
+                          <a:cs typeface="Calibri"/>
+                        </a:rPr>
+                        <a:t>점등 등</a:t>
+                      </a:r>
+                      <a:r>
+                        <a:rPr lang="en-US" altLang="ko-KR" sz="1100" strike="noStrike" spc="0" baseline="0" dirty="0">
+                          <a:latin typeface="나눔바른고딕" panose="020B0603020101020101" pitchFamily="50" charset="-127"/>
+                          <a:ea typeface="나눔바른고딕" panose="020B0603020101020101" pitchFamily="50" charset="-127"/>
+                          <a:cs typeface="Calibri"/>
+                        </a:rPr>
+                        <a:t>)</a:t>
+                      </a:r>
+                      <a:endParaRPr sz="1100" strike="sngStrike" spc="0" baseline="0" dirty="0">
                         <a:latin typeface="나눔바른고딕" panose="020B0603020101020101" pitchFamily="50" charset="-127"/>
                         <a:ea typeface="나눔바른고딕" panose="020B0603020101020101" pitchFamily="50" charset="-127"/>
                         <a:cs typeface="Calibri"/>
@@ -17544,6 +17640,53 @@
                           <a:cs typeface="Calibri"/>
                         </a:rPr>
                         <a:t>중요도 높음</a:t>
+                      </a:r>
+                      <a:endParaRPr lang="en-US" altLang="ko-KR" sz="1100" spc="0" baseline="0" dirty="0">
+                        <a:latin typeface="나눔바른고딕" panose="020B0603020101020101" pitchFamily="50" charset="-127"/>
+                        <a:ea typeface="나눔바른고딕" panose="020B0603020101020101" pitchFamily="50" charset="-127"/>
+                        <a:cs typeface="Calibri"/>
+                      </a:endParaRPr>
+                    </a:p>
+                    <a:p>
+                      <a:pPr marL="90805" marR="99060">
+                        <a:lnSpc>
+                          <a:spcPct val="100000"/>
+                        </a:lnSpc>
+                        <a:spcBef>
+                          <a:spcPts val="254"/>
+                        </a:spcBef>
+                      </a:pPr>
+                      <a:r>
+                        <a:rPr lang="en-US" sz="1100" spc="0" baseline="0" dirty="0">
+                          <a:latin typeface="나눔바른고딕" panose="020B0603020101020101" pitchFamily="50" charset="-127"/>
+                          <a:ea typeface="나눔바른고딕" panose="020B0603020101020101" pitchFamily="50" charset="-127"/>
+                          <a:cs typeface="Calibri"/>
+                        </a:rPr>
+                        <a:t>+ </a:t>
+                      </a:r>
+                      <a:r>
+                        <a:rPr lang="ko-KR" altLang="en-US" sz="1100" spc="0" baseline="0" dirty="0">
+                          <a:latin typeface="나눔바른고딕" panose="020B0603020101020101" pitchFamily="50" charset="-127"/>
+                          <a:ea typeface="나눔바른고딕" panose="020B0603020101020101" pitchFamily="50" charset="-127"/>
+                          <a:cs typeface="Calibri"/>
+                        </a:rPr>
+                        <a:t>만약 진짜 알림 전송일 경우</a:t>
+                      </a:r>
+                      <a:r>
+                        <a:rPr lang="en-US" altLang="ko-KR" sz="1100" spc="0" baseline="0" dirty="0">
+                          <a:latin typeface="나눔바른고딕" panose="020B0603020101020101" pitchFamily="50" charset="-127"/>
+                          <a:ea typeface="나눔바른고딕" panose="020B0603020101020101" pitchFamily="50" charset="-127"/>
+                          <a:cs typeface="Calibri"/>
+                        </a:rPr>
+                        <a:t>, </a:t>
+                      </a:r>
+                      <a:r>
+                        <a:rPr lang="ko-KR" altLang="en-US" sz="1100" spc="0" baseline="0" dirty="0">
+                          <a:latin typeface="나눔바른고딕" panose="020B0603020101020101" pitchFamily="50" charset="-127"/>
+                          <a:ea typeface="나눔바른고딕" panose="020B0603020101020101" pitchFamily="50" charset="-127"/>
+                          <a:cs typeface="Calibri"/>
+                        </a:rPr>
+                        <a:t>통신으로 인한 사이드 이펙트에 대해 생각해야 함</a:t>
                       </a:r>
                       <a:endParaRPr sz="1100" spc="0" baseline="0" dirty="0">
                         <a:latin typeface="나눔바른고딕" panose="020B0603020101020101" pitchFamily="50" charset="-127"/>
@@ -19662,28 +19805,1372 @@
           </a:p>
         </p:txBody>
       </p:sp>
-      <p:sp>
-        <p:nvSpPr>
-          <p:cNvPr id="3" name="텍스트 개체 틀 2">
+      <p:graphicFrame>
+        <p:nvGraphicFramePr>
+          <p:cNvPr id="4" name="표 3">
             <a:extLst>
               <a:ext uri="{FF2B5EF4-FFF2-40B4-BE49-F238E27FC236}">
-                <a16:creationId xmlns:a16="http://schemas.microsoft.com/office/drawing/2014/main" id="{AD20F2F1-F7A1-10AB-420D-56EED598579F}"/>
+                <a16:creationId xmlns:a16="http://schemas.microsoft.com/office/drawing/2014/main" id="{AEBFF352-C708-8793-3091-06EE4E7BFCE6}"/>
               </a:ext>
             </a:extLst>
           </p:cNvPr>
-          <p:cNvSpPr>
-            <a:spLocks noGrp="1"/>
-          </p:cNvSpPr>
+          <p:cNvGraphicFramePr>
+            <a:graphicFrameLocks noGrp="1"/>
+          </p:cNvGraphicFramePr>
           <p:nvPr>
-            <p:ph type="body" sz="quarter" idx="10"/>
+            <p:extLst>
+              <p:ext uri="{D42A27DB-BD31-4B8C-83A1-F6EECF244321}">
+                <p14:modId xmlns:p14="http://schemas.microsoft.com/office/powerpoint/2010/main" val="1828669274"/>
+              </p:ext>
+            </p:extLst>
           </p:nvPr>
+        </p:nvGraphicFramePr>
+        <p:xfrm>
+          <a:off x="1487202" y="974241"/>
+          <a:ext cx="9312240" cy="952292"/>
+        </p:xfrm>
+        <a:graphic>
+          <a:graphicData uri="http://schemas.openxmlformats.org/drawingml/2006/table">
+            <a:tbl>
+              <a:tblPr firstRow="1" bandRow="1">
+                <a:tableStyleId>{2D5ABB26-0587-4C30-8999-92F81FD0307C}</a:tableStyleId>
+              </a:tblPr>
+              <a:tblGrid>
+                <a:gridCol w="1910636">
+                  <a:extLst>
+                    <a:ext uri="{9D8B030D-6E8A-4147-A177-3AD203B41FA5}">
+                      <a16:colId xmlns:a16="http://schemas.microsoft.com/office/drawing/2014/main" val="705333858"/>
+                    </a:ext>
+                  </a:extLst>
+                </a:gridCol>
+                <a:gridCol w="1719403">
+                  <a:extLst>
+                    <a:ext uri="{9D8B030D-6E8A-4147-A177-3AD203B41FA5}">
+                      <a16:colId xmlns:a16="http://schemas.microsoft.com/office/drawing/2014/main" val="2019225697"/>
+                    </a:ext>
+                  </a:extLst>
+                </a:gridCol>
+                <a:gridCol w="1814597">
+                  <a:extLst>
+                    <a:ext uri="{9D8B030D-6E8A-4147-A177-3AD203B41FA5}">
+                      <a16:colId xmlns:a16="http://schemas.microsoft.com/office/drawing/2014/main" val="3673448683"/>
+                    </a:ext>
+                  </a:extLst>
+                </a:gridCol>
+                <a:gridCol w="3152379">
+                  <a:extLst>
+                    <a:ext uri="{9D8B030D-6E8A-4147-A177-3AD203B41FA5}">
+                      <a16:colId xmlns:a16="http://schemas.microsoft.com/office/drawing/2014/main" val="2234598136"/>
+                    </a:ext>
+                  </a:extLst>
+                </a:gridCol>
+                <a:gridCol w="715225">
+                  <a:extLst>
+                    <a:ext uri="{9D8B030D-6E8A-4147-A177-3AD203B41FA5}">
+                      <a16:colId xmlns:a16="http://schemas.microsoft.com/office/drawing/2014/main" val="2794013875"/>
+                    </a:ext>
+                  </a:extLst>
+                </a:gridCol>
+              </a:tblGrid>
+              <a:tr h="952292">
+                <a:tc>
+                  <a:txBody>
+                    <a:bodyPr/>
+                    <a:lstStyle/>
+                    <a:p>
+                      <a:pPr marL="90805" marR="111760" algn="just">
+                        <a:lnSpc>
+                          <a:spcPct val="100000"/>
+                        </a:lnSpc>
+                        <a:spcBef>
+                          <a:spcPts val="855"/>
+                        </a:spcBef>
+                      </a:pPr>
+                      <a:r>
+                        <a:rPr lang="ko-KR" altLang="en-US" sz="1100" spc="0" baseline="0" dirty="0" err="1">
+                          <a:latin typeface="나눔바른고딕" panose="020B0603020101020101" pitchFamily="50" charset="-127"/>
+                          <a:ea typeface="나눔바른고딕" panose="020B0603020101020101" pitchFamily="50" charset="-127"/>
+                          <a:cs typeface="맑은 고딕"/>
+                        </a:rPr>
+                        <a:t>차일드락이</a:t>
+                      </a:r>
+                      <a:r>
+                        <a:rPr lang="ko-KR" altLang="en-US" sz="1100" spc="0" baseline="0" dirty="0">
+                          <a:latin typeface="나눔바른고딕" panose="020B0603020101020101" pitchFamily="50" charset="-127"/>
+                          <a:ea typeface="나눔바른고딕" panose="020B0603020101020101" pitchFamily="50" charset="-127"/>
+                          <a:cs typeface="맑은 고딕"/>
+                        </a:rPr>
+                        <a:t> 켜진 상태로 아이를 두고 내린 경우 확인이 어렵다</a:t>
+                      </a:r>
+                      <a:endParaRPr sz="1100" spc="0" baseline="0" dirty="0">
+                        <a:latin typeface="나눔바른고딕" panose="020B0603020101020101" pitchFamily="50" charset="-127"/>
+                        <a:ea typeface="나눔바른고딕" panose="020B0603020101020101" pitchFamily="50" charset="-127"/>
+                        <a:cs typeface="맑은 고딕"/>
+                      </a:endParaRPr>
+                    </a:p>
+                  </a:txBody>
+                  <a:tcPr marL="0" marR="0" marT="36000" marB="0">
+                    <a:lnL w="12700" cap="flat" cmpd="sng" algn="ctr">
+                      <a:solidFill>
+                        <a:schemeClr val="tx1"/>
+                      </a:solidFill>
+                      <a:prstDash val="solid"/>
+                      <a:round/>
+                      <a:headEnd type="none" w="med" len="med"/>
+                      <a:tailEnd type="none" w="med" len="med"/>
+                    </a:lnL>
+                    <a:lnR w="12700" cap="flat" cmpd="sng" algn="ctr">
+                      <a:solidFill>
+                        <a:schemeClr val="tx1"/>
+                      </a:solidFill>
+                      <a:prstDash val="solid"/>
+                      <a:round/>
+                      <a:headEnd type="none" w="med" len="med"/>
+                      <a:tailEnd type="none" w="med" len="med"/>
+                    </a:lnR>
+                    <a:lnT w="12700" cap="flat" cmpd="sng" algn="ctr">
+                      <a:solidFill>
+                        <a:schemeClr val="tx1"/>
+                      </a:solidFill>
+                      <a:prstDash val="solid"/>
+                      <a:round/>
+                      <a:headEnd type="none" w="med" len="med"/>
+                      <a:tailEnd type="none" w="med" len="med"/>
+                    </a:lnT>
+                    <a:lnB w="12700" cap="flat" cmpd="sng" algn="ctr">
+                      <a:solidFill>
+                        <a:schemeClr val="tx1"/>
+                      </a:solidFill>
+                      <a:prstDash val="solid"/>
+                      <a:round/>
+                      <a:headEnd type="none" w="med" len="med"/>
+                      <a:tailEnd type="none" w="med" len="med"/>
+                    </a:lnB>
+                  </a:tcPr>
+                </a:tc>
+                <a:tc>
+                  <a:txBody>
+                    <a:bodyPr/>
+                    <a:lstStyle/>
+                    <a:p>
+                      <a:pPr marL="91440" marR="95250" algn="just">
+                        <a:lnSpc>
+                          <a:spcPct val="100000"/>
+                        </a:lnSpc>
+                        <a:spcBef>
+                          <a:spcPts val="5"/>
+                        </a:spcBef>
+                      </a:pPr>
+                      <a:r>
+                        <a:rPr lang="ko-KR" altLang="en-US" sz="1100" spc="0" baseline="0" dirty="0">
+                          <a:latin typeface="나눔바른고딕" panose="020B0603020101020101" pitchFamily="50" charset="-127"/>
+                          <a:ea typeface="나눔바른고딕" panose="020B0603020101020101" pitchFamily="50" charset="-127"/>
+                          <a:cs typeface="Calibri"/>
+                        </a:rPr>
+                        <a:t>아이가 혼자 차에 남게 됨</a:t>
+                      </a:r>
+                      <a:endParaRPr sz="1100" spc="0" baseline="0" dirty="0">
+                        <a:latin typeface="나눔바른고딕" panose="020B0603020101020101" pitchFamily="50" charset="-127"/>
+                        <a:ea typeface="나눔바른고딕" panose="020B0603020101020101" pitchFamily="50" charset="-127"/>
+                        <a:cs typeface="Calibri"/>
+                      </a:endParaRPr>
+                    </a:p>
+                  </a:txBody>
+                  <a:tcPr marL="0" marR="0" marT="36000" marB="0">
+                    <a:lnL w="12700" cap="flat" cmpd="sng" algn="ctr">
+                      <a:solidFill>
+                        <a:schemeClr val="tx1"/>
+                      </a:solidFill>
+                      <a:prstDash val="solid"/>
+                      <a:round/>
+                      <a:headEnd type="none" w="med" len="med"/>
+                      <a:tailEnd type="none" w="med" len="med"/>
+                    </a:lnL>
+                    <a:lnR w="12700" cap="flat" cmpd="sng" algn="ctr">
+                      <a:solidFill>
+                        <a:schemeClr val="tx1"/>
+                      </a:solidFill>
+                      <a:prstDash val="solid"/>
+                      <a:round/>
+                      <a:headEnd type="none" w="med" len="med"/>
+                      <a:tailEnd type="none" w="med" len="med"/>
+                    </a:lnR>
+                    <a:lnT w="12700" cap="flat" cmpd="sng" algn="ctr">
+                      <a:solidFill>
+                        <a:schemeClr val="tx1"/>
+                      </a:solidFill>
+                      <a:prstDash val="solid"/>
+                      <a:round/>
+                      <a:headEnd type="none" w="med" len="med"/>
+                      <a:tailEnd type="none" w="med" len="med"/>
+                    </a:lnT>
+                    <a:lnB w="12700" cap="flat" cmpd="sng" algn="ctr">
+                      <a:solidFill>
+                        <a:schemeClr val="tx1"/>
+                      </a:solidFill>
+                      <a:prstDash val="solid"/>
+                      <a:round/>
+                      <a:headEnd type="none" w="med" len="med"/>
+                      <a:tailEnd type="none" w="med" len="med"/>
+                    </a:lnB>
+                  </a:tcPr>
+                </a:tc>
+                <a:tc>
+                  <a:txBody>
+                    <a:bodyPr/>
+                    <a:lstStyle/>
+                    <a:p>
+                      <a:pPr marL="90805" marR="97155">
+                        <a:lnSpc>
+                          <a:spcPct val="100000"/>
+                        </a:lnSpc>
+                        <a:spcBef>
+                          <a:spcPts val="855"/>
+                        </a:spcBef>
+                      </a:pPr>
+                      <a:r>
+                        <a:rPr lang="ko-KR" altLang="en-US" sz="1100" spc="0" baseline="0" dirty="0" err="1">
+                          <a:latin typeface="나눔바른고딕" panose="020B0603020101020101" pitchFamily="50" charset="-127"/>
+                          <a:ea typeface="나눔바른고딕" panose="020B0603020101020101" pitchFamily="50" charset="-127"/>
+                          <a:cs typeface="Calibri"/>
+                        </a:rPr>
+                        <a:t>차일드락의</a:t>
+                      </a:r>
+                      <a:r>
+                        <a:rPr lang="ko-KR" altLang="en-US" sz="1100" spc="0" baseline="0" dirty="0">
+                          <a:latin typeface="나눔바른고딕" panose="020B0603020101020101" pitchFamily="50" charset="-127"/>
+                          <a:ea typeface="나눔바른고딕" panose="020B0603020101020101" pitchFamily="50" charset="-127"/>
+                          <a:cs typeface="Calibri"/>
+                        </a:rPr>
+                        <a:t> 켜진 상태로 운전자가 하차했을 때 </a:t>
+                      </a:r>
+                      <a:r>
+                        <a:rPr lang="ko-KR" altLang="en-US" sz="1100" strike="noStrike" spc="0" baseline="0" dirty="0">
+                          <a:latin typeface="나눔바른고딕" panose="020B0603020101020101" pitchFamily="50" charset="-127"/>
+                          <a:ea typeface="나눔바른고딕" panose="020B0603020101020101" pitchFamily="50" charset="-127"/>
+                          <a:cs typeface="Calibri"/>
+                        </a:rPr>
+                        <a:t>알림 기능 수행</a:t>
+                      </a:r>
+                      <a:r>
+                        <a:rPr lang="en-US" altLang="ko-KR" sz="1100" strike="noStrike" spc="0" baseline="0" dirty="0">
+                          <a:latin typeface="나눔바른고딕" panose="020B0603020101020101" pitchFamily="50" charset="-127"/>
+                          <a:ea typeface="나눔바른고딕" panose="020B0603020101020101" pitchFamily="50" charset="-127"/>
+                          <a:cs typeface="Calibri"/>
+                        </a:rPr>
+                        <a:t>(</a:t>
+                      </a:r>
+                      <a:r>
+                        <a:rPr lang="ko-KR" altLang="en-US" sz="1100" strike="noStrike" spc="0" baseline="0" dirty="0">
+                          <a:latin typeface="나눔바른고딕" panose="020B0603020101020101" pitchFamily="50" charset="-127"/>
+                          <a:ea typeface="나눔바른고딕" panose="020B0603020101020101" pitchFamily="50" charset="-127"/>
+                          <a:cs typeface="Calibri"/>
+                        </a:rPr>
+                        <a:t>소음</a:t>
+                      </a:r>
+                      <a:r>
+                        <a:rPr lang="en-US" altLang="ko-KR" sz="1100" strike="noStrike" spc="0" baseline="0" dirty="0">
+                          <a:latin typeface="나눔바른고딕" panose="020B0603020101020101" pitchFamily="50" charset="-127"/>
+                          <a:ea typeface="나눔바른고딕" panose="020B0603020101020101" pitchFamily="50" charset="-127"/>
+                          <a:cs typeface="Calibri"/>
+                        </a:rPr>
+                        <a:t>, </a:t>
+                      </a:r>
+                      <a:r>
+                        <a:rPr lang="ko-KR" altLang="en-US" sz="1100" strike="noStrike" spc="0" baseline="0" dirty="0">
+                          <a:latin typeface="나눔바른고딕" panose="020B0603020101020101" pitchFamily="50" charset="-127"/>
+                          <a:ea typeface="나눔바른고딕" panose="020B0603020101020101" pitchFamily="50" charset="-127"/>
+                          <a:cs typeface="Calibri"/>
+                        </a:rPr>
+                        <a:t>점등 등</a:t>
+                      </a:r>
+                      <a:r>
+                        <a:rPr lang="en-US" altLang="ko-KR" sz="1100" strike="noStrike" spc="0" baseline="0" dirty="0">
+                          <a:latin typeface="나눔바른고딕" panose="020B0603020101020101" pitchFamily="50" charset="-127"/>
+                          <a:ea typeface="나눔바른고딕" panose="020B0603020101020101" pitchFamily="50" charset="-127"/>
+                          <a:cs typeface="Calibri"/>
+                        </a:rPr>
+                        <a:t>)</a:t>
+                      </a:r>
+                      <a:endParaRPr sz="1100" strike="sngStrike" spc="0" baseline="0" dirty="0">
+                        <a:latin typeface="나눔바른고딕" panose="020B0603020101020101" pitchFamily="50" charset="-127"/>
+                        <a:ea typeface="나눔바른고딕" panose="020B0603020101020101" pitchFamily="50" charset="-127"/>
+                        <a:cs typeface="Calibri"/>
+                      </a:endParaRPr>
+                    </a:p>
+                  </a:txBody>
+                  <a:tcPr marL="0" marR="0" marT="36000" marB="0">
+                    <a:lnL w="12700" cap="flat" cmpd="sng" algn="ctr">
+                      <a:solidFill>
+                        <a:schemeClr val="tx1"/>
+                      </a:solidFill>
+                      <a:prstDash val="solid"/>
+                      <a:round/>
+                      <a:headEnd type="none" w="med" len="med"/>
+                      <a:tailEnd type="none" w="med" len="med"/>
+                    </a:lnL>
+                    <a:lnR w="12700" cap="flat" cmpd="sng" algn="ctr">
+                      <a:solidFill>
+                        <a:schemeClr val="tx1"/>
+                      </a:solidFill>
+                      <a:prstDash val="solid"/>
+                      <a:round/>
+                      <a:headEnd type="none" w="med" len="med"/>
+                      <a:tailEnd type="none" w="med" len="med"/>
+                    </a:lnR>
+                    <a:lnT w="12700" cap="flat" cmpd="sng" algn="ctr">
+                      <a:solidFill>
+                        <a:schemeClr val="tx1"/>
+                      </a:solidFill>
+                      <a:prstDash val="solid"/>
+                      <a:round/>
+                      <a:headEnd type="none" w="med" len="med"/>
+                      <a:tailEnd type="none" w="med" len="med"/>
+                    </a:lnT>
+                    <a:lnB w="12700" cap="flat" cmpd="sng" algn="ctr">
+                      <a:solidFill>
+                        <a:schemeClr val="tx1"/>
+                      </a:solidFill>
+                      <a:prstDash val="solid"/>
+                      <a:round/>
+                      <a:headEnd type="none" w="med" len="med"/>
+                      <a:tailEnd type="none" w="med" len="med"/>
+                    </a:lnB>
+                  </a:tcPr>
+                </a:tc>
+                <a:tc>
+                  <a:txBody>
+                    <a:bodyPr/>
+                    <a:lstStyle/>
+                    <a:p>
+                      <a:pPr marL="90805" marR="99060">
+                        <a:lnSpc>
+                          <a:spcPct val="100000"/>
+                        </a:lnSpc>
+                        <a:spcBef>
+                          <a:spcPts val="254"/>
+                        </a:spcBef>
+                      </a:pPr>
+                      <a:r>
+                        <a:rPr lang="ko-KR" altLang="en-US" sz="1100" spc="0" baseline="0" dirty="0" err="1">
+                          <a:latin typeface="나눔바른고딕" panose="020B0603020101020101" pitchFamily="50" charset="-127"/>
+                          <a:ea typeface="나눔바른고딕" panose="020B0603020101020101" pitchFamily="50" charset="-127"/>
+                          <a:cs typeface="Calibri"/>
+                        </a:rPr>
+                        <a:t>개선시</a:t>
+                      </a:r>
+                      <a:r>
+                        <a:rPr lang="ko-KR" altLang="en-US" sz="1100" spc="0" baseline="0" dirty="0">
+                          <a:latin typeface="나눔바른고딕" panose="020B0603020101020101" pitchFamily="50" charset="-127"/>
+                          <a:ea typeface="나눔바른고딕" panose="020B0603020101020101" pitchFamily="50" charset="-127"/>
+                          <a:cs typeface="Calibri"/>
+                        </a:rPr>
+                        <a:t> 아동 위급상황 방지할 수 있어서 영향도 높고</a:t>
+                      </a:r>
+                      <a:r>
+                        <a:rPr lang="en-US" altLang="ko-KR" sz="1100" spc="0" baseline="0" dirty="0">
+                          <a:latin typeface="나눔바른고딕" panose="020B0603020101020101" pitchFamily="50" charset="-127"/>
+                          <a:ea typeface="나눔바른고딕" panose="020B0603020101020101" pitchFamily="50" charset="-127"/>
+                          <a:cs typeface="Calibri"/>
+                        </a:rPr>
+                        <a:t>, </a:t>
+                      </a:r>
+                      <a:r>
+                        <a:rPr lang="ko-KR" altLang="en-US" sz="1100" spc="0" baseline="0" dirty="0">
+                          <a:latin typeface="나눔바른고딕" panose="020B0603020101020101" pitchFamily="50" charset="-127"/>
+                          <a:ea typeface="나눔바른고딕" panose="020B0603020101020101" pitchFamily="50" charset="-127"/>
+                          <a:cs typeface="Calibri"/>
+                        </a:rPr>
+                        <a:t>중요도 높음</a:t>
+                      </a:r>
+                      <a:endParaRPr lang="en-US" altLang="ko-KR" sz="1100" spc="0" baseline="0" dirty="0">
+                        <a:latin typeface="나눔바른고딕" panose="020B0603020101020101" pitchFamily="50" charset="-127"/>
+                        <a:ea typeface="나눔바른고딕" panose="020B0603020101020101" pitchFamily="50" charset="-127"/>
+                        <a:cs typeface="Calibri"/>
+                      </a:endParaRPr>
+                    </a:p>
+                  </a:txBody>
+                  <a:tcPr marL="0" marR="0" marT="36000" marB="0">
+                    <a:lnL w="12700" cap="flat" cmpd="sng" algn="ctr">
+                      <a:solidFill>
+                        <a:schemeClr val="tx1"/>
+                      </a:solidFill>
+                      <a:prstDash val="solid"/>
+                      <a:round/>
+                      <a:headEnd type="none" w="med" len="med"/>
+                      <a:tailEnd type="none" w="med" len="med"/>
+                    </a:lnL>
+                    <a:lnR w="12700" cap="flat" cmpd="sng" algn="ctr">
+                      <a:solidFill>
+                        <a:schemeClr val="tx1"/>
+                      </a:solidFill>
+                      <a:prstDash val="solid"/>
+                      <a:round/>
+                      <a:headEnd type="none" w="med" len="med"/>
+                      <a:tailEnd type="none" w="med" len="med"/>
+                    </a:lnR>
+                    <a:lnT w="12700" cap="flat" cmpd="sng" algn="ctr">
+                      <a:solidFill>
+                        <a:schemeClr val="tx1"/>
+                      </a:solidFill>
+                      <a:prstDash val="solid"/>
+                      <a:round/>
+                      <a:headEnd type="none" w="med" len="med"/>
+                      <a:tailEnd type="none" w="med" len="med"/>
+                    </a:lnT>
+                    <a:lnB w="12700" cap="flat" cmpd="sng" algn="ctr">
+                      <a:solidFill>
+                        <a:schemeClr val="tx1"/>
+                      </a:solidFill>
+                      <a:prstDash val="solid"/>
+                      <a:round/>
+                      <a:headEnd type="none" w="med" len="med"/>
+                      <a:tailEnd type="none" w="med" len="med"/>
+                    </a:lnB>
+                  </a:tcPr>
+                </a:tc>
+                <a:tc>
+                  <a:txBody>
+                    <a:bodyPr/>
+                    <a:lstStyle/>
+                    <a:p>
+                      <a:pPr>
+                        <a:lnSpc>
+                          <a:spcPct val="100000"/>
+                        </a:lnSpc>
+                      </a:pPr>
+                      <a:endParaRPr sz="1600" spc="0" baseline="0" dirty="0">
+                        <a:latin typeface="나눔바른고딕" panose="020B0603020101020101" pitchFamily="50" charset="-127"/>
+                        <a:ea typeface="나눔바른고딕" panose="020B0603020101020101" pitchFamily="50" charset="-127"/>
+                        <a:cs typeface="Times New Roman"/>
+                      </a:endParaRPr>
+                    </a:p>
+                    <a:p>
+                      <a:pPr marL="90805">
+                        <a:lnSpc>
+                          <a:spcPct val="100000"/>
+                        </a:lnSpc>
+                      </a:pPr>
+                      <a:r>
+                        <a:rPr lang="en-US" sz="1100" spc="0" baseline="0" dirty="0">
+                          <a:latin typeface="나눔바른고딕" panose="020B0603020101020101" pitchFamily="50" charset="-127"/>
+                          <a:ea typeface="나눔바른고딕" panose="020B0603020101020101" pitchFamily="50" charset="-127"/>
+                          <a:cs typeface="Calibri"/>
+                        </a:rPr>
+                        <a:t>+++</a:t>
+                      </a:r>
+                      <a:endParaRPr sz="1100" spc="0" baseline="0" dirty="0">
+                        <a:latin typeface="나눔바른고딕" panose="020B0603020101020101" pitchFamily="50" charset="-127"/>
+                        <a:ea typeface="나눔바른고딕" panose="020B0603020101020101" pitchFamily="50" charset="-127"/>
+                        <a:cs typeface="Calibri"/>
+                      </a:endParaRPr>
+                    </a:p>
+                  </a:txBody>
+                  <a:tcPr marL="0" marR="0" marT="36000" marB="0">
+                    <a:lnL w="12700" cap="flat" cmpd="sng" algn="ctr">
+                      <a:solidFill>
+                        <a:schemeClr val="tx1"/>
+                      </a:solidFill>
+                      <a:prstDash val="solid"/>
+                      <a:round/>
+                      <a:headEnd type="none" w="med" len="med"/>
+                      <a:tailEnd type="none" w="med" len="med"/>
+                    </a:lnL>
+                    <a:lnR w="12700" cap="flat" cmpd="sng" algn="ctr">
+                      <a:solidFill>
+                        <a:schemeClr val="tx1"/>
+                      </a:solidFill>
+                      <a:prstDash val="solid"/>
+                      <a:round/>
+                      <a:headEnd type="none" w="med" len="med"/>
+                      <a:tailEnd type="none" w="med" len="med"/>
+                    </a:lnR>
+                    <a:lnT w="12700" cap="flat" cmpd="sng" algn="ctr">
+                      <a:solidFill>
+                        <a:schemeClr val="tx1"/>
+                      </a:solidFill>
+                      <a:prstDash val="solid"/>
+                      <a:round/>
+                      <a:headEnd type="none" w="med" len="med"/>
+                      <a:tailEnd type="none" w="med" len="med"/>
+                    </a:lnT>
+                    <a:lnB w="12700" cap="flat" cmpd="sng" algn="ctr">
+                      <a:solidFill>
+                        <a:schemeClr val="tx1"/>
+                      </a:solidFill>
+                      <a:prstDash val="solid"/>
+                      <a:round/>
+                      <a:headEnd type="none" w="med" len="med"/>
+                      <a:tailEnd type="none" w="med" len="med"/>
+                    </a:lnB>
+                  </a:tcPr>
+                </a:tc>
+                <a:extLst>
+                  <a:ext uri="{0D108BD9-81ED-4DB2-BD59-A6C34878D82A}">
+                    <a16:rowId xmlns:a16="http://schemas.microsoft.com/office/drawing/2014/main" val="1304406519"/>
+                  </a:ext>
+                </a:extLst>
+              </a:tr>
+            </a:tbl>
+          </a:graphicData>
+        </a:graphic>
+      </p:graphicFrame>
+      <p:sp>
+        <p:nvSpPr>
+          <p:cNvPr id="5" name="직사각형 4">
+            <a:extLst>
+              <a:ext uri="{FF2B5EF4-FFF2-40B4-BE49-F238E27FC236}">
+                <a16:creationId xmlns:a16="http://schemas.microsoft.com/office/drawing/2014/main" id="{8A5DF287-0546-4886-A512-7635E3F7817E}"/>
+              </a:ext>
+            </a:extLst>
+          </p:cNvPr>
+          <p:cNvSpPr/>
+          <p:nvPr/>
         </p:nvSpPr>
-        <p:spPr/>
+        <p:spPr>
+          <a:xfrm>
+            <a:off x="4464323" y="2287074"/>
+            <a:ext cx="4265907" cy="3993470"/>
+          </a:xfrm>
+          <a:prstGeom prst="rect">
+            <a:avLst/>
+          </a:prstGeom>
+          <a:solidFill>
+            <a:srgbClr val="F2F2F2"/>
+          </a:solidFill>
+          <a:ln w="12700">
+            <a:noFill/>
+          </a:ln>
+        </p:spPr>
+        <p:style>
+          <a:lnRef idx="2">
+            <a:schemeClr val="accent1">
+              <a:shade val="50000"/>
+            </a:schemeClr>
+          </a:lnRef>
+          <a:fillRef idx="1">
+            <a:schemeClr val="accent1"/>
+          </a:fillRef>
+          <a:effectRef idx="0">
+            <a:schemeClr val="accent1"/>
+          </a:effectRef>
+          <a:fontRef idx="minor">
+            <a:schemeClr val="lt1"/>
+          </a:fontRef>
+        </p:style>
         <p:txBody>
-          <a:bodyPr/>
+          <a:bodyPr rtlCol="0" anchor="ctr"/>
           <a:lstStyle/>
           <a:p>
-            <a:endParaRPr lang="ko-KR" altLang="en-US"/>
+            <a:pPr algn="ctr"/>
+            <a:endParaRPr lang="ko-KR" altLang="en-US" sz="3200" dirty="0">
+              <a:solidFill>
+                <a:schemeClr val="bg1"/>
+              </a:solidFill>
+              <a:latin typeface="프리젠테이션 7 Bold" pitchFamily="2" charset="-127"/>
+              <a:ea typeface="프리젠테이션 7 Bold" pitchFamily="2" charset="-127"/>
+            </a:endParaRPr>
+          </a:p>
+        </p:txBody>
+      </p:sp>
+      <p:sp>
+        <p:nvSpPr>
+          <p:cNvPr id="6" name="웃는 얼굴 5">
+            <a:extLst>
+              <a:ext uri="{FF2B5EF4-FFF2-40B4-BE49-F238E27FC236}">
+                <a16:creationId xmlns:a16="http://schemas.microsoft.com/office/drawing/2014/main" id="{A6712A01-F439-2C15-840E-7F07418CFA7E}"/>
+              </a:ext>
+            </a:extLst>
+          </p:cNvPr>
+          <p:cNvSpPr/>
+          <p:nvPr/>
+        </p:nvSpPr>
+        <p:spPr>
+          <a:xfrm>
+            <a:off x="2860314" y="3158613"/>
+            <a:ext cx="903318" cy="952293"/>
+          </a:xfrm>
+          <a:prstGeom prst="smileyFace">
+            <a:avLst/>
+          </a:prstGeom>
+          <a:ln/>
+        </p:spPr>
+        <p:style>
+          <a:lnRef idx="2">
+            <a:schemeClr val="dk1"/>
+          </a:lnRef>
+          <a:fillRef idx="1">
+            <a:schemeClr val="lt1"/>
+          </a:fillRef>
+          <a:effectRef idx="0">
+            <a:schemeClr val="dk1"/>
+          </a:effectRef>
+          <a:fontRef idx="minor">
+            <a:schemeClr val="dk1"/>
+          </a:fontRef>
+        </p:style>
+        <p:txBody>
+          <a:bodyPr rtlCol="0" anchor="ctr"/>
+          <a:lstStyle/>
+          <a:p>
+            <a:pPr algn="ctr"/>
+            <a:endParaRPr lang="ko-KR" altLang="en-US" sz="3200" dirty="0">
+              <a:solidFill>
+                <a:schemeClr val="bg1"/>
+              </a:solidFill>
+              <a:latin typeface="프리젠테이션 7 Bold" pitchFamily="2" charset="-127"/>
+              <a:ea typeface="프리젠테이션 7 Bold" pitchFamily="2" charset="-127"/>
+            </a:endParaRPr>
+          </a:p>
+        </p:txBody>
+      </p:sp>
+      <p:sp>
+        <p:nvSpPr>
+          <p:cNvPr id="8" name="TextBox 7">
+            <a:extLst>
+              <a:ext uri="{FF2B5EF4-FFF2-40B4-BE49-F238E27FC236}">
+                <a16:creationId xmlns:a16="http://schemas.microsoft.com/office/drawing/2014/main" id="{4A54F8B3-6E18-86D4-8A60-4C715DC902CD}"/>
+              </a:ext>
+            </a:extLst>
+          </p:cNvPr>
+          <p:cNvSpPr txBox="1"/>
+          <p:nvPr/>
+        </p:nvSpPr>
+        <p:spPr>
+          <a:xfrm>
+            <a:off x="3007811" y="4145310"/>
+            <a:ext cx="903318" cy="276999"/>
+          </a:xfrm>
+          <a:prstGeom prst="rect">
+            <a:avLst/>
+          </a:prstGeom>
+          <a:noFill/>
+        </p:spPr>
+        <p:txBody>
+          <a:bodyPr wrap="square" rtlCol="0">
+            <a:spAutoFit/>
+          </a:bodyPr>
+          <a:lstStyle/>
+          <a:p>
+            <a:r>
+              <a:rPr lang="ko-KR" altLang="en-US" sz="1200" dirty="0">
+                <a:latin typeface="+mn-ea"/>
+              </a:rPr>
+              <a:t>탑승자</a:t>
+            </a:r>
+          </a:p>
+        </p:txBody>
+      </p:sp>
+      <p:sp>
+        <p:nvSpPr>
+          <p:cNvPr id="10" name="웃는 얼굴 9">
+            <a:extLst>
+              <a:ext uri="{FF2B5EF4-FFF2-40B4-BE49-F238E27FC236}">
+                <a16:creationId xmlns:a16="http://schemas.microsoft.com/office/drawing/2014/main" id="{11E02487-AD50-BDC6-3E9D-32989590C4E4}"/>
+              </a:ext>
+            </a:extLst>
+          </p:cNvPr>
+          <p:cNvSpPr/>
+          <p:nvPr/>
+        </p:nvSpPr>
+        <p:spPr>
+          <a:xfrm>
+            <a:off x="3028294" y="4805452"/>
+            <a:ext cx="903318" cy="952293"/>
+          </a:xfrm>
+          <a:prstGeom prst="smileyFace">
+            <a:avLst/>
+          </a:prstGeom>
+          <a:ln/>
+        </p:spPr>
+        <p:style>
+          <a:lnRef idx="2">
+            <a:schemeClr val="dk1"/>
+          </a:lnRef>
+          <a:fillRef idx="1">
+            <a:schemeClr val="lt1"/>
+          </a:fillRef>
+          <a:effectRef idx="0">
+            <a:schemeClr val="dk1"/>
+          </a:effectRef>
+          <a:fontRef idx="minor">
+            <a:schemeClr val="dk1"/>
+          </a:fontRef>
+        </p:style>
+        <p:txBody>
+          <a:bodyPr rtlCol="0" anchor="ctr"/>
+          <a:lstStyle/>
+          <a:p>
+            <a:pPr algn="ctr"/>
+            <a:endParaRPr lang="ko-KR" altLang="en-US" sz="3200" dirty="0">
+              <a:solidFill>
+                <a:schemeClr val="bg1"/>
+              </a:solidFill>
+              <a:latin typeface="프리젠테이션 7 Bold" pitchFamily="2" charset="-127"/>
+              <a:ea typeface="프리젠테이션 7 Bold" pitchFamily="2" charset="-127"/>
+            </a:endParaRPr>
+          </a:p>
+        </p:txBody>
+      </p:sp>
+      <p:sp>
+        <p:nvSpPr>
+          <p:cNvPr id="11" name="TextBox 10">
+            <a:extLst>
+              <a:ext uri="{FF2B5EF4-FFF2-40B4-BE49-F238E27FC236}">
+                <a16:creationId xmlns:a16="http://schemas.microsoft.com/office/drawing/2014/main" id="{102CBC4C-D3F6-FF43-06C7-09D6E03457FF}"/>
+              </a:ext>
+            </a:extLst>
+          </p:cNvPr>
+          <p:cNvSpPr txBox="1"/>
+          <p:nvPr/>
+        </p:nvSpPr>
+        <p:spPr>
+          <a:xfrm>
+            <a:off x="3253478" y="5861513"/>
+            <a:ext cx="657651" cy="276999"/>
+          </a:xfrm>
+          <a:prstGeom prst="rect">
+            <a:avLst/>
+          </a:prstGeom>
+          <a:noFill/>
+        </p:spPr>
+        <p:txBody>
+          <a:bodyPr wrap="square" rtlCol="0">
+            <a:spAutoFit/>
+          </a:bodyPr>
+          <a:lstStyle/>
+          <a:p>
+            <a:r>
+              <a:rPr lang="ko-KR" altLang="en-US" sz="1200" dirty="0">
+                <a:latin typeface="+mn-ea"/>
+              </a:rPr>
+              <a:t>센서</a:t>
+            </a:r>
+          </a:p>
+        </p:txBody>
+      </p:sp>
+      <p:sp>
+        <p:nvSpPr>
+          <p:cNvPr id="12" name="웃는 얼굴 11">
+            <a:extLst>
+              <a:ext uri="{FF2B5EF4-FFF2-40B4-BE49-F238E27FC236}">
+                <a16:creationId xmlns:a16="http://schemas.microsoft.com/office/drawing/2014/main" id="{15FD8296-5367-76D7-4077-BC30970868CC}"/>
+              </a:ext>
+            </a:extLst>
+          </p:cNvPr>
+          <p:cNvSpPr/>
+          <p:nvPr/>
+        </p:nvSpPr>
+        <p:spPr>
+          <a:xfrm>
+            <a:off x="9514179" y="2682467"/>
+            <a:ext cx="903318" cy="952293"/>
+          </a:xfrm>
+          <a:prstGeom prst="smileyFace">
+            <a:avLst/>
+          </a:prstGeom>
+          <a:ln/>
+        </p:spPr>
+        <p:style>
+          <a:lnRef idx="2">
+            <a:schemeClr val="dk1"/>
+          </a:lnRef>
+          <a:fillRef idx="1">
+            <a:schemeClr val="lt1"/>
+          </a:fillRef>
+          <a:effectRef idx="0">
+            <a:schemeClr val="dk1"/>
+          </a:effectRef>
+          <a:fontRef idx="minor">
+            <a:schemeClr val="dk1"/>
+          </a:fontRef>
+        </p:style>
+        <p:txBody>
+          <a:bodyPr rtlCol="0" anchor="ctr"/>
+          <a:lstStyle/>
+          <a:p>
+            <a:pPr algn="ctr"/>
+            <a:endParaRPr lang="ko-KR" altLang="en-US" sz="3200" dirty="0">
+              <a:solidFill>
+                <a:schemeClr val="bg1"/>
+              </a:solidFill>
+              <a:latin typeface="프리젠테이션 7 Bold" pitchFamily="2" charset="-127"/>
+              <a:ea typeface="프리젠테이션 7 Bold" pitchFamily="2" charset="-127"/>
+            </a:endParaRPr>
+          </a:p>
+        </p:txBody>
+      </p:sp>
+      <p:sp>
+        <p:nvSpPr>
+          <p:cNvPr id="13" name="TextBox 12">
+            <a:extLst>
+              <a:ext uri="{FF2B5EF4-FFF2-40B4-BE49-F238E27FC236}">
+                <a16:creationId xmlns:a16="http://schemas.microsoft.com/office/drawing/2014/main" id="{B083A898-99CD-7A8E-EA83-3BE4A0C70864}"/>
+              </a:ext>
+            </a:extLst>
+          </p:cNvPr>
+          <p:cNvSpPr txBox="1"/>
+          <p:nvPr/>
+        </p:nvSpPr>
+        <p:spPr>
+          <a:xfrm>
+            <a:off x="9445146" y="3726428"/>
+            <a:ext cx="1226694" cy="276999"/>
+          </a:xfrm>
+          <a:prstGeom prst="rect">
+            <a:avLst/>
+          </a:prstGeom>
+          <a:noFill/>
+        </p:spPr>
+        <p:txBody>
+          <a:bodyPr wrap="square" rtlCol="0">
+            <a:spAutoFit/>
+          </a:bodyPr>
+          <a:lstStyle/>
+          <a:p>
+            <a:r>
+              <a:rPr lang="ko-KR" altLang="en-US" sz="1200" dirty="0">
+                <a:latin typeface="+mn-ea"/>
+              </a:rPr>
+              <a:t>알림 시스템</a:t>
+            </a:r>
+          </a:p>
+        </p:txBody>
+      </p:sp>
+      <p:sp>
+        <p:nvSpPr>
+          <p:cNvPr id="16" name="타원 15">
+            <a:extLst>
+              <a:ext uri="{FF2B5EF4-FFF2-40B4-BE49-F238E27FC236}">
+                <a16:creationId xmlns:a16="http://schemas.microsoft.com/office/drawing/2014/main" id="{F2C7AF5D-9E5D-D13B-53FE-2A2489BFB970}"/>
+              </a:ext>
+            </a:extLst>
+          </p:cNvPr>
+          <p:cNvSpPr/>
+          <p:nvPr/>
+        </p:nvSpPr>
+        <p:spPr>
+          <a:xfrm>
+            <a:off x="6384984" y="2674951"/>
+            <a:ext cx="2065020" cy="685800"/>
+          </a:xfrm>
+          <a:prstGeom prst="ellipse">
+            <a:avLst/>
+          </a:prstGeom>
+          <a:solidFill>
+            <a:srgbClr val="356DDE"/>
+          </a:solidFill>
+          <a:ln w="12700">
+            <a:noFill/>
+          </a:ln>
+        </p:spPr>
+        <p:style>
+          <a:lnRef idx="2">
+            <a:schemeClr val="accent1">
+              <a:shade val="50000"/>
+            </a:schemeClr>
+          </a:lnRef>
+          <a:fillRef idx="1">
+            <a:schemeClr val="accent1"/>
+          </a:fillRef>
+          <a:effectRef idx="0">
+            <a:schemeClr val="accent1"/>
+          </a:effectRef>
+          <a:fontRef idx="minor">
+            <a:schemeClr val="lt1"/>
+          </a:fontRef>
+        </p:style>
+        <p:txBody>
+          <a:bodyPr rtlCol="0" anchor="ctr"/>
+          <a:lstStyle/>
+          <a:p>
+            <a:pPr algn="ctr"/>
+            <a:r>
+              <a:rPr lang="ko-KR" altLang="en-US" sz="2000" dirty="0">
+                <a:solidFill>
+                  <a:schemeClr val="bg1"/>
+                </a:solidFill>
+                <a:latin typeface="프리젠테이션 7 Bold" pitchFamily="2" charset="-127"/>
+                <a:ea typeface="프리젠테이션 7 Bold" pitchFamily="2" charset="-127"/>
+              </a:rPr>
+              <a:t>탑승확인</a:t>
+            </a:r>
+          </a:p>
+        </p:txBody>
+      </p:sp>
+      <p:sp>
+        <p:nvSpPr>
+          <p:cNvPr id="18" name="타원 17">
+            <a:extLst>
+              <a:ext uri="{FF2B5EF4-FFF2-40B4-BE49-F238E27FC236}">
+                <a16:creationId xmlns:a16="http://schemas.microsoft.com/office/drawing/2014/main" id="{430BDE77-7A8A-0078-D636-4B8F50EA598C}"/>
+              </a:ext>
+            </a:extLst>
+          </p:cNvPr>
+          <p:cNvSpPr/>
+          <p:nvPr/>
+        </p:nvSpPr>
+        <p:spPr>
+          <a:xfrm>
+            <a:off x="4869151" y="3622486"/>
+            <a:ext cx="2065020" cy="685800"/>
+          </a:xfrm>
+          <a:prstGeom prst="ellipse">
+            <a:avLst/>
+          </a:prstGeom>
+          <a:solidFill>
+            <a:srgbClr val="356DDE"/>
+          </a:solidFill>
+          <a:ln w="12700">
+            <a:noFill/>
+          </a:ln>
+        </p:spPr>
+        <p:style>
+          <a:lnRef idx="2">
+            <a:schemeClr val="accent1">
+              <a:shade val="50000"/>
+            </a:schemeClr>
+          </a:lnRef>
+          <a:fillRef idx="1">
+            <a:schemeClr val="accent1"/>
+          </a:fillRef>
+          <a:effectRef idx="0">
+            <a:schemeClr val="accent1"/>
+          </a:effectRef>
+          <a:fontRef idx="minor">
+            <a:schemeClr val="lt1"/>
+          </a:fontRef>
+        </p:style>
+        <p:txBody>
+          <a:bodyPr rtlCol="0" anchor="ctr"/>
+          <a:lstStyle/>
+          <a:p>
+            <a:pPr algn="ctr"/>
+            <a:r>
+              <a:rPr lang="ko-KR" altLang="en-US" sz="2000" dirty="0">
+                <a:solidFill>
+                  <a:schemeClr val="bg1"/>
+                </a:solidFill>
+                <a:latin typeface="프리젠테이션 7 Bold" pitchFamily="2" charset="-127"/>
+                <a:ea typeface="프리젠테이션 7 Bold" pitchFamily="2" charset="-127"/>
+              </a:rPr>
+              <a:t>탑승감지</a:t>
+            </a:r>
+          </a:p>
+        </p:txBody>
+      </p:sp>
+      <p:sp>
+        <p:nvSpPr>
+          <p:cNvPr id="19" name="타원 18">
+            <a:extLst>
+              <a:ext uri="{FF2B5EF4-FFF2-40B4-BE49-F238E27FC236}">
+                <a16:creationId xmlns:a16="http://schemas.microsoft.com/office/drawing/2014/main" id="{859C8F72-E35B-41D6-2811-050F18114C31}"/>
+              </a:ext>
+            </a:extLst>
+          </p:cNvPr>
+          <p:cNvSpPr/>
+          <p:nvPr/>
+        </p:nvSpPr>
+        <p:spPr>
+          <a:xfrm>
+            <a:off x="5229181" y="4938699"/>
+            <a:ext cx="2065020" cy="685800"/>
+          </a:xfrm>
+          <a:prstGeom prst="ellipse">
+            <a:avLst/>
+          </a:prstGeom>
+          <a:solidFill>
+            <a:srgbClr val="356DDE"/>
+          </a:solidFill>
+          <a:ln w="12700">
+            <a:noFill/>
+          </a:ln>
+        </p:spPr>
+        <p:style>
+          <a:lnRef idx="2">
+            <a:schemeClr val="accent1">
+              <a:shade val="50000"/>
+            </a:schemeClr>
+          </a:lnRef>
+          <a:fillRef idx="1">
+            <a:schemeClr val="accent1"/>
+          </a:fillRef>
+          <a:effectRef idx="0">
+            <a:schemeClr val="accent1"/>
+          </a:effectRef>
+          <a:fontRef idx="minor">
+            <a:schemeClr val="lt1"/>
+          </a:fontRef>
+        </p:style>
+        <p:txBody>
+          <a:bodyPr rtlCol="0" anchor="ctr"/>
+          <a:lstStyle/>
+          <a:p>
+            <a:pPr algn="ctr"/>
+            <a:r>
+              <a:rPr lang="ko-KR" altLang="en-US" sz="2000" dirty="0" err="1">
+                <a:solidFill>
+                  <a:schemeClr val="bg1"/>
+                </a:solidFill>
+                <a:latin typeface="프리젠테이션 7 Bold" pitchFamily="2" charset="-127"/>
+                <a:ea typeface="프리젠테이션 7 Bold" pitchFamily="2" charset="-127"/>
+              </a:rPr>
+              <a:t>차일드락</a:t>
+            </a:r>
+            <a:r>
+              <a:rPr lang="ko-KR" altLang="en-US" sz="2000" dirty="0">
+                <a:solidFill>
+                  <a:schemeClr val="bg1"/>
+                </a:solidFill>
+                <a:latin typeface="프리젠테이션 7 Bold" pitchFamily="2" charset="-127"/>
+                <a:ea typeface="프리젠테이션 7 Bold" pitchFamily="2" charset="-127"/>
+              </a:rPr>
+              <a:t> </a:t>
+            </a:r>
+            <a:r>
+              <a:rPr lang="en-US" altLang="ko-KR" sz="2000" dirty="0">
+                <a:solidFill>
+                  <a:schemeClr val="bg1"/>
+                </a:solidFill>
+                <a:latin typeface="프리젠테이션 7 Bold" pitchFamily="2" charset="-127"/>
+                <a:ea typeface="프리젠테이션 7 Bold" pitchFamily="2" charset="-127"/>
+              </a:rPr>
+              <a:t>ON/OFF</a:t>
+            </a:r>
+            <a:endParaRPr lang="ko-KR" altLang="en-US" sz="2000" dirty="0">
+              <a:solidFill>
+                <a:schemeClr val="bg1"/>
+              </a:solidFill>
+              <a:latin typeface="프리젠테이션 7 Bold" pitchFamily="2" charset="-127"/>
+              <a:ea typeface="프리젠테이션 7 Bold" pitchFamily="2" charset="-127"/>
+            </a:endParaRPr>
+          </a:p>
+        </p:txBody>
+      </p:sp>
+      <p:cxnSp>
+        <p:nvCxnSpPr>
+          <p:cNvPr id="21" name="직선 화살표 연결선 20">
+            <a:extLst>
+              <a:ext uri="{FF2B5EF4-FFF2-40B4-BE49-F238E27FC236}">
+                <a16:creationId xmlns:a16="http://schemas.microsoft.com/office/drawing/2014/main" id="{16EBF541-FB74-2BDA-B94A-B8970DA6B789}"/>
+              </a:ext>
+            </a:extLst>
+          </p:cNvPr>
+          <p:cNvCxnSpPr>
+            <a:stCxn id="6" idx="6"/>
+            <a:endCxn id="18" idx="2"/>
+          </p:cNvCxnSpPr>
+          <p:nvPr/>
+        </p:nvCxnSpPr>
+        <p:spPr>
+          <a:xfrm>
+            <a:off x="3763632" y="3634760"/>
+            <a:ext cx="1105519" cy="330626"/>
+          </a:xfrm>
+          <a:prstGeom prst="straightConnector1">
+            <a:avLst/>
+          </a:prstGeom>
+          <a:ln w="57150">
+            <a:solidFill>
+              <a:schemeClr val="bg1">
+                <a:lumMod val="50000"/>
+              </a:schemeClr>
+            </a:solidFill>
+            <a:tailEnd type="triangle"/>
+          </a:ln>
+        </p:spPr>
+        <p:style>
+          <a:lnRef idx="1">
+            <a:schemeClr val="accent1"/>
+          </a:lnRef>
+          <a:fillRef idx="0">
+            <a:schemeClr val="accent1"/>
+          </a:fillRef>
+          <a:effectRef idx="0">
+            <a:schemeClr val="accent1"/>
+          </a:effectRef>
+          <a:fontRef idx="minor">
+            <a:schemeClr val="tx1"/>
+          </a:fontRef>
+        </p:style>
+      </p:cxnSp>
+      <p:cxnSp>
+        <p:nvCxnSpPr>
+          <p:cNvPr id="22" name="직선 화살표 연결선 21">
+            <a:extLst>
+              <a:ext uri="{FF2B5EF4-FFF2-40B4-BE49-F238E27FC236}">
+                <a16:creationId xmlns:a16="http://schemas.microsoft.com/office/drawing/2014/main" id="{35E59C26-921A-D1DA-27DF-E71A01162882}"/>
+              </a:ext>
+            </a:extLst>
+          </p:cNvPr>
+          <p:cNvCxnSpPr>
+            <a:cxnSpLocks/>
+            <a:stCxn id="10" idx="6"/>
+            <a:endCxn id="19" idx="2"/>
+          </p:cNvCxnSpPr>
+          <p:nvPr/>
+        </p:nvCxnSpPr>
+        <p:spPr>
+          <a:xfrm>
+            <a:off x="3931612" y="5281599"/>
+            <a:ext cx="1297569" cy="0"/>
+          </a:xfrm>
+          <a:prstGeom prst="straightConnector1">
+            <a:avLst/>
+          </a:prstGeom>
+          <a:ln w="57150">
+            <a:solidFill>
+              <a:schemeClr val="bg1">
+                <a:lumMod val="50000"/>
+              </a:schemeClr>
+            </a:solidFill>
+            <a:tailEnd type="triangle"/>
+          </a:ln>
+        </p:spPr>
+        <p:style>
+          <a:lnRef idx="1">
+            <a:schemeClr val="accent1"/>
+          </a:lnRef>
+          <a:fillRef idx="0">
+            <a:schemeClr val="accent1"/>
+          </a:fillRef>
+          <a:effectRef idx="0">
+            <a:schemeClr val="accent1"/>
+          </a:effectRef>
+          <a:fontRef idx="minor">
+            <a:schemeClr val="tx1"/>
+          </a:fontRef>
+        </p:style>
+      </p:cxnSp>
+      <p:cxnSp>
+        <p:nvCxnSpPr>
+          <p:cNvPr id="25" name="직선 화살표 연결선 24">
+            <a:extLst>
+              <a:ext uri="{FF2B5EF4-FFF2-40B4-BE49-F238E27FC236}">
+                <a16:creationId xmlns:a16="http://schemas.microsoft.com/office/drawing/2014/main" id="{22AF617A-3FC2-5B7B-0095-81EDBB1D2374}"/>
+              </a:ext>
+            </a:extLst>
+          </p:cNvPr>
+          <p:cNvCxnSpPr>
+            <a:cxnSpLocks/>
+            <a:stCxn id="10" idx="6"/>
+            <a:endCxn id="18" idx="2"/>
+          </p:cNvCxnSpPr>
+          <p:nvPr/>
+        </p:nvCxnSpPr>
+        <p:spPr>
+          <a:xfrm flipV="1">
+            <a:off x="3931612" y="3965386"/>
+            <a:ext cx="937539" cy="1316213"/>
+          </a:xfrm>
+          <a:prstGeom prst="straightConnector1">
+            <a:avLst/>
+          </a:prstGeom>
+          <a:ln w="57150">
+            <a:solidFill>
+              <a:schemeClr val="bg1">
+                <a:lumMod val="50000"/>
+              </a:schemeClr>
+            </a:solidFill>
+            <a:tailEnd type="triangle"/>
+          </a:ln>
+        </p:spPr>
+        <p:style>
+          <a:lnRef idx="1">
+            <a:schemeClr val="accent1"/>
+          </a:lnRef>
+          <a:fillRef idx="0">
+            <a:schemeClr val="accent1"/>
+          </a:fillRef>
+          <a:effectRef idx="0">
+            <a:schemeClr val="accent1"/>
+          </a:effectRef>
+          <a:fontRef idx="minor">
+            <a:schemeClr val="tx1"/>
+          </a:fontRef>
+        </p:style>
+      </p:cxnSp>
+      <p:cxnSp>
+        <p:nvCxnSpPr>
+          <p:cNvPr id="29" name="직선 화살표 연결선 28">
+            <a:extLst>
+              <a:ext uri="{FF2B5EF4-FFF2-40B4-BE49-F238E27FC236}">
+                <a16:creationId xmlns:a16="http://schemas.microsoft.com/office/drawing/2014/main" id="{14FA7E7F-2EDD-F43D-A489-D24A47D09F3B}"/>
+              </a:ext>
+            </a:extLst>
+          </p:cNvPr>
+          <p:cNvCxnSpPr>
+            <a:cxnSpLocks/>
+            <a:stCxn id="19" idx="6"/>
+            <a:endCxn id="16" idx="4"/>
+          </p:cNvCxnSpPr>
+          <p:nvPr/>
+        </p:nvCxnSpPr>
+        <p:spPr>
+          <a:xfrm flipV="1">
+            <a:off x="7294201" y="3360751"/>
+            <a:ext cx="123293" cy="1920848"/>
+          </a:xfrm>
+          <a:prstGeom prst="straightConnector1">
+            <a:avLst/>
+          </a:prstGeom>
+          <a:ln w="57150">
+            <a:solidFill>
+              <a:schemeClr val="bg1">
+                <a:lumMod val="50000"/>
+              </a:schemeClr>
+            </a:solidFill>
+            <a:tailEnd type="triangle"/>
+          </a:ln>
+        </p:spPr>
+        <p:style>
+          <a:lnRef idx="1">
+            <a:schemeClr val="accent1"/>
+          </a:lnRef>
+          <a:fillRef idx="0">
+            <a:schemeClr val="accent1"/>
+          </a:fillRef>
+          <a:effectRef idx="0">
+            <a:schemeClr val="accent1"/>
+          </a:effectRef>
+          <a:fontRef idx="minor">
+            <a:schemeClr val="tx1"/>
+          </a:fontRef>
+        </p:style>
+      </p:cxnSp>
+      <p:cxnSp>
+        <p:nvCxnSpPr>
+          <p:cNvPr id="36" name="직선 화살표 연결선 35">
+            <a:extLst>
+              <a:ext uri="{FF2B5EF4-FFF2-40B4-BE49-F238E27FC236}">
+                <a16:creationId xmlns:a16="http://schemas.microsoft.com/office/drawing/2014/main" id="{44363597-76E8-91F7-521F-7190AA647090}"/>
+              </a:ext>
+            </a:extLst>
+          </p:cNvPr>
+          <p:cNvCxnSpPr>
+            <a:cxnSpLocks/>
+            <a:stCxn id="18" idx="0"/>
+            <a:endCxn id="16" idx="2"/>
+          </p:cNvCxnSpPr>
+          <p:nvPr/>
+        </p:nvCxnSpPr>
+        <p:spPr>
+          <a:xfrm flipV="1">
+            <a:off x="5901661" y="3017851"/>
+            <a:ext cx="483323" cy="604635"/>
+          </a:xfrm>
+          <a:prstGeom prst="straightConnector1">
+            <a:avLst/>
+          </a:prstGeom>
+          <a:ln w="57150">
+            <a:solidFill>
+              <a:schemeClr val="bg1">
+                <a:lumMod val="50000"/>
+              </a:schemeClr>
+            </a:solidFill>
+            <a:tailEnd type="triangle"/>
+          </a:ln>
+        </p:spPr>
+        <p:style>
+          <a:lnRef idx="1">
+            <a:schemeClr val="accent1"/>
+          </a:lnRef>
+          <a:fillRef idx="0">
+            <a:schemeClr val="accent1"/>
+          </a:fillRef>
+          <a:effectRef idx="0">
+            <a:schemeClr val="accent1"/>
+          </a:effectRef>
+          <a:fontRef idx="minor">
+            <a:schemeClr val="tx1"/>
+          </a:fontRef>
+        </p:style>
+      </p:cxnSp>
+      <p:cxnSp>
+        <p:nvCxnSpPr>
+          <p:cNvPr id="39" name="직선 화살표 연결선 38">
+            <a:extLst>
+              <a:ext uri="{FF2B5EF4-FFF2-40B4-BE49-F238E27FC236}">
+                <a16:creationId xmlns:a16="http://schemas.microsoft.com/office/drawing/2014/main" id="{394DD0B7-058D-A725-34E8-E11E0ED67889}"/>
+              </a:ext>
+            </a:extLst>
+          </p:cNvPr>
+          <p:cNvCxnSpPr>
+            <a:cxnSpLocks/>
+            <a:stCxn id="16" idx="6"/>
+            <a:endCxn id="12" idx="2"/>
+          </p:cNvCxnSpPr>
+          <p:nvPr/>
+        </p:nvCxnSpPr>
+        <p:spPr>
+          <a:xfrm>
+            <a:off x="8450004" y="3017851"/>
+            <a:ext cx="1064175" cy="140763"/>
+          </a:xfrm>
+          <a:prstGeom prst="straightConnector1">
+            <a:avLst/>
+          </a:prstGeom>
+          <a:ln w="57150">
+            <a:solidFill>
+              <a:schemeClr val="bg1">
+                <a:lumMod val="50000"/>
+              </a:schemeClr>
+            </a:solidFill>
+            <a:tailEnd type="triangle"/>
+          </a:ln>
+        </p:spPr>
+        <p:style>
+          <a:lnRef idx="1">
+            <a:schemeClr val="accent1"/>
+          </a:lnRef>
+          <a:fillRef idx="0">
+            <a:schemeClr val="accent1"/>
+          </a:fillRef>
+          <a:effectRef idx="0">
+            <a:schemeClr val="accent1"/>
+          </a:effectRef>
+          <a:fontRef idx="minor">
+            <a:schemeClr val="tx1"/>
+          </a:fontRef>
+        </p:style>
+      </p:cxnSp>
+      <p:sp>
+        <p:nvSpPr>
+          <p:cNvPr id="58" name="TextBox 57">
+            <a:extLst>
+              <a:ext uri="{FF2B5EF4-FFF2-40B4-BE49-F238E27FC236}">
+                <a16:creationId xmlns:a16="http://schemas.microsoft.com/office/drawing/2014/main" id="{1D3F01E8-E4F8-49D4-EF22-80986D47038A}"/>
+              </a:ext>
+            </a:extLst>
+          </p:cNvPr>
+          <p:cNvSpPr txBox="1"/>
+          <p:nvPr/>
+        </p:nvSpPr>
+        <p:spPr>
+          <a:xfrm>
+            <a:off x="7818495" y="2261090"/>
+            <a:ext cx="1440180" cy="400110"/>
+          </a:xfrm>
+          <a:prstGeom prst="rect">
+            <a:avLst/>
+          </a:prstGeom>
+          <a:noFill/>
+        </p:spPr>
+        <p:txBody>
+          <a:bodyPr wrap="square" rtlCol="0">
+            <a:spAutoFit/>
+          </a:bodyPr>
+          <a:lstStyle/>
+          <a:p>
+            <a:r>
+              <a:rPr lang="en-US" altLang="ko-KR" sz="2000" dirty="0">
+                <a:latin typeface="+mn-ea"/>
+              </a:rPr>
+              <a:t>system</a:t>
+            </a:r>
+            <a:endParaRPr lang="ko-KR" altLang="en-US" sz="2000" dirty="0">
+              <a:latin typeface="+mn-ea"/>
+            </a:endParaRPr>
           </a:p>
         </p:txBody>
       </p:sp>

--- a/01_요구사항 실습/SW 요구사항 분석 및 설계_1조.pptx
+++ b/01_요구사항 실습/SW 요구사항 분석 및 설계_1조.pptx
@@ -234,7 +234,7 @@
                 <a:latin typeface="프리젠테이션 7 Bold" pitchFamily="2" charset="-127"/>
                 <a:ea typeface="프리젠테이션 7 Bold" pitchFamily="2" charset="-127"/>
               </a:rPr>
-              <a:t>2025-01-21</a:t>
+              <a:t>2025-01-22</a:t>
             </a:fld>
             <a:endParaRPr lang="ko-KR" altLang="en-US" dirty="0">
               <a:latin typeface="프리젠테이션 7 Bold" pitchFamily="2" charset="-127"/>
@@ -418,7 +418,7 @@
             <a:fld id="{725F075A-3C9E-41AC-8981-A520D7FBA881}" type="datetimeFigureOut">
               <a:rPr lang="ko-KR" altLang="en-US" smtClean="0"/>
               <a:pPr/>
-              <a:t>2025-01-21</a:t>
+              <a:t>2025-01-22</a:t>
             </a:fld>
             <a:endParaRPr lang="ko-KR" altLang="en-US" dirty="0"/>
           </a:p>
@@ -21204,62 +21204,6 @@
           <a:chExt cx="0" cy="0"/>
         </a:xfrm>
       </p:grpSpPr>
-      <p:sp>
-        <p:nvSpPr>
-          <p:cNvPr id="2" name="제목 1">
-            <a:extLst>
-              <a:ext uri="{FF2B5EF4-FFF2-40B4-BE49-F238E27FC236}">
-                <a16:creationId xmlns:a16="http://schemas.microsoft.com/office/drawing/2014/main" id="{435BF888-0DA4-6C9C-FD6D-A2FED7B300EA}"/>
-              </a:ext>
-            </a:extLst>
-          </p:cNvPr>
-          <p:cNvSpPr>
-            <a:spLocks noGrp="1"/>
-          </p:cNvSpPr>
-          <p:nvPr>
-            <p:ph type="title"/>
-          </p:nvPr>
-        </p:nvSpPr>
-        <p:spPr/>
-        <p:txBody>
-          <a:bodyPr/>
-          <a:lstStyle/>
-          <a:p>
-            <a:r>
-              <a:rPr lang="en-US" altLang="ko-KR" dirty="0"/>
-              <a:t>4. </a:t>
-            </a:r>
-            <a:r>
-              <a:rPr lang="ko-KR" altLang="en-US" dirty="0"/>
-              <a:t>기능</a:t>
-            </a:r>
-            <a:r>
-              <a:rPr lang="en-US" altLang="ko-KR" dirty="0"/>
-              <a:t> </a:t>
-            </a:r>
-            <a:r>
-              <a:rPr lang="ko-KR" altLang="en-US" dirty="0"/>
-              <a:t>요구사항 명세 </a:t>
-            </a:r>
-            <a:r>
-              <a:rPr lang="en-US" altLang="ko-KR" dirty="0"/>
-              <a:t>: </a:t>
-            </a:r>
-            <a:r>
-              <a:rPr lang="en-US" altLang="ko-KR" dirty="0" err="1"/>
-              <a:t>Usecase</a:t>
-            </a:r>
-            <a:r>
-              <a:rPr lang="en-US" altLang="ko-KR" dirty="0"/>
-              <a:t> </a:t>
-            </a:r>
-            <a:r>
-              <a:rPr lang="ko-KR" altLang="en-US" dirty="0"/>
-              <a:t>기술서 양식</a:t>
-            </a:r>
-          </a:p>
-        </p:txBody>
-      </p:sp>
       <p:graphicFrame>
         <p:nvGraphicFramePr>
           <p:cNvPr id="4" name="object 3">
@@ -21275,14 +21219,14 @@
           <p:nvPr>
             <p:extLst>
               <p:ext uri="{D42A27DB-BD31-4B8C-83A1-F6EECF244321}">
-                <p14:modId xmlns:p14="http://schemas.microsoft.com/office/powerpoint/2010/main" val="3003549151"/>
+                <p14:modId xmlns:p14="http://schemas.microsoft.com/office/powerpoint/2010/main" val="738842690"/>
               </p:ext>
             </p:extLst>
           </p:nvPr>
         </p:nvGraphicFramePr>
         <p:xfrm>
-          <a:off x="485458" y="760169"/>
-          <a:ext cx="11170248" cy="5683242"/>
+          <a:off x="563987" y="353318"/>
+          <a:ext cx="11170248" cy="6151363"/>
         </p:xfrm>
         <a:graphic>
           <a:graphicData uri="http://schemas.openxmlformats.org/drawingml/2006/table">
@@ -21298,14 +21242,14 @@
                     </a:ext>
                   </a:extLst>
                 </a:gridCol>
-                <a:gridCol w="4795210">
+                <a:gridCol w="4984238">
                   <a:extLst>
                     <a:ext uri="{9D8B030D-6E8A-4147-A177-3AD203B41FA5}">
                       <a16:colId xmlns:a16="http://schemas.microsoft.com/office/drawing/2014/main" val="20001"/>
                     </a:ext>
                   </a:extLst>
                 </a:gridCol>
-                <a:gridCol w="4059423">
+                <a:gridCol w="3870395">
                   <a:extLst>
                     <a:ext uri="{9D8B030D-6E8A-4147-A177-3AD203B41FA5}">
                       <a16:colId xmlns:a16="http://schemas.microsoft.com/office/drawing/2014/main" val="2582341048"/>
@@ -21542,28 +21486,21 @@
                           <a:latin typeface="맑은 고딕"/>
                           <a:cs typeface="맑은 고딕"/>
                         </a:rPr>
-                        <a:t>메신저를 사용하기 위해 로그인을 하거나</a:t>
+                        <a:t>운전자 </a:t>
                       </a:r>
                       <a:r>
-                        <a:rPr lang="en-US" altLang="ko-KR" sz="1200" dirty="0">
+                        <a:rPr lang="ko-KR" altLang="en-US" sz="1200" dirty="0" err="1">
                           <a:latin typeface="맑은 고딕"/>
                           <a:cs typeface="맑은 고딕"/>
                         </a:rPr>
-                        <a:t>, </a:t>
+                        <a:t>부재시</a:t>
                       </a:r>
                       <a:r>
                         <a:rPr lang="ko-KR" altLang="en-US" sz="1200" dirty="0">
                           <a:latin typeface="맑은 고딕"/>
                           <a:cs typeface="맑은 고딕"/>
                         </a:rPr>
-                        <a:t>메신저 사용 종료를 위해 로그아웃을 한다</a:t>
-                      </a:r>
-                      <a:r>
-                        <a:rPr lang="en-US" altLang="ko-KR" sz="1200" dirty="0">
-                          <a:latin typeface="맑은 고딕"/>
-                          <a:cs typeface="맑은 고딕"/>
-                        </a:rPr>
-                        <a:t>.</a:t>
+                        <a:t> 뒷좌석 아이의 탑승을 감지한다</a:t>
                       </a:r>
                       <a:endParaRPr lang="en-US" sz="1200" dirty="0">
                         <a:latin typeface="맑은 고딕"/>
@@ -21727,7 +21664,7 @@
                           <a:latin typeface="맑은 고딕"/>
                           <a:cs typeface="맑은 고딕"/>
                         </a:rPr>
-                        <a:t>로그인 및 로그아웃</a:t>
+                        <a:t>탑승감지</a:t>
                       </a:r>
                       <a:endParaRPr lang="en-US" altLang="ko-KR" sz="1200" dirty="0">
                         <a:latin typeface="맑은 고딕"/>
@@ -21849,29 +21786,74 @@
                     <a:bodyPr/>
                     <a:lstStyle/>
                     <a:p>
-                      <a:pPr marL="67945">
+                      <a:pPr marL="296545" indent="-228600">
                         <a:lnSpc>
                           <a:spcPct val="100000"/>
                         </a:lnSpc>
                         <a:spcBef>
                           <a:spcPts val="465"/>
                         </a:spcBef>
+                        <a:buAutoNum type="arabicPeriod"/>
+                      </a:pPr>
+                      <a:r>
+                        <a:rPr lang="ko-KR" altLang="en-US" sz="1200" dirty="0" err="1">
+                          <a:latin typeface="맑은 고딕"/>
+                          <a:cs typeface="맑은 고딕"/>
+                        </a:rPr>
+                        <a:t>차일드락이</a:t>
+                      </a:r>
+                      <a:r>
+                        <a:rPr lang="ko-KR" altLang="en-US" sz="1200" dirty="0">
+                          <a:latin typeface="맑은 고딕"/>
+                          <a:cs typeface="맑은 고딕"/>
+                        </a:rPr>
+                        <a:t> 켜져 있음</a:t>
+                      </a:r>
+                      <a:endParaRPr lang="en-US" altLang="ko-KR" sz="1200" dirty="0">
+                        <a:latin typeface="맑은 고딕"/>
+                        <a:cs typeface="맑은 고딕"/>
+                      </a:endParaRPr>
+                    </a:p>
+                    <a:p>
+                      <a:pPr marL="296545" indent="-228600">
+                        <a:lnSpc>
+                          <a:spcPct val="100000"/>
+                        </a:lnSpc>
+                        <a:spcBef>
+                          <a:spcPts val="465"/>
+                        </a:spcBef>
+                        <a:buAutoNum type="arabicPeriod"/>
                       </a:pPr>
                       <a:r>
                         <a:rPr lang="ko-KR" altLang="en-US" sz="1200" dirty="0">
                           <a:latin typeface="맑은 고딕"/>
                           <a:cs typeface="맑은 고딕"/>
                         </a:rPr>
-                        <a:t>프로그램을 실행시킨다</a:t>
+                        <a:t>운전석 제외한 좌석에 사람이 탑승함</a:t>
                       </a:r>
+                      <a:endParaRPr lang="en-US" altLang="ko-KR" sz="1200" dirty="0">
+                        <a:latin typeface="맑은 고딕"/>
+                        <a:cs typeface="맑은 고딕"/>
+                      </a:endParaRPr>
+                    </a:p>
+                    <a:p>
+                      <a:pPr marL="296545" indent="-228600">
+                        <a:lnSpc>
+                          <a:spcPct val="100000"/>
+                        </a:lnSpc>
+                        <a:spcBef>
+                          <a:spcPts val="465"/>
+                        </a:spcBef>
+                        <a:buAutoNum type="arabicPeriod"/>
+                      </a:pPr>
                       <a:r>
-                        <a:rPr lang="en-US" altLang="ko-KR" sz="1200" dirty="0">
+                        <a:rPr lang="ko-KR" altLang="en-US" sz="1200" dirty="0">
                           <a:latin typeface="맑은 고딕"/>
                           <a:cs typeface="맑은 고딕"/>
                         </a:rPr>
-                        <a:t>.</a:t>
+                        <a:t>운전석에 사람이 없음</a:t>
                       </a:r>
-                      <a:endParaRPr sz="1200" dirty="0">
+                      <a:endParaRPr lang="en-US" altLang="ko-KR" sz="1200" dirty="0">
                         <a:latin typeface="맑은 고딕"/>
                         <a:cs typeface="맑은 고딕"/>
                       </a:endParaRPr>
@@ -21994,18 +21976,18 @@
                         </a:spcBef>
                       </a:pPr>
                       <a:r>
+                        <a:rPr lang="en-US" sz="1200" dirty="0">
+                          <a:latin typeface="맑은 고딕"/>
+                          <a:cs typeface="맑은 고딕"/>
+                        </a:rPr>
+                        <a:t>1. </a:t>
+                      </a:r>
+                      <a:r>
                         <a:rPr lang="ko-KR" altLang="en-US" sz="1200" dirty="0">
                           <a:latin typeface="맑은 고딕"/>
                           <a:cs typeface="맑은 고딕"/>
                         </a:rPr>
-                        <a:t>메인 화면이 실행된다</a:t>
-                      </a:r>
-                      <a:r>
-                        <a:rPr lang="en-US" altLang="ko-KR" sz="1200" dirty="0">
-                          <a:latin typeface="맑은 고딕"/>
-                          <a:cs typeface="맑은 고딕"/>
-                        </a:rPr>
-                        <a:t>.</a:t>
+                        <a:t>소음 알람이 울림</a:t>
                       </a:r>
                       <a:endParaRPr sz="1200" dirty="0">
                         <a:latin typeface="맑은 고딕"/>
@@ -22134,7 +22116,7 @@
                           <a:latin typeface="맑은 고딕"/>
                           <a:cs typeface="맑은 고딕"/>
                         </a:rPr>
-                        <a:t>로그인 버튼 클릭</a:t>
+                        <a:t>운전자가 하차하고 문을 닫음</a:t>
                       </a:r>
                       <a:endParaRPr sz="1200" dirty="0">
                         <a:latin typeface="맑은 고딕"/>
@@ -22489,11 +22471,39 @@
                         <a:t>1. </a:t>
                       </a:r>
                       <a:r>
+                        <a:rPr lang="ko-KR" altLang="en-US" sz="1200" dirty="0" err="1">
+                          <a:latin typeface="맑은 고딕"/>
+                          <a:cs typeface="맑은 고딕"/>
+                        </a:rPr>
+                        <a:t>차일드락이</a:t>
+                      </a:r>
+                      <a:r>
                         <a:rPr lang="ko-KR" altLang="en-US" sz="1200" dirty="0">
                           <a:latin typeface="맑은 고딕"/>
                           <a:cs typeface="맑은 고딕"/>
                         </a:rPr>
-                        <a:t>사용자가 시동 버튼을 누른다</a:t>
+                        <a:t> </a:t>
+                      </a:r>
+                      <a:r>
+                        <a:rPr lang="en-US" altLang="ko-KR" sz="1200" dirty="0">
+                          <a:latin typeface="맑은 고딕"/>
+                          <a:cs typeface="맑은 고딕"/>
+                        </a:rPr>
+                        <a:t>ON</a:t>
+                      </a:r>
+                      <a:r>
+                        <a:rPr lang="ko-KR" altLang="en-US" sz="1200" dirty="0">
+                          <a:latin typeface="맑은 고딕"/>
+                          <a:cs typeface="맑은 고딕"/>
+                        </a:rPr>
+                        <a:t> 상태임을 센서가 수신함</a:t>
+                      </a:r>
+                      <a:r>
+                        <a:rPr lang="en-US" sz="1200" dirty="0">
+                          <a:latin typeface="맑은 고딕"/>
+                          <a:cs typeface="맑은 고딕"/>
+                        </a:rPr>
+                        <a:t> </a:t>
                       </a:r>
                       <a:endParaRPr sz="1200" dirty="0">
                         <a:latin typeface="맑은 고딕"/>
@@ -22556,21 +22566,14 @@
                           <a:latin typeface="맑은 고딕"/>
                           <a:cs typeface="맑은 고딕"/>
                         </a:rPr>
-                        <a:t>1A. </a:t>
+                        <a:t>1. ON </a:t>
                       </a:r>
                       <a:r>
                         <a:rPr lang="ko-KR" altLang="en-US" sz="1200" dirty="0">
                           <a:latin typeface="맑은 고딕"/>
                           <a:cs typeface="맑은 고딕"/>
                         </a:rPr>
-                        <a:t>시스템은 전원을 인가하고</a:t>
-                      </a:r>
-                      <a:r>
-                        <a:rPr lang="en-US" altLang="ko-KR" sz="1200">
-                          <a:latin typeface="맑은 고딕"/>
-                          <a:cs typeface="맑은 고딕"/>
-                        </a:rPr>
-                        <a:t>…</a:t>
+                        <a:t>상태인지 중앙처리장치에 전송함</a:t>
                       </a:r>
                       <a:endParaRPr sz="1200" dirty="0">
                         <a:latin typeface="맑은 고딕"/>
@@ -22654,7 +22657,14 @@
                           <a:latin typeface="맑은 고딕"/>
                           <a:cs typeface="맑은 고딕"/>
                         </a:rPr>
-                        <a:t>2.</a:t>
+                        <a:t>2. </a:t>
+                      </a:r>
+                      <a:r>
+                        <a:rPr lang="ko-KR" altLang="en-US" sz="1200" dirty="0">
+                          <a:latin typeface="맑은 고딕"/>
+                          <a:cs typeface="맑은 고딕"/>
+                        </a:rPr>
+                        <a:t>운전자가 하차함을 센서가 확인함</a:t>
                       </a:r>
                       <a:endParaRPr sz="1200" dirty="0">
                         <a:latin typeface="맑은 고딕"/>
@@ -22723,7 +22733,49 @@
                           <a:latin typeface="맑은 고딕"/>
                           <a:cs typeface="맑은 고딕"/>
                         </a:rPr>
-                        <a:t>2A</a:t>
+                        <a:t>2. </a:t>
+                      </a:r>
+                      <a:r>
+                        <a:rPr lang="ko-KR" altLang="en-US" sz="1200" dirty="0">
+                          <a:latin typeface="맑은 고딕"/>
+                          <a:cs typeface="맑은 고딕"/>
+                        </a:rPr>
+                        <a:t>무게감지</a:t>
+                      </a:r>
+                      <a:r>
+                        <a:rPr lang="en-US" altLang="ko-KR" sz="1200" dirty="0">
+                          <a:latin typeface="맑은 고딕"/>
+                          <a:cs typeface="맑은 고딕"/>
+                        </a:rPr>
+                        <a:t> </a:t>
+                      </a:r>
+                      <a:r>
+                        <a:rPr lang="ko-KR" altLang="en-US" sz="1200" dirty="0" err="1">
+                          <a:latin typeface="맑은 고딕"/>
+                          <a:cs typeface="맑은 고딕"/>
+                        </a:rPr>
+                        <a:t>센서값이</a:t>
+                      </a:r>
+                      <a:r>
+                        <a:rPr lang="ko-KR" altLang="en-US" sz="1200" dirty="0">
+                          <a:latin typeface="맑은 고딕"/>
+                          <a:cs typeface="맑은 고딕"/>
+                        </a:rPr>
+                        <a:t> </a:t>
+                      </a:r>
+                      <a:r>
+                        <a:rPr lang="en-US" altLang="ko-KR" sz="1200" dirty="0">
+                          <a:latin typeface="맑은 고딕"/>
+                          <a:cs typeface="맑은 고딕"/>
+                        </a:rPr>
+                        <a:t>0</a:t>
+                      </a:r>
+                      <a:r>
+                        <a:rPr lang="ko-KR" altLang="en-US" sz="1200" dirty="0">
+                          <a:latin typeface="맑은 고딕"/>
+                          <a:cs typeface="맑은 고딕"/>
+                        </a:rPr>
+                        <a:t>인지 여부로 운전자의 하차 확인</a:t>
                       </a:r>
                       <a:endParaRPr sz="1200" dirty="0">
                         <a:latin typeface="맑은 고딕"/>
@@ -22793,18 +22845,32 @@
                     <a:bodyPr/>
                     <a:lstStyle/>
                     <a:p>
-                      <a:pPr marL="240029" indent="-172720">
+                      <a:pPr marL="67309" indent="0">
                         <a:lnSpc>
                           <a:spcPts val="1430"/>
                         </a:lnSpc>
                         <a:spcBef>
                           <a:spcPts val="350"/>
                         </a:spcBef>
-                        <a:buAutoNum type="arabicPeriod"/>
+                        <a:buNone/>
                         <a:tabLst>
                           <a:tab pos="240665" algn="l"/>
                         </a:tabLst>
                       </a:pPr>
+                      <a:r>
+                        <a:rPr lang="en-US" sz="1200" dirty="0">
+                          <a:latin typeface="맑은 고딕"/>
+                          <a:cs typeface="맑은 고딕"/>
+                        </a:rPr>
+                        <a:t>3. </a:t>
+                      </a:r>
+                      <a:r>
+                        <a:rPr lang="ko-KR" altLang="en-US" sz="1200" dirty="0">
+                          <a:latin typeface="맑은 고딕"/>
+                          <a:cs typeface="맑은 고딕"/>
+                        </a:rPr>
+                        <a:t>이외 탑승자가 존재함을 센서가 확인함</a:t>
+                      </a:r>
                       <a:endParaRPr sz="1200" dirty="0">
                         <a:latin typeface="맑은 고딕"/>
                         <a:cs typeface="맑은 고딕"/>
@@ -22855,18 +22921,60 @@
                     <a:bodyPr/>
                     <a:lstStyle/>
                     <a:p>
-                      <a:pPr marL="240029" indent="-172720">
+                      <a:pPr marL="67309" indent="0">
                         <a:lnSpc>
                           <a:spcPts val="1430"/>
                         </a:lnSpc>
                         <a:spcBef>
                           <a:spcPts val="350"/>
                         </a:spcBef>
-                        <a:buAutoNum type="arabicPeriod"/>
+                        <a:buNone/>
                         <a:tabLst>
                           <a:tab pos="240665" algn="l"/>
                         </a:tabLst>
                       </a:pPr>
+                      <a:r>
+                        <a:rPr lang="en-US" sz="1200" dirty="0">
+                          <a:latin typeface="맑은 고딕"/>
+                          <a:cs typeface="맑은 고딕"/>
+                        </a:rPr>
+                        <a:t>3. </a:t>
+                      </a:r>
+                      <a:r>
+                        <a:rPr lang="ko-KR" altLang="en-US" sz="1200" dirty="0">
+                          <a:latin typeface="맑은 고딕"/>
+                          <a:cs typeface="맑은 고딕"/>
+                        </a:rPr>
+                        <a:t>무게감지 </a:t>
+                      </a:r>
+                      <a:r>
+                        <a:rPr lang="ko-KR" altLang="en-US" sz="1200" dirty="0" err="1">
+                          <a:latin typeface="맑은 고딕"/>
+                          <a:cs typeface="맑은 고딕"/>
+                        </a:rPr>
+                        <a:t>센서값이</a:t>
+                      </a:r>
+                      <a:r>
+                        <a:rPr lang="ko-KR" altLang="en-US" sz="1200" dirty="0">
+                          <a:latin typeface="맑은 고딕"/>
+                          <a:cs typeface="맑은 고딕"/>
+                        </a:rPr>
+                        <a:t> </a:t>
+                      </a:r>
+                      <a:r>
+                        <a:rPr lang="en-US" altLang="ko-KR" sz="1200" dirty="0">
+                          <a:latin typeface="맑은 고딕"/>
+                          <a:cs typeface="맑은 고딕"/>
+                        </a:rPr>
+                        <a:t>0</a:t>
+                      </a:r>
+                      <a:r>
+                        <a:rPr lang="ko-KR" altLang="en-US" sz="1200" dirty="0">
+                          <a:latin typeface="맑은 고딕"/>
+                          <a:cs typeface="맑은 고딕"/>
+                        </a:rPr>
+                        <a:t>인지 여부로 탑승자 존재 확인</a:t>
+                      </a:r>
                       <a:endParaRPr sz="1200" dirty="0">
                         <a:latin typeface="맑은 고딕"/>
                         <a:cs typeface="맑은 고딕"/>
@@ -22935,18 +23043,32 @@
                     <a:bodyPr/>
                     <a:lstStyle/>
                     <a:p>
-                      <a:pPr marL="240029" indent="-172720">
+                      <a:pPr marL="67309" indent="0">
                         <a:lnSpc>
                           <a:spcPts val="1430"/>
                         </a:lnSpc>
                         <a:spcBef>
                           <a:spcPts val="350"/>
                         </a:spcBef>
-                        <a:buAutoNum type="arabicPeriod"/>
+                        <a:buNone/>
                         <a:tabLst>
                           <a:tab pos="240665" algn="l"/>
                         </a:tabLst>
                       </a:pPr>
+                      <a:r>
+                        <a:rPr lang="en-US" sz="1200" dirty="0">
+                          <a:latin typeface="맑은 고딕"/>
+                          <a:cs typeface="맑은 고딕"/>
+                        </a:rPr>
+                        <a:t>4. </a:t>
+                      </a:r>
+                      <a:r>
+                        <a:rPr lang="ko-KR" altLang="en-US" sz="1200" dirty="0">
+                          <a:latin typeface="맑은 고딕"/>
+                          <a:cs typeface="맑은 고딕"/>
+                        </a:rPr>
+                        <a:t>남아있는 탑승자가 아이인지 아닌지 센서가 판별함</a:t>
+                      </a:r>
                       <a:endParaRPr sz="1200" dirty="0">
                         <a:latin typeface="맑은 고딕"/>
                         <a:cs typeface="맑은 고딕"/>
@@ -22997,18 +23119,32 @@
                     <a:bodyPr/>
                     <a:lstStyle/>
                     <a:p>
-                      <a:pPr marL="240029" indent="-172720">
+                      <a:pPr marL="67309" indent="0">
                         <a:lnSpc>
                           <a:spcPts val="1430"/>
                         </a:lnSpc>
                         <a:spcBef>
                           <a:spcPts val="350"/>
                         </a:spcBef>
-                        <a:buAutoNum type="arabicPeriod"/>
+                        <a:buNone/>
                         <a:tabLst>
                           <a:tab pos="240665" algn="l"/>
                         </a:tabLst>
                       </a:pPr>
+                      <a:r>
+                        <a:rPr lang="en-US" sz="1200" dirty="0">
+                          <a:latin typeface="맑은 고딕"/>
+                          <a:cs typeface="맑은 고딕"/>
+                        </a:rPr>
+                        <a:t>4. </a:t>
+                      </a:r>
+                      <a:r>
+                        <a:rPr lang="ko-KR" altLang="en-US" sz="1200" dirty="0">
+                          <a:latin typeface="맑은 고딕"/>
+                          <a:cs typeface="맑은 고딕"/>
+                        </a:rPr>
+                        <a:t>컴퓨터비전으로 탑승자의 아이인지 여부 확인</a:t>
+                      </a:r>
                       <a:endParaRPr sz="1200" dirty="0">
                         <a:latin typeface="맑은 고딕"/>
                         <a:cs typeface="맑은 고딕"/>
@@ -23077,18 +23213,32 @@
                     <a:bodyPr/>
                     <a:lstStyle/>
                     <a:p>
-                      <a:pPr marL="240029" indent="-172720">
+                      <a:pPr marL="67309" indent="0">
                         <a:lnSpc>
                           <a:spcPts val="1430"/>
                         </a:lnSpc>
                         <a:spcBef>
                           <a:spcPts val="350"/>
                         </a:spcBef>
-                        <a:buAutoNum type="arabicPeriod"/>
+                        <a:buNone/>
                         <a:tabLst>
                           <a:tab pos="240665" algn="l"/>
                         </a:tabLst>
                       </a:pPr>
+                      <a:r>
+                        <a:rPr lang="en-US" sz="1200" dirty="0">
+                          <a:latin typeface="맑은 고딕"/>
+                          <a:cs typeface="맑은 고딕"/>
+                        </a:rPr>
+                        <a:t>5. </a:t>
+                      </a:r>
+                      <a:r>
+                        <a:rPr lang="ko-KR" altLang="en-US" sz="1200" dirty="0">
+                          <a:latin typeface="맑은 고딕"/>
+                          <a:cs typeface="맑은 고딕"/>
+                        </a:rPr>
+                        <a:t>아이로 판명 나면 소음 알람 발생</a:t>
+                      </a:r>
                       <a:endParaRPr sz="1200" dirty="0">
                         <a:latin typeface="맑은 고딕"/>
                         <a:cs typeface="맑은 고딕"/>
@@ -23123,11 +23273,14 @@
                       <a:headEnd type="none" w="med" len="med"/>
                       <a:tailEnd type="none" w="med" len="med"/>
                     </a:lnT>
-                    <a:lnB w="9525">
+                    <a:lnB w="9525" cap="flat" cmpd="sng" algn="ctr">
                       <a:solidFill>
                         <a:srgbClr val="000000"/>
                       </a:solidFill>
                       <a:prstDash val="solid"/>
+                      <a:round/>
+                      <a:headEnd type="none" w="med" len="med"/>
+                      <a:tailEnd type="none" w="med" len="med"/>
                     </a:lnB>
                   </a:tcPr>
                 </a:tc>
@@ -23136,18 +23289,46 @@
                     <a:bodyPr/>
                     <a:lstStyle/>
                     <a:p>
-                      <a:pPr marL="240029" indent="-172720">
+                      <a:pPr marL="67309" indent="0">
                         <a:lnSpc>
                           <a:spcPts val="1430"/>
                         </a:lnSpc>
                         <a:spcBef>
                           <a:spcPts val="350"/>
                         </a:spcBef>
-                        <a:buAutoNum type="arabicPeriod"/>
+                        <a:buNone/>
                         <a:tabLst>
                           <a:tab pos="240665" algn="l"/>
                         </a:tabLst>
                       </a:pPr>
+                      <a:r>
+                        <a:rPr lang="en-US" sz="1200" dirty="0">
+                          <a:latin typeface="맑은 고딕"/>
+                          <a:cs typeface="맑은 고딕"/>
+                        </a:rPr>
+                        <a:t>5. </a:t>
+                      </a:r>
+                      <a:r>
+                        <a:rPr lang="ko-KR" altLang="en-US" sz="1200" dirty="0">
+                          <a:latin typeface="맑은 고딕"/>
+                          <a:cs typeface="맑은 고딕"/>
+                        </a:rPr>
+                        <a:t>아이로 판명되면 </a:t>
+                      </a:r>
+                      <a:r>
+                        <a:rPr lang="ko-KR" altLang="en-US" sz="1200" dirty="0" err="1">
+                          <a:latin typeface="맑은 고딕"/>
+                          <a:cs typeface="맑은 고딕"/>
+                        </a:rPr>
+                        <a:t>알람시스템에</a:t>
+                      </a:r>
+                      <a:r>
+                        <a:rPr lang="ko-KR" altLang="en-US" sz="1200" dirty="0">
+                          <a:latin typeface="맑은 고딕"/>
+                          <a:cs typeface="맑은 고딕"/>
+                        </a:rPr>
+                        <a:t> 신호 전송</a:t>
+                      </a:r>
                       <a:endParaRPr sz="1200" dirty="0">
                         <a:latin typeface="맑은 고딕"/>
                         <a:cs typeface="맑은 고딕"/>
@@ -23248,6 +23429,31 @@
                         </a:rPr>
                         <a:t>1</a:t>
                       </a:r>
+                      <a:endParaRPr lang="en-US" sz="1200" b="1" dirty="0">
+                        <a:latin typeface="맑은 고딕"/>
+                        <a:cs typeface="맑은 고딕"/>
+                      </a:endParaRPr>
+                    </a:p>
+                    <a:p>
+                      <a:pPr marL="67945">
+                        <a:lnSpc>
+                          <a:spcPct val="100000"/>
+                        </a:lnSpc>
+                        <a:spcBef>
+                          <a:spcPts val="470"/>
+                        </a:spcBef>
+                      </a:pPr>
+                      <a:r>
+                        <a:rPr lang="ko-KR" altLang="en-US" sz="1200" b="1" dirty="0">
+                          <a:latin typeface="맑은 고딕"/>
+                          <a:cs typeface="맑은 고딕"/>
+                        </a:rPr>
+                        <a:t>정상종료</a:t>
+                      </a:r>
+                      <a:endParaRPr sz="1200" b="1" dirty="0">
+                        <a:latin typeface="맑은 고딕"/>
+                        <a:cs typeface="맑은 고딕"/>
+                      </a:endParaRPr>
                     </a:p>
                   </a:txBody>
                   <a:tcPr marL="0" marR="0" marT="59690" marB="0">
@@ -23257,11 +23463,14 @@
                       </a:solidFill>
                       <a:prstDash val="solid"/>
                     </a:lnL>
-                    <a:lnR w="9525">
+                    <a:lnR w="9525" cap="flat" cmpd="sng" algn="ctr">
                       <a:solidFill>
                         <a:srgbClr val="000000"/>
                       </a:solidFill>
                       <a:prstDash val="solid"/>
+                      <a:round/>
+                      <a:headEnd type="none" w="med" len="med"/>
+                      <a:tailEnd type="none" w="med" len="med"/>
                     </a:lnR>
                     <a:lnT w="9525">
                       <a:solidFill>
@@ -23287,21 +23496,50 @@
                     <a:bodyPr/>
                     <a:lstStyle/>
                     <a:p>
-                      <a:pPr marL="176530" marR="1360170" indent="-107950">
+                      <a:pPr marL="67945" indent="0">
                         <a:lnSpc>
-                          <a:spcPts val="1390"/>
+                          <a:spcPts val="1415"/>
                         </a:lnSpc>
                         <a:spcBef>
-                          <a:spcPts val="560"/>
+                          <a:spcPts val="470"/>
                         </a:spcBef>
+                        <a:buNone/>
                       </a:pPr>
+                      <a:r>
+                        <a:rPr lang="en-US" altLang="ko-KR" sz="1200" dirty="0">
+                          <a:latin typeface="맑은 고딕"/>
+                          <a:cs typeface="맑은 고딕"/>
+                        </a:rPr>
+                        <a:t>1. </a:t>
+                      </a:r>
+                      <a:r>
+                        <a:rPr lang="ko-KR" altLang="en-US" sz="1200" dirty="0">
+                          <a:latin typeface="맑은 고딕"/>
+                          <a:cs typeface="맑은 고딕"/>
+                        </a:rPr>
+                        <a:t>무게는 아이로 감지</a:t>
+                      </a:r>
+                      <a:r>
+                        <a:rPr lang="en-US" altLang="ko-KR" sz="1200" dirty="0">
+                          <a:latin typeface="맑은 고딕"/>
+                          <a:cs typeface="맑은 고딕"/>
+                        </a:rPr>
+                        <a:t>,</a:t>
+                      </a:r>
+                      <a:r>
+                        <a:rPr lang="ko-KR" altLang="en-US" sz="1200" dirty="0">
+                          <a:latin typeface="맑은 고딕"/>
+                          <a:cs typeface="맑은 고딕"/>
+                        </a:rPr>
+                        <a:t> 컴퓨터비전 인식은 성인</a:t>
+                      </a:r>
                       <a:endParaRPr sz="1200" dirty="0">
                         <a:latin typeface="맑은 고딕"/>
                         <a:cs typeface="맑은 고딕"/>
                       </a:endParaRPr>
                     </a:p>
                   </a:txBody>
-                  <a:tcPr marL="0" marR="0" marT="71120" marB="0">
+                  <a:tcPr marL="0" marR="0" marT="59690" marB="0">
                     <a:lnL w="9525">
                       <a:solidFill>
                         <a:srgbClr val="000000"/>
@@ -23339,21 +23577,36 @@
                     <a:bodyPr/>
                     <a:lstStyle/>
                     <a:p>
-                      <a:pPr marL="176530" marR="1360170" indent="-107950">
+                      <a:pPr marL="67945" indent="0">
                         <a:lnSpc>
-                          <a:spcPts val="1390"/>
+                          <a:spcPts val="1415"/>
                         </a:lnSpc>
                         <a:spcBef>
-                          <a:spcPts val="560"/>
+                          <a:spcPts val="470"/>
                         </a:spcBef>
+                        <a:buNone/>
                       </a:pPr>
+                      <a:r>
+                        <a:rPr lang="en-US" altLang="ko-KR" sz="1200" dirty="0">
+                          <a:latin typeface="맑은 고딕"/>
+                          <a:cs typeface="맑은 고딕"/>
+                        </a:rPr>
+                        <a:t>1. </a:t>
+                      </a:r>
+                      <a:r>
+                        <a:rPr lang="ko-KR" altLang="en-US" sz="1200" dirty="0">
+                          <a:latin typeface="맑은 고딕"/>
+                          <a:cs typeface="맑은 고딕"/>
+                        </a:rPr>
+                        <a:t>알람 발생 안함</a:t>
+                      </a:r>
                       <a:endParaRPr sz="1200" dirty="0">
                         <a:latin typeface="맑은 고딕"/>
                         <a:cs typeface="맑은 고딕"/>
                       </a:endParaRPr>
                     </a:p>
                   </a:txBody>
-                  <a:tcPr marL="0" marR="0" marT="71120" marB="0">
+                  <a:tcPr marL="0" marR="0" marT="59690" marB="0">
                     <a:lnL w="9525" cap="flat" cmpd="sng" algn="ctr">
                       <a:solidFill>
                         <a:srgbClr val="000000"/>
@@ -23412,21 +23665,50 @@
                     <a:bodyPr/>
                     <a:lstStyle/>
                     <a:p>
-                      <a:pPr marL="176530" marR="1360170" indent="-107950">
+                      <a:pPr marL="67945" indent="0">
                         <a:lnSpc>
-                          <a:spcPts val="1390"/>
+                          <a:spcPts val="1415"/>
                         </a:lnSpc>
                         <a:spcBef>
-                          <a:spcPts val="560"/>
+                          <a:spcPts val="470"/>
                         </a:spcBef>
+                        <a:buNone/>
                       </a:pPr>
+                      <a:r>
+                        <a:rPr lang="en-US" altLang="ko-KR" sz="1200" dirty="0">
+                          <a:latin typeface="맑은 고딕"/>
+                          <a:cs typeface="맑은 고딕"/>
+                        </a:rPr>
+                        <a:t>2. </a:t>
+                      </a:r>
+                      <a:r>
+                        <a:rPr lang="ko-KR" altLang="en-US" sz="1200" dirty="0">
+                          <a:latin typeface="맑은 고딕"/>
+                          <a:cs typeface="맑은 고딕"/>
+                        </a:rPr>
+                        <a:t>무게는 성인으로 감지</a:t>
+                      </a:r>
+                      <a:r>
+                        <a:rPr lang="en-US" altLang="ko-KR" sz="1200" dirty="0">
+                          <a:latin typeface="맑은 고딕"/>
+                          <a:cs typeface="맑은 고딕"/>
+                        </a:rPr>
+                        <a:t>,</a:t>
+                      </a:r>
+                      <a:r>
+                        <a:rPr lang="ko-KR" altLang="en-US" sz="1200" dirty="0">
+                          <a:latin typeface="맑은 고딕"/>
+                          <a:cs typeface="맑은 고딕"/>
+                        </a:rPr>
+                        <a:t> 컴퓨터비전 인식은 아이</a:t>
+                      </a:r>
                       <a:endParaRPr sz="1200" dirty="0">
                         <a:latin typeface="맑은 고딕"/>
                         <a:cs typeface="맑은 고딕"/>
                       </a:endParaRPr>
                     </a:p>
                   </a:txBody>
-                  <a:tcPr marL="0" marR="0" marT="71120" marB="0">
+                  <a:tcPr marL="0" marR="0" marT="59690" marB="0">
                     <a:lnL w="9525" cap="flat" cmpd="sng" algn="ctr">
                       <a:solidFill>
                         <a:srgbClr val="000000"/>
@@ -23470,21 +23752,36 @@
                     <a:bodyPr/>
                     <a:lstStyle/>
                     <a:p>
-                      <a:pPr marL="176530" marR="1360170" indent="-107950">
+                      <a:pPr marL="67945" indent="0">
                         <a:lnSpc>
-                          <a:spcPts val="1390"/>
+                          <a:spcPts val="1415"/>
                         </a:lnSpc>
                         <a:spcBef>
-                          <a:spcPts val="560"/>
+                          <a:spcPts val="470"/>
                         </a:spcBef>
+                        <a:buNone/>
                       </a:pPr>
+                      <a:r>
+                        <a:rPr lang="en-US" altLang="ko-KR" sz="1200" dirty="0">
+                          <a:latin typeface="맑은 고딕"/>
+                          <a:cs typeface="맑은 고딕"/>
+                        </a:rPr>
+                        <a:t>2. </a:t>
+                      </a:r>
+                      <a:r>
+                        <a:rPr lang="ko-KR" altLang="en-US" sz="1200" dirty="0">
+                          <a:latin typeface="맑은 고딕"/>
+                          <a:cs typeface="맑은 고딕"/>
+                        </a:rPr>
+                        <a:t>알람 발생 함</a:t>
+                      </a:r>
                       <a:endParaRPr sz="1200" dirty="0">
                         <a:latin typeface="맑은 고딕"/>
                         <a:cs typeface="맑은 고딕"/>
                       </a:endParaRPr>
                     </a:p>
                   </a:txBody>
-                  <a:tcPr marL="0" marR="0" marT="71120" marB="0">
+                  <a:tcPr marL="0" marR="0" marT="59690" marB="0">
                     <a:lnL w="9525" cap="flat" cmpd="sng" algn="ctr">
                       <a:solidFill>
                         <a:srgbClr val="000000"/>
@@ -23554,6 +23851,34 @@
                           <a:spcPts val="560"/>
                         </a:spcBef>
                       </a:pPr>
+                      <a:r>
+                        <a:rPr lang="en-US" altLang="ko-KR" sz="1200" dirty="0">
+                          <a:latin typeface="맑은 고딕"/>
+                          <a:cs typeface="맑은 고딕"/>
+                        </a:rPr>
+                        <a:t>3. </a:t>
+                      </a:r>
+                      <a:r>
+                        <a:rPr lang="ko-KR" altLang="en-US" sz="1200" dirty="0">
+                          <a:latin typeface="맑은 고딕"/>
+                          <a:cs typeface="맑은 고딕"/>
+                        </a:rPr>
+                        <a:t>무게도 성인으로 감지</a:t>
+                      </a:r>
+                      <a:r>
+                        <a:rPr lang="en-US" altLang="ko-KR" sz="1200" dirty="0">
+                          <a:latin typeface="맑은 고딕"/>
+                          <a:cs typeface="맑은 고딕"/>
+                        </a:rPr>
+                        <a:t>,</a:t>
+                      </a:r>
+                      <a:r>
+                        <a:rPr lang="ko-KR" altLang="en-US" sz="1200" dirty="0">
+                          <a:latin typeface="맑은 고딕"/>
+                          <a:cs typeface="맑은 고딕"/>
+                        </a:rPr>
+                        <a:t> 컴퓨터비전 인식은 성인</a:t>
+                      </a:r>
                       <a:endParaRPr sz="1200" dirty="0">
                         <a:latin typeface="맑은 고딕"/>
                         <a:cs typeface="맑은 고딕"/>
@@ -23612,6 +23937,20 @@
                           <a:spcPts val="560"/>
                         </a:spcBef>
                       </a:pPr>
+                      <a:r>
+                        <a:rPr lang="en-US" altLang="ko-KR" sz="1200" dirty="0">
+                          <a:latin typeface="맑은 고딕"/>
+                          <a:cs typeface="맑은 고딕"/>
+                        </a:rPr>
+                        <a:t>3. </a:t>
+                      </a:r>
+                      <a:r>
+                        <a:rPr lang="ko-KR" altLang="en-US" sz="1200" dirty="0">
+                          <a:latin typeface="맑은 고딕"/>
+                          <a:cs typeface="맑은 고딕"/>
+                        </a:rPr>
+                        <a:t>알람 발생 안함</a:t>
+                      </a:r>
                       <a:endParaRPr sz="1200" dirty="0">
                         <a:latin typeface="맑은 고딕"/>
                         <a:cs typeface="맑은 고딕"/>
@@ -23963,6 +24302,27 @@
                         </a:rPr>
                         <a:t>Scenario</a:t>
                       </a:r>
+                      <a:endParaRPr lang="en-US" sz="1200" b="1" spc="-5" dirty="0">
+                        <a:latin typeface="맑은 고딕"/>
+                        <a:cs typeface="맑은 고딕"/>
+                      </a:endParaRPr>
+                    </a:p>
+                    <a:p>
+                      <a:pPr marL="67945">
+                        <a:lnSpc>
+                          <a:spcPct val="100000"/>
+                        </a:lnSpc>
+                        <a:spcBef>
+                          <a:spcPts val="470"/>
+                        </a:spcBef>
+                      </a:pPr>
+                      <a:r>
+                        <a:rPr lang="ko-KR" altLang="en-US" sz="1200" b="1" spc="-5" dirty="0">
+                          <a:latin typeface="맑은 고딕"/>
+                          <a:cs typeface="맑은 고딕"/>
+                        </a:rPr>
+                        <a:t>비정상종료</a:t>
+                      </a:r>
                       <a:endParaRPr sz="1200" b="1" dirty="0">
                         <a:latin typeface="맑은 고딕"/>
                         <a:cs typeface="맑은 고딕"/>
@@ -24012,15 +24372,29 @@
                     <a:bodyPr/>
                     <a:lstStyle/>
                     <a:p>
-                      <a:pPr marL="296545" indent="-228600">
+                      <a:pPr marL="67945" indent="0">
                         <a:lnSpc>
                           <a:spcPts val="1415"/>
                         </a:lnSpc>
                         <a:spcBef>
                           <a:spcPts val="470"/>
                         </a:spcBef>
-                        <a:buAutoNum type="arabicPeriod"/>
+                        <a:buNone/>
                       </a:pPr>
+                      <a:r>
+                        <a:rPr lang="en-US" altLang="ko-KR" sz="1200" dirty="0">
+                          <a:latin typeface="맑은 고딕"/>
+                          <a:cs typeface="맑은 고딕"/>
+                        </a:rPr>
+                        <a:t>1. </a:t>
+                      </a:r>
+                      <a:r>
+                        <a:rPr lang="ko-KR" altLang="en-US" sz="1200" dirty="0">
+                          <a:latin typeface="맑은 고딕"/>
+                          <a:cs typeface="맑은 고딕"/>
+                        </a:rPr>
+                        <a:t>차량 배터리 방전으로 시스템 정지</a:t>
+                      </a:r>
                       <a:endParaRPr sz="1200" dirty="0">
                         <a:latin typeface="맑은 고딕"/>
                         <a:cs typeface="맑은 고딕"/>
@@ -24080,6 +24454,34 @@
                         </a:spcBef>
                         <a:buNone/>
                       </a:pPr>
+                      <a:r>
+                        <a:rPr lang="en-US" altLang="ko-KR" sz="1200" dirty="0">
+                          <a:latin typeface="맑은 고딕"/>
+                          <a:cs typeface="맑은 고딕"/>
+                        </a:rPr>
+                        <a:t>1. </a:t>
+                      </a:r>
+                      <a:r>
+                        <a:rPr lang="ko-KR" altLang="en-US" sz="1200" dirty="0">
+                          <a:latin typeface="맑은 고딕"/>
+                          <a:cs typeface="맑은 고딕"/>
+                        </a:rPr>
+                        <a:t>자동으로 </a:t>
+                      </a:r>
+                      <a:r>
+                        <a:rPr lang="ko-KR" altLang="en-US" sz="1200" dirty="0" err="1">
+                          <a:latin typeface="맑은 고딕"/>
+                          <a:cs typeface="맑은 고딕"/>
+                        </a:rPr>
+                        <a:t>차일드락</a:t>
+                      </a:r>
+                      <a:r>
+                        <a:rPr lang="ko-KR" altLang="en-US" sz="1200" dirty="0">
+                          <a:latin typeface="맑은 고딕"/>
+                          <a:cs typeface="맑은 고딕"/>
+                        </a:rPr>
+                        <a:t> 해제</a:t>
+                      </a:r>
                       <a:endParaRPr sz="1200" dirty="0">
                         <a:latin typeface="맑은 고딕"/>
                         <a:cs typeface="맑은 고딕"/>
@@ -24145,15 +24547,29 @@
                     <a:bodyPr/>
                     <a:lstStyle/>
                     <a:p>
-                      <a:pPr marL="296545" indent="-228600">
+                      <a:pPr marL="67945" indent="0">
                         <a:lnSpc>
                           <a:spcPts val="1415"/>
                         </a:lnSpc>
                         <a:spcBef>
                           <a:spcPts val="470"/>
                         </a:spcBef>
-                        <a:buAutoNum type="arabicPeriod"/>
+                        <a:buNone/>
                       </a:pPr>
+                      <a:r>
+                        <a:rPr lang="en-US" altLang="ko-KR" sz="1200" dirty="0">
+                          <a:latin typeface="맑은 고딕"/>
+                          <a:cs typeface="맑은 고딕"/>
+                        </a:rPr>
+                        <a:t>2. </a:t>
+                      </a:r>
+                      <a:r>
+                        <a:rPr lang="ko-KR" altLang="en-US" sz="1200" dirty="0">
+                          <a:latin typeface="맑은 고딕"/>
+                          <a:cs typeface="맑은 고딕"/>
+                        </a:rPr>
+                        <a:t>센서 판별 실패</a:t>
+                      </a:r>
                       <a:endParaRPr sz="1200" dirty="0">
                         <a:latin typeface="맑은 고딕"/>
                         <a:cs typeface="맑은 고딕"/>
@@ -24213,6 +24629,20 @@
                         </a:spcBef>
                         <a:buNone/>
                       </a:pPr>
+                      <a:r>
+                        <a:rPr lang="en-US" altLang="ko-KR" sz="1200" dirty="0">
+                          <a:latin typeface="맑은 고딕"/>
+                          <a:cs typeface="맑은 고딕"/>
+                        </a:rPr>
+                        <a:t>2. 5</a:t>
+                      </a:r>
+                      <a:r>
+                        <a:rPr lang="ko-KR" altLang="en-US" sz="1200" dirty="0">
+                          <a:latin typeface="맑은 고딕"/>
+                          <a:cs typeface="맑은 고딕"/>
+                        </a:rPr>
+                        <a:t>번까지 무게감지 재인식 시도</a:t>
+                      </a:r>
                       <a:endParaRPr sz="1200" dirty="0">
                         <a:latin typeface="맑은 고딕"/>
                         <a:cs typeface="맑은 고딕"/>
@@ -24281,15 +24711,29 @@
                     <a:bodyPr/>
                     <a:lstStyle/>
                     <a:p>
-                      <a:pPr marL="296545" indent="-228600">
+                      <a:pPr marL="67945" indent="0">
                         <a:lnSpc>
                           <a:spcPts val="1415"/>
                         </a:lnSpc>
                         <a:spcBef>
                           <a:spcPts val="470"/>
                         </a:spcBef>
-                        <a:buAutoNum type="arabicPeriod"/>
+                        <a:buNone/>
                       </a:pPr>
+                      <a:r>
+                        <a:rPr lang="en-US" sz="1200" dirty="0">
+                          <a:latin typeface="맑은 고딕"/>
+                          <a:cs typeface="맑은 고딕"/>
+                        </a:rPr>
+                        <a:t>3. </a:t>
+                      </a:r>
+                      <a:r>
+                        <a:rPr lang="ko-KR" altLang="en-US" sz="1200" dirty="0">
+                          <a:latin typeface="맑은 고딕"/>
+                          <a:cs typeface="맑은 고딕"/>
+                        </a:rPr>
+                        <a:t>컴퓨터비전 인식 오류</a:t>
+                      </a:r>
                       <a:endParaRPr sz="1200" dirty="0">
                         <a:latin typeface="맑은 고딕"/>
                         <a:cs typeface="맑은 고딕"/>
@@ -24349,6 +24793,34 @@
                         </a:spcBef>
                         <a:buNone/>
                       </a:pPr>
+                      <a:r>
+                        <a:rPr lang="en-US" altLang="ko-KR" sz="1200" dirty="0">
+                          <a:latin typeface="맑은 고딕"/>
+                          <a:cs typeface="맑은 고딕"/>
+                        </a:rPr>
+                        <a:t>3. 2</a:t>
+                      </a:r>
+                      <a:r>
+                        <a:rPr lang="ko-KR" altLang="en-US" sz="1200" dirty="0">
+                          <a:latin typeface="맑은 고딕"/>
+                          <a:cs typeface="맑은 고딕"/>
+                        </a:rPr>
+                        <a:t>번까지 재인식 시도 </a:t>
+                      </a:r>
+                      <a:r>
+                        <a:rPr lang="en-US" altLang="ko-KR" sz="1200" dirty="0">
+                          <a:latin typeface="맑은 고딕"/>
+                          <a:cs typeface="맑은 고딕"/>
+                        </a:rPr>
+                        <a:t>&amp; </a:t>
+                      </a:r>
+                      <a:r>
+                        <a:rPr lang="ko-KR" altLang="en-US" sz="1200">
+                          <a:latin typeface="맑은 고딕"/>
+                          <a:cs typeface="맑은 고딕"/>
+                        </a:rPr>
+                        <a:t>오류로그 전송 후 리셋</a:t>
+                      </a:r>
                       <a:endParaRPr sz="1200" dirty="0">
                         <a:latin typeface="맑은 고딕"/>
                         <a:cs typeface="맑은 고딕"/>
@@ -25105,7 +25577,7 @@
                         </a:spcAft>
                         <a:buNone/>
                       </a:pPr>
-                      <a:endParaRPr sz="1800" b="0" kern="1200">
+                      <a:endParaRPr sz="1800" b="0" kern="1200" dirty="0">
                         <a:solidFill>
                           <a:schemeClr val="tx1"/>
                         </a:solidFill>
@@ -25190,7 +25662,7 @@
                         </a:spcAft>
                         <a:buNone/>
                       </a:pPr>
-                      <a:endParaRPr sz="1800" b="0" kern="1200">
+                      <a:endParaRPr sz="1800" b="0" kern="1200" dirty="0">
                         <a:solidFill>
                           <a:schemeClr val="tx1"/>
                         </a:solidFill>

--- a/01_요구사항 실습/SW 요구사항 분석 및 설계_1조.pptx
+++ b/01_요구사항 실습/SW 요구사항 분석 및 설계_1조.pptx
@@ -5,10 +5,10 @@
     <p:sldMasterId id="2147483719" r:id="rId1"/>
   </p:sldMasterIdLst>
   <p:notesMasterIdLst>
-    <p:notesMasterId r:id="rId12"/>
+    <p:notesMasterId r:id="rId14"/>
   </p:notesMasterIdLst>
   <p:handoutMasterIdLst>
-    <p:handoutMasterId r:id="rId13"/>
+    <p:handoutMasterId r:id="rId15"/>
   </p:handoutMasterIdLst>
   <p:sldIdLst>
     <p:sldId id="2076136653" r:id="rId2"/>
@@ -18,9 +18,11 @@
     <p:sldId id="2076136654" r:id="rId6"/>
     <p:sldId id="2076136655" r:id="rId7"/>
     <p:sldId id="2076136656" r:id="rId8"/>
-    <p:sldId id="2076136657" r:id="rId9"/>
-    <p:sldId id="2076136658" r:id="rId10"/>
-    <p:sldId id="2076136659" r:id="rId11"/>
+    <p:sldId id="2076136661" r:id="rId9"/>
+    <p:sldId id="2076136662" r:id="rId10"/>
+    <p:sldId id="2076136657" r:id="rId11"/>
+    <p:sldId id="2076136658" r:id="rId12"/>
+    <p:sldId id="2076136659" r:id="rId13"/>
   </p:sldIdLst>
   <p:sldSz cx="12192000" cy="6858000"/>
   <p:notesSz cx="6797675" cy="9926638"/>
@@ -15203,6 +15205,779 @@
           <p:cNvPr id="2" name="제목 1">
             <a:extLst>
               <a:ext uri="{FF2B5EF4-FFF2-40B4-BE49-F238E27FC236}">
+                <a16:creationId xmlns:a16="http://schemas.microsoft.com/office/drawing/2014/main" id="{13F76DA1-B188-CA3D-AB00-DAF6D667E4D1}"/>
+              </a:ext>
+            </a:extLst>
+          </p:cNvPr>
+          <p:cNvSpPr>
+            <a:spLocks noGrp="1"/>
+          </p:cNvSpPr>
+          <p:nvPr>
+            <p:ph type="title"/>
+          </p:nvPr>
+        </p:nvSpPr>
+        <p:spPr/>
+        <p:txBody>
+          <a:bodyPr/>
+          <a:lstStyle/>
+          <a:p>
+            <a:r>
+              <a:rPr lang="en-US" altLang="ko-KR" dirty="0"/>
+              <a:t>5. </a:t>
+            </a:r>
+            <a:r>
+              <a:rPr lang="ko-KR" altLang="en-US" dirty="0" err="1"/>
+              <a:t>비기능</a:t>
+            </a:r>
+            <a:r>
+              <a:rPr lang="ko-KR" altLang="en-US" dirty="0"/>
+              <a:t> 요구사항</a:t>
+            </a:r>
+          </a:p>
+        </p:txBody>
+      </p:sp>
+      <p:graphicFrame>
+        <p:nvGraphicFramePr>
+          <p:cNvPr id="4" name="Google Shape;189;g2ef8994fb9e_7_73">
+            <a:extLst>
+              <a:ext uri="{FF2B5EF4-FFF2-40B4-BE49-F238E27FC236}">
+                <a16:creationId xmlns:a16="http://schemas.microsoft.com/office/drawing/2014/main" id="{59E7F329-E264-36B2-3450-151761BD641B}"/>
+              </a:ext>
+            </a:extLst>
+          </p:cNvPr>
+          <p:cNvGraphicFramePr/>
+          <p:nvPr>
+            <p:extLst>
+              <p:ext uri="{D42A27DB-BD31-4B8C-83A1-F6EECF244321}">
+                <p14:modId xmlns:p14="http://schemas.microsoft.com/office/powerpoint/2010/main" val="117744743"/>
+              </p:ext>
+            </p:extLst>
+          </p:nvPr>
+        </p:nvGraphicFramePr>
+        <p:xfrm>
+          <a:off x="673261" y="925007"/>
+          <a:ext cx="10845476" cy="3573030"/>
+        </p:xfrm>
+        <a:graphic>
+          <a:graphicData uri="http://schemas.openxmlformats.org/drawingml/2006/table">
+            <a:tbl>
+              <a:tblPr>
+                <a:noFill/>
+              </a:tblPr>
+              <a:tblGrid>
+                <a:gridCol w="1460504">
+                  <a:extLst>
+                    <a:ext uri="{9D8B030D-6E8A-4147-A177-3AD203B41FA5}">
+                      <a16:colId xmlns:a16="http://schemas.microsoft.com/office/drawing/2014/main" val="20000"/>
+                    </a:ext>
+                  </a:extLst>
+                </a:gridCol>
+                <a:gridCol w="8040941">
+                  <a:extLst>
+                    <a:ext uri="{9D8B030D-6E8A-4147-A177-3AD203B41FA5}">
+                      <a16:colId xmlns:a16="http://schemas.microsoft.com/office/drawing/2014/main" val="20001"/>
+                    </a:ext>
+                  </a:extLst>
+                </a:gridCol>
+                <a:gridCol w="1344031">
+                  <a:extLst>
+                    <a:ext uri="{9D8B030D-6E8A-4147-A177-3AD203B41FA5}">
+                      <a16:colId xmlns:a16="http://schemas.microsoft.com/office/drawing/2014/main" val="20002"/>
+                    </a:ext>
+                  </a:extLst>
+                </a:gridCol>
+              </a:tblGrid>
+              <a:tr h="241764">
+                <a:tc>
+                  <a:txBody>
+                    <a:bodyPr/>
+                    <a:lstStyle/>
+                    <a:p>
+                      <a:pPr marL="0" lvl="0" indent="0" algn="ctr" defTabSz="914400" rtl="0" eaLnBrk="1" latinLnBrk="1" hangingPunct="1">
+                        <a:spcBef>
+                          <a:spcPts val="0"/>
+                        </a:spcBef>
+                        <a:spcAft>
+                          <a:spcPts val="0"/>
+                        </a:spcAft>
+                        <a:buNone/>
+                      </a:pPr>
+                      <a:r>
+                        <a:rPr lang="en-US" sz="1800" b="1" kern="1200" dirty="0" err="1">
+                          <a:solidFill>
+                            <a:schemeClr val="tx1"/>
+                          </a:solidFill>
+                          <a:latin typeface="+mn-lt"/>
+                          <a:ea typeface="+mn-ea"/>
+                          <a:cs typeface="+mn-cs"/>
+                        </a:rPr>
+                        <a:t>주특성</a:t>
+                      </a:r>
+                      <a:endParaRPr sz="1800" b="1" kern="1200" dirty="0">
+                        <a:solidFill>
+                          <a:schemeClr val="tx1"/>
+                        </a:solidFill>
+                        <a:latin typeface="+mn-lt"/>
+                        <a:ea typeface="+mn-ea"/>
+                        <a:cs typeface="+mn-cs"/>
+                      </a:endParaRPr>
+                    </a:p>
+                  </a:txBody>
+                  <a:tcPr marL="91425" marR="91425" marT="91425" marB="91425">
+                    <a:solidFill>
+                      <a:srgbClr val="C9DAF8"/>
+                    </a:solidFill>
+                  </a:tcPr>
+                </a:tc>
+                <a:tc>
+                  <a:txBody>
+                    <a:bodyPr/>
+                    <a:lstStyle/>
+                    <a:p>
+                      <a:pPr marL="0" lvl="0" indent="0" algn="ctr" defTabSz="914400" rtl="0" eaLnBrk="1" latinLnBrk="1" hangingPunct="1">
+                        <a:spcBef>
+                          <a:spcPts val="0"/>
+                        </a:spcBef>
+                        <a:spcAft>
+                          <a:spcPts val="0"/>
+                        </a:spcAft>
+                        <a:buNone/>
+                      </a:pPr>
+                      <a:r>
+                        <a:rPr lang="en-US" sz="1800" b="1" kern="1200">
+                          <a:solidFill>
+                            <a:schemeClr val="tx1"/>
+                          </a:solidFill>
+                          <a:latin typeface="+mn-lt"/>
+                          <a:ea typeface="+mn-ea"/>
+                          <a:cs typeface="+mn-cs"/>
+                        </a:rPr>
+                        <a:t>비기능 요구사항</a:t>
+                      </a:r>
+                      <a:endParaRPr sz="1800" b="1" kern="1200">
+                        <a:solidFill>
+                          <a:schemeClr val="tx1"/>
+                        </a:solidFill>
+                        <a:latin typeface="+mn-lt"/>
+                        <a:ea typeface="+mn-ea"/>
+                        <a:cs typeface="+mn-cs"/>
+                      </a:endParaRPr>
+                    </a:p>
+                  </a:txBody>
+                  <a:tcPr marL="91425" marR="91425" marT="91425" marB="91425">
+                    <a:solidFill>
+                      <a:srgbClr val="C9DAF8"/>
+                    </a:solidFill>
+                  </a:tcPr>
+                </a:tc>
+                <a:tc>
+                  <a:txBody>
+                    <a:bodyPr/>
+                    <a:lstStyle/>
+                    <a:p>
+                      <a:pPr marL="0" lvl="0" indent="0" algn="ctr" defTabSz="914400" rtl="0" eaLnBrk="1" latinLnBrk="1" hangingPunct="1">
+                        <a:spcBef>
+                          <a:spcPts val="0"/>
+                        </a:spcBef>
+                        <a:spcAft>
+                          <a:spcPts val="0"/>
+                        </a:spcAft>
+                        <a:buNone/>
+                      </a:pPr>
+                      <a:r>
+                        <a:rPr lang="en-US" sz="1800" b="1" kern="1200">
+                          <a:solidFill>
+                            <a:schemeClr val="tx1"/>
+                          </a:solidFill>
+                          <a:latin typeface="+mn-lt"/>
+                          <a:ea typeface="+mn-ea"/>
+                          <a:cs typeface="+mn-cs"/>
+                        </a:rPr>
+                        <a:t>비고</a:t>
+                      </a:r>
+                      <a:endParaRPr sz="1800" b="1" kern="1200">
+                        <a:solidFill>
+                          <a:schemeClr val="tx1"/>
+                        </a:solidFill>
+                        <a:latin typeface="+mn-lt"/>
+                        <a:ea typeface="+mn-ea"/>
+                        <a:cs typeface="+mn-cs"/>
+                      </a:endParaRPr>
+                    </a:p>
+                  </a:txBody>
+                  <a:tcPr marL="91425" marR="91425" marT="91425" marB="91425">
+                    <a:solidFill>
+                      <a:srgbClr val="C9DAF8"/>
+                    </a:solidFill>
+                  </a:tcPr>
+                </a:tc>
+                <a:extLst>
+                  <a:ext uri="{0D108BD9-81ED-4DB2-BD59-A6C34878D82A}">
+                    <a16:rowId xmlns:a16="http://schemas.microsoft.com/office/drawing/2014/main" val="10000"/>
+                  </a:ext>
+                </a:extLst>
+              </a:tr>
+              <a:tr h="623172">
+                <a:tc>
+                  <a:txBody>
+                    <a:bodyPr/>
+                    <a:lstStyle/>
+                    <a:p>
+                      <a:pPr marL="0" lvl="0" indent="0" algn="ctr" defTabSz="914400" rtl="0" eaLnBrk="1" latinLnBrk="1" hangingPunct="1">
+                        <a:spcBef>
+                          <a:spcPts val="0"/>
+                        </a:spcBef>
+                        <a:spcAft>
+                          <a:spcPts val="0"/>
+                        </a:spcAft>
+                        <a:buNone/>
+                      </a:pPr>
+                      <a:endParaRPr sz="1800" b="0" kern="1200" dirty="0">
+                        <a:solidFill>
+                          <a:schemeClr val="tx1"/>
+                        </a:solidFill>
+                        <a:latin typeface="+mn-lt"/>
+                        <a:ea typeface="+mn-ea"/>
+                        <a:cs typeface="+mn-cs"/>
+                      </a:endParaRPr>
+                    </a:p>
+                  </a:txBody>
+                  <a:tcPr marL="91425" marR="91425" marT="91425" marB="91425"/>
+                </a:tc>
+                <a:tc>
+                  <a:txBody>
+                    <a:bodyPr/>
+                    <a:lstStyle/>
+                    <a:p>
+                      <a:pPr marL="0" lvl="0" indent="0" algn="ctr" defTabSz="914400" rtl="0" eaLnBrk="1" latinLnBrk="1" hangingPunct="1">
+                        <a:spcBef>
+                          <a:spcPts val="0"/>
+                        </a:spcBef>
+                        <a:spcAft>
+                          <a:spcPts val="0"/>
+                        </a:spcAft>
+                        <a:buNone/>
+                      </a:pPr>
+                      <a:endParaRPr sz="1800" b="0" kern="1200" dirty="0">
+                        <a:solidFill>
+                          <a:schemeClr val="tx1"/>
+                        </a:solidFill>
+                        <a:latin typeface="+mn-lt"/>
+                        <a:ea typeface="+mn-ea"/>
+                        <a:cs typeface="+mn-cs"/>
+                      </a:endParaRPr>
+                    </a:p>
+                  </a:txBody>
+                  <a:tcPr marL="91425" marR="91425" marT="91425" marB="91425"/>
+                </a:tc>
+                <a:tc>
+                  <a:txBody>
+                    <a:bodyPr/>
+                    <a:lstStyle/>
+                    <a:p>
+                      <a:pPr marL="0" lvl="0" indent="0" algn="ctr" defTabSz="914400" rtl="0" eaLnBrk="1" latinLnBrk="1" hangingPunct="1">
+                        <a:spcBef>
+                          <a:spcPts val="0"/>
+                        </a:spcBef>
+                        <a:spcAft>
+                          <a:spcPts val="0"/>
+                        </a:spcAft>
+                        <a:buNone/>
+                      </a:pPr>
+                      <a:endParaRPr sz="1800" b="0" kern="1200">
+                        <a:solidFill>
+                          <a:schemeClr val="tx1"/>
+                        </a:solidFill>
+                        <a:latin typeface="+mn-lt"/>
+                        <a:ea typeface="+mn-ea"/>
+                        <a:cs typeface="+mn-cs"/>
+                      </a:endParaRPr>
+                    </a:p>
+                  </a:txBody>
+                  <a:tcPr marL="91425" marR="91425" marT="91425" marB="91425"/>
+                </a:tc>
+                <a:extLst>
+                  <a:ext uri="{0D108BD9-81ED-4DB2-BD59-A6C34878D82A}">
+                    <a16:rowId xmlns:a16="http://schemas.microsoft.com/office/drawing/2014/main" val="10001"/>
+                  </a:ext>
+                </a:extLst>
+              </a:tr>
+              <a:tr h="623172">
+                <a:tc>
+                  <a:txBody>
+                    <a:bodyPr/>
+                    <a:lstStyle/>
+                    <a:p>
+                      <a:pPr marL="0" lvl="0" indent="0" algn="ctr" defTabSz="914400" rtl="0" eaLnBrk="1" latinLnBrk="1" hangingPunct="1">
+                        <a:spcBef>
+                          <a:spcPts val="0"/>
+                        </a:spcBef>
+                        <a:spcAft>
+                          <a:spcPts val="0"/>
+                        </a:spcAft>
+                        <a:buNone/>
+                      </a:pPr>
+                      <a:endParaRPr sz="1800" b="0" kern="1200">
+                        <a:solidFill>
+                          <a:schemeClr val="tx1"/>
+                        </a:solidFill>
+                        <a:latin typeface="+mn-lt"/>
+                        <a:ea typeface="+mn-ea"/>
+                        <a:cs typeface="+mn-cs"/>
+                      </a:endParaRPr>
+                    </a:p>
+                  </a:txBody>
+                  <a:tcPr marL="91425" marR="91425" marT="91425" marB="91425"/>
+                </a:tc>
+                <a:tc>
+                  <a:txBody>
+                    <a:bodyPr/>
+                    <a:lstStyle/>
+                    <a:p>
+                      <a:pPr marL="0" lvl="0" indent="0" algn="ctr" defTabSz="914400" rtl="0" eaLnBrk="1" latinLnBrk="1" hangingPunct="1">
+                        <a:spcBef>
+                          <a:spcPts val="0"/>
+                        </a:spcBef>
+                        <a:spcAft>
+                          <a:spcPts val="0"/>
+                        </a:spcAft>
+                        <a:buNone/>
+                      </a:pPr>
+                      <a:endParaRPr sz="1800" b="0" kern="1200" dirty="0">
+                        <a:solidFill>
+                          <a:schemeClr val="tx1"/>
+                        </a:solidFill>
+                        <a:latin typeface="+mn-lt"/>
+                        <a:ea typeface="+mn-ea"/>
+                        <a:cs typeface="+mn-cs"/>
+                      </a:endParaRPr>
+                    </a:p>
+                  </a:txBody>
+                  <a:tcPr marL="91425" marR="91425" marT="91425" marB="91425"/>
+                </a:tc>
+                <a:tc>
+                  <a:txBody>
+                    <a:bodyPr/>
+                    <a:lstStyle/>
+                    <a:p>
+                      <a:pPr marL="0" lvl="0" indent="0" algn="ctr" defTabSz="914400" rtl="0" eaLnBrk="1" latinLnBrk="1" hangingPunct="1">
+                        <a:spcBef>
+                          <a:spcPts val="0"/>
+                        </a:spcBef>
+                        <a:spcAft>
+                          <a:spcPts val="0"/>
+                        </a:spcAft>
+                        <a:buNone/>
+                      </a:pPr>
+                      <a:endParaRPr sz="1800" b="0" kern="1200">
+                        <a:solidFill>
+                          <a:schemeClr val="tx1"/>
+                        </a:solidFill>
+                        <a:latin typeface="+mn-lt"/>
+                        <a:ea typeface="+mn-ea"/>
+                        <a:cs typeface="+mn-cs"/>
+                      </a:endParaRPr>
+                    </a:p>
+                  </a:txBody>
+                  <a:tcPr marL="91425" marR="91425" marT="91425" marB="91425"/>
+                </a:tc>
+                <a:extLst>
+                  <a:ext uri="{0D108BD9-81ED-4DB2-BD59-A6C34878D82A}">
+                    <a16:rowId xmlns:a16="http://schemas.microsoft.com/office/drawing/2014/main" val="10002"/>
+                  </a:ext>
+                </a:extLst>
+              </a:tr>
+              <a:tr h="623172">
+                <a:tc>
+                  <a:txBody>
+                    <a:bodyPr/>
+                    <a:lstStyle/>
+                    <a:p>
+                      <a:pPr marL="0" lvl="0" indent="0" algn="ctr" defTabSz="914400" rtl="0" eaLnBrk="1" latinLnBrk="1" hangingPunct="1">
+                        <a:spcBef>
+                          <a:spcPts val="0"/>
+                        </a:spcBef>
+                        <a:spcAft>
+                          <a:spcPts val="0"/>
+                        </a:spcAft>
+                        <a:buNone/>
+                      </a:pPr>
+                      <a:endParaRPr sz="1800" b="0" kern="1200" dirty="0">
+                        <a:solidFill>
+                          <a:schemeClr val="tx1"/>
+                        </a:solidFill>
+                        <a:latin typeface="+mn-lt"/>
+                        <a:ea typeface="+mn-ea"/>
+                        <a:cs typeface="+mn-cs"/>
+                      </a:endParaRPr>
+                    </a:p>
+                  </a:txBody>
+                  <a:tcPr marL="91425" marR="91425" marT="91425" marB="91425"/>
+                </a:tc>
+                <a:tc>
+                  <a:txBody>
+                    <a:bodyPr/>
+                    <a:lstStyle/>
+                    <a:p>
+                      <a:pPr marL="0" lvl="0" indent="0" algn="ctr" defTabSz="914400" rtl="0" eaLnBrk="1" latinLnBrk="1" hangingPunct="1">
+                        <a:spcBef>
+                          <a:spcPts val="0"/>
+                        </a:spcBef>
+                        <a:spcAft>
+                          <a:spcPts val="0"/>
+                        </a:spcAft>
+                        <a:buNone/>
+                      </a:pPr>
+                      <a:endParaRPr sz="1800" b="0" kern="1200">
+                        <a:solidFill>
+                          <a:schemeClr val="tx1"/>
+                        </a:solidFill>
+                        <a:latin typeface="+mn-lt"/>
+                        <a:ea typeface="+mn-ea"/>
+                        <a:cs typeface="+mn-cs"/>
+                      </a:endParaRPr>
+                    </a:p>
+                  </a:txBody>
+                  <a:tcPr marL="91425" marR="91425" marT="91425" marB="91425"/>
+                </a:tc>
+                <a:tc>
+                  <a:txBody>
+                    <a:bodyPr/>
+                    <a:lstStyle/>
+                    <a:p>
+                      <a:pPr marL="0" lvl="0" indent="0" algn="ctr" defTabSz="914400" rtl="0" eaLnBrk="1" latinLnBrk="1" hangingPunct="1">
+                        <a:spcBef>
+                          <a:spcPts val="0"/>
+                        </a:spcBef>
+                        <a:spcAft>
+                          <a:spcPts val="0"/>
+                        </a:spcAft>
+                        <a:buNone/>
+                      </a:pPr>
+                      <a:endParaRPr sz="1800" b="0" kern="1200">
+                        <a:solidFill>
+                          <a:schemeClr val="tx1"/>
+                        </a:solidFill>
+                        <a:latin typeface="+mn-lt"/>
+                        <a:ea typeface="+mn-ea"/>
+                        <a:cs typeface="+mn-cs"/>
+                      </a:endParaRPr>
+                    </a:p>
+                  </a:txBody>
+                  <a:tcPr marL="91425" marR="91425" marT="91425" marB="91425"/>
+                </a:tc>
+                <a:extLst>
+                  <a:ext uri="{0D108BD9-81ED-4DB2-BD59-A6C34878D82A}">
+                    <a16:rowId xmlns:a16="http://schemas.microsoft.com/office/drawing/2014/main" val="10003"/>
+                  </a:ext>
+                </a:extLst>
+              </a:tr>
+              <a:tr h="623172">
+                <a:tc>
+                  <a:txBody>
+                    <a:bodyPr/>
+                    <a:lstStyle/>
+                    <a:p>
+                      <a:pPr marL="0" lvl="0" indent="0" algn="ctr" defTabSz="914400" rtl="0" eaLnBrk="1" latinLnBrk="1" hangingPunct="1">
+                        <a:spcBef>
+                          <a:spcPts val="0"/>
+                        </a:spcBef>
+                        <a:spcAft>
+                          <a:spcPts val="0"/>
+                        </a:spcAft>
+                        <a:buNone/>
+                      </a:pPr>
+                      <a:endParaRPr sz="1800" b="0" kern="1200" dirty="0">
+                        <a:solidFill>
+                          <a:schemeClr val="tx1"/>
+                        </a:solidFill>
+                        <a:latin typeface="+mn-lt"/>
+                        <a:ea typeface="+mn-ea"/>
+                        <a:cs typeface="+mn-cs"/>
+                      </a:endParaRPr>
+                    </a:p>
+                  </a:txBody>
+                  <a:tcPr marL="91425" marR="91425" marT="91425" marB="91425"/>
+                </a:tc>
+                <a:tc>
+                  <a:txBody>
+                    <a:bodyPr/>
+                    <a:lstStyle/>
+                    <a:p>
+                      <a:pPr marL="0" lvl="0" indent="0" algn="ctr" defTabSz="914400" rtl="0" eaLnBrk="1" latinLnBrk="1" hangingPunct="1">
+                        <a:spcBef>
+                          <a:spcPts val="0"/>
+                        </a:spcBef>
+                        <a:spcAft>
+                          <a:spcPts val="0"/>
+                        </a:spcAft>
+                        <a:buClr>
+                          <a:schemeClr val="dk1"/>
+                        </a:buClr>
+                        <a:buSzPts val="1100"/>
+                        <a:buFont typeface="Arial"/>
+                        <a:buNone/>
+                      </a:pPr>
+                      <a:endParaRPr sz="1800" b="0" kern="1200" dirty="0">
+                        <a:solidFill>
+                          <a:schemeClr val="tx1"/>
+                        </a:solidFill>
+                        <a:latin typeface="+mn-lt"/>
+                        <a:ea typeface="+mn-ea"/>
+                        <a:cs typeface="+mn-cs"/>
+                      </a:endParaRPr>
+                    </a:p>
+                  </a:txBody>
+                  <a:tcPr marL="91425" marR="91425" marT="91425" marB="91425"/>
+                </a:tc>
+                <a:tc>
+                  <a:txBody>
+                    <a:bodyPr/>
+                    <a:lstStyle/>
+                    <a:p>
+                      <a:pPr marL="0" lvl="0" indent="0" algn="ctr" defTabSz="914400" rtl="0" eaLnBrk="1" latinLnBrk="1" hangingPunct="1">
+                        <a:spcBef>
+                          <a:spcPts val="0"/>
+                        </a:spcBef>
+                        <a:spcAft>
+                          <a:spcPts val="0"/>
+                        </a:spcAft>
+                        <a:buNone/>
+                      </a:pPr>
+                      <a:endParaRPr sz="1800" b="0" kern="1200">
+                        <a:solidFill>
+                          <a:schemeClr val="tx1"/>
+                        </a:solidFill>
+                        <a:latin typeface="+mn-lt"/>
+                        <a:ea typeface="+mn-ea"/>
+                        <a:cs typeface="+mn-cs"/>
+                      </a:endParaRPr>
+                    </a:p>
+                  </a:txBody>
+                  <a:tcPr marL="91425" marR="91425" marT="91425" marB="91425"/>
+                </a:tc>
+                <a:extLst>
+                  <a:ext uri="{0D108BD9-81ED-4DB2-BD59-A6C34878D82A}">
+                    <a16:rowId xmlns:a16="http://schemas.microsoft.com/office/drawing/2014/main" val="10004"/>
+                  </a:ext>
+                </a:extLst>
+              </a:tr>
+              <a:tr h="623172">
+                <a:tc>
+                  <a:txBody>
+                    <a:bodyPr/>
+                    <a:lstStyle/>
+                    <a:p>
+                      <a:pPr marL="0" lvl="0" indent="0" algn="ctr" defTabSz="914400" rtl="0" eaLnBrk="1" latinLnBrk="1" hangingPunct="1">
+                        <a:spcBef>
+                          <a:spcPts val="0"/>
+                        </a:spcBef>
+                        <a:spcAft>
+                          <a:spcPts val="0"/>
+                        </a:spcAft>
+                        <a:buNone/>
+                      </a:pPr>
+                      <a:endParaRPr sz="1800" b="0" kern="1200">
+                        <a:solidFill>
+                          <a:schemeClr val="tx1"/>
+                        </a:solidFill>
+                        <a:latin typeface="+mn-lt"/>
+                        <a:ea typeface="+mn-ea"/>
+                        <a:cs typeface="+mn-cs"/>
+                      </a:endParaRPr>
+                    </a:p>
+                  </a:txBody>
+                  <a:tcPr marL="91425" marR="91425" marT="91425" marB="91425"/>
+                </a:tc>
+                <a:tc>
+                  <a:txBody>
+                    <a:bodyPr/>
+                    <a:lstStyle/>
+                    <a:p>
+                      <a:pPr marL="0" lvl="0" indent="0" algn="ctr" defTabSz="914400" rtl="0" eaLnBrk="1" latinLnBrk="1" hangingPunct="1">
+                        <a:spcBef>
+                          <a:spcPts val="0"/>
+                        </a:spcBef>
+                        <a:spcAft>
+                          <a:spcPts val="0"/>
+                        </a:spcAft>
+                        <a:buClr>
+                          <a:schemeClr val="dk1"/>
+                        </a:buClr>
+                        <a:buSzPts val="1100"/>
+                        <a:buFont typeface="Arial"/>
+                        <a:buNone/>
+                      </a:pPr>
+                      <a:endParaRPr sz="1800" b="0" kern="1200" dirty="0">
+                        <a:solidFill>
+                          <a:schemeClr val="tx1"/>
+                        </a:solidFill>
+                        <a:latin typeface="+mn-lt"/>
+                        <a:ea typeface="+mn-ea"/>
+                        <a:cs typeface="+mn-cs"/>
+                      </a:endParaRPr>
+                    </a:p>
+                  </a:txBody>
+                  <a:tcPr marL="91425" marR="91425" marT="91425" marB="91425"/>
+                </a:tc>
+                <a:tc>
+                  <a:txBody>
+                    <a:bodyPr/>
+                    <a:lstStyle/>
+                    <a:p>
+                      <a:pPr marL="0" lvl="0" indent="0" algn="ctr" defTabSz="914400" rtl="0" eaLnBrk="1" latinLnBrk="1" hangingPunct="1">
+                        <a:spcBef>
+                          <a:spcPts val="0"/>
+                        </a:spcBef>
+                        <a:spcAft>
+                          <a:spcPts val="0"/>
+                        </a:spcAft>
+                        <a:buNone/>
+                      </a:pPr>
+                      <a:endParaRPr sz="1800" b="0" kern="1200" dirty="0">
+                        <a:solidFill>
+                          <a:schemeClr val="tx1"/>
+                        </a:solidFill>
+                        <a:latin typeface="+mn-lt"/>
+                        <a:ea typeface="+mn-ea"/>
+                        <a:cs typeface="+mn-cs"/>
+                      </a:endParaRPr>
+                    </a:p>
+                  </a:txBody>
+                  <a:tcPr marL="91425" marR="91425" marT="91425" marB="91425"/>
+                </a:tc>
+                <a:extLst>
+                  <a:ext uri="{0D108BD9-81ED-4DB2-BD59-A6C34878D82A}">
+                    <a16:rowId xmlns:a16="http://schemas.microsoft.com/office/drawing/2014/main" val="10005"/>
+                  </a:ext>
+                </a:extLst>
+              </a:tr>
+            </a:tbl>
+          </a:graphicData>
+        </a:graphic>
+      </p:graphicFrame>
+    </p:spTree>
+    <p:extLst>
+      <p:ext uri="{BB962C8B-B14F-4D97-AF65-F5344CB8AC3E}">
+        <p14:creationId xmlns:p14="http://schemas.microsoft.com/office/powerpoint/2010/main" val="3652782612"/>
+      </p:ext>
+    </p:extLst>
+  </p:cSld>
+  <p:clrMapOvr>
+    <a:masterClrMapping/>
+  </p:clrMapOvr>
+</p:sld>
+</file>
+
+<file path=ppt/slides/slide11.xml><?xml version="1.0" encoding="utf-8"?>
+<p:sld xmlns:a="http://schemas.openxmlformats.org/drawingml/2006/main" xmlns:r="http://schemas.openxmlformats.org/officeDocument/2006/relationships" xmlns:p="http://schemas.openxmlformats.org/presentationml/2006/main">
+  <p:cSld>
+    <p:spTree>
+      <p:nvGrpSpPr>
+        <p:cNvPr id="1" name=""/>
+        <p:cNvGrpSpPr/>
+        <p:nvPr/>
+      </p:nvGrpSpPr>
+      <p:grpSpPr>
+        <a:xfrm>
+          <a:off x="0" y="0"/>
+          <a:ext cx="0" cy="0"/>
+          <a:chOff x="0" y="0"/>
+          <a:chExt cx="0" cy="0"/>
+        </a:xfrm>
+      </p:grpSpPr>
+      <p:sp>
+        <p:nvSpPr>
+          <p:cNvPr id="2" name="제목 1">
+            <a:extLst>
+              <a:ext uri="{FF2B5EF4-FFF2-40B4-BE49-F238E27FC236}">
+                <a16:creationId xmlns:a16="http://schemas.microsoft.com/office/drawing/2014/main" id="{89468A2C-6A19-C11C-81E6-EA7C9F5E0681}"/>
+              </a:ext>
+            </a:extLst>
+          </p:cNvPr>
+          <p:cNvSpPr>
+            <a:spLocks noGrp="1"/>
+          </p:cNvSpPr>
+          <p:nvPr>
+            <p:ph type="title"/>
+          </p:nvPr>
+        </p:nvSpPr>
+        <p:spPr/>
+        <p:txBody>
+          <a:bodyPr/>
+          <a:lstStyle/>
+          <a:p>
+            <a:r>
+              <a:rPr lang="en-US" altLang="ko-KR" dirty="0"/>
+              <a:t>6. </a:t>
+            </a:r>
+            <a:r>
+              <a:rPr lang="ko-KR" altLang="en-US" dirty="0"/>
+              <a:t>요구사항 검토 체크리스트</a:t>
+            </a:r>
+          </a:p>
+        </p:txBody>
+      </p:sp>
+      <p:sp>
+        <p:nvSpPr>
+          <p:cNvPr id="3" name="텍스트 개체 틀 2">
+            <a:extLst>
+              <a:ext uri="{FF2B5EF4-FFF2-40B4-BE49-F238E27FC236}">
+                <a16:creationId xmlns:a16="http://schemas.microsoft.com/office/drawing/2014/main" id="{6B27578D-77DB-BD75-A1D0-F41CACC63750}"/>
+              </a:ext>
+            </a:extLst>
+          </p:cNvPr>
+          <p:cNvSpPr>
+            <a:spLocks noGrp="1"/>
+          </p:cNvSpPr>
+          <p:nvPr>
+            <p:ph type="body" sz="quarter" idx="10"/>
+          </p:nvPr>
+        </p:nvSpPr>
+        <p:spPr/>
+        <p:txBody>
+          <a:bodyPr/>
+          <a:lstStyle/>
+          <a:p>
+            <a:endParaRPr lang="ko-KR" altLang="en-US"/>
+          </a:p>
+        </p:txBody>
+      </p:sp>
+    </p:spTree>
+    <p:extLst>
+      <p:ext uri="{BB962C8B-B14F-4D97-AF65-F5344CB8AC3E}">
+        <p14:creationId xmlns:p14="http://schemas.microsoft.com/office/powerpoint/2010/main" val="836117145"/>
+      </p:ext>
+    </p:extLst>
+  </p:cSld>
+  <p:clrMapOvr>
+    <a:masterClrMapping/>
+  </p:clrMapOvr>
+</p:sld>
+</file>
+
+<file path=ppt/slides/slide12.xml><?xml version="1.0" encoding="utf-8"?>
+<p:sld xmlns:a="http://schemas.openxmlformats.org/drawingml/2006/main" xmlns:r="http://schemas.openxmlformats.org/officeDocument/2006/relationships" xmlns:p="http://schemas.openxmlformats.org/presentationml/2006/main">
+  <p:cSld>
+    <p:spTree>
+      <p:nvGrpSpPr>
+        <p:cNvPr id="1" name=""/>
+        <p:cNvGrpSpPr/>
+        <p:nvPr/>
+      </p:nvGrpSpPr>
+      <p:grpSpPr>
+        <a:xfrm>
+          <a:off x="0" y="0"/>
+          <a:ext cx="0" cy="0"/>
+          <a:chOff x="0" y="0"/>
+          <a:chExt cx="0" cy="0"/>
+        </a:xfrm>
+      </p:grpSpPr>
+      <p:sp>
+        <p:nvSpPr>
+          <p:cNvPr id="2" name="제목 1">
+            <a:extLst>
+              <a:ext uri="{FF2B5EF4-FFF2-40B4-BE49-F238E27FC236}">
                 <a16:creationId xmlns:a16="http://schemas.microsoft.com/office/drawing/2014/main" id="{8415BE52-74A9-6CE6-241C-41221B52733B}"/>
               </a:ext>
             </a:extLst>
@@ -21219,7 +21994,7 @@
           <p:nvPr>
             <p:extLst>
               <p:ext uri="{D42A27DB-BD31-4B8C-83A1-F6EECF244321}">
-                <p14:modId xmlns:p14="http://schemas.microsoft.com/office/powerpoint/2010/main" val="738842690"/>
+                <p14:modId xmlns:p14="http://schemas.microsoft.com/office/powerpoint/2010/main" val="3132840387"/>
               </p:ext>
             </p:extLst>
           </p:nvPr>
@@ -21742,6 +22517,20 @@
                           <a:cs typeface="맑은 고딕"/>
                         </a:rPr>
                         <a:t>Pre-condition</a:t>
+                      </a:r>
+                      <a:r>
+                        <a:rPr lang="en-US" sz="1200" b="1" spc="-5" dirty="0">
+                          <a:latin typeface="맑은 고딕"/>
+                          <a:cs typeface="맑은 고딕"/>
+                        </a:rPr>
+                        <a:t> </a:t>
+                      </a:r>
+                      <a:r>
+                        <a:rPr lang="ko-KR" altLang="en-US" sz="1200" b="1" spc="-5" dirty="0">
+                          <a:latin typeface="맑은 고딕"/>
+                          <a:cs typeface="맑은 고딕"/>
+                        </a:rPr>
+                        <a:t>사전조건</a:t>
                       </a:r>
                       <a:endParaRPr sz="1200" b="1" dirty="0">
                         <a:latin typeface="맑은 고딕"/>
@@ -21924,7 +22713,21 @@
                         </a:rPr>
                         <a:t>Post-condition</a:t>
                       </a:r>
-                      <a:endParaRPr sz="1200" b="1">
+                      <a:r>
+                        <a:rPr lang="en-US" sz="1200" b="1" spc="-10" dirty="0">
+                          <a:latin typeface="맑은 고딕"/>
+                          <a:cs typeface="맑은 고딕"/>
+                        </a:rPr>
+                        <a:t> </a:t>
+                      </a:r>
+                      <a:r>
+                        <a:rPr lang="ko-KR" altLang="en-US" sz="1200" b="1" spc="-10" dirty="0">
+                          <a:latin typeface="맑은 고딕"/>
+                          <a:cs typeface="맑은 고딕"/>
+                        </a:rPr>
+                        <a:t>사후조건</a:t>
+                      </a:r>
+                      <a:endParaRPr sz="1200" b="1" dirty="0">
                         <a:latin typeface="맑은 고딕"/>
                         <a:cs typeface="맑은 고딕"/>
                       </a:endParaRPr>
@@ -22407,6 +23210,55 @@
                           <a:cs typeface="맑은 고딕"/>
                         </a:rPr>
                         <a:t>o</a:t>
+                      </a:r>
+                      <a:endParaRPr lang="en-US" sz="1200" b="1" spc="-5" dirty="0">
+                        <a:latin typeface="맑은 고딕"/>
+                        <a:cs typeface="맑은 고딕"/>
+                      </a:endParaRPr>
+                    </a:p>
+                    <a:p>
+                      <a:pPr marL="67945" marR="586740">
+                        <a:lnSpc>
+                          <a:spcPts val="1390"/>
+                        </a:lnSpc>
+                        <a:spcBef>
+                          <a:spcPts val="560"/>
+                        </a:spcBef>
+                      </a:pPr>
+                      <a:r>
+                        <a:rPr lang="en-US" sz="1200" b="1" spc="-5" dirty="0">
+                          <a:latin typeface="맑은 고딕"/>
+                          <a:cs typeface="맑은 고딕"/>
+                        </a:rPr>
+                        <a:t>(</a:t>
+                      </a:r>
+                      <a:r>
+                        <a:rPr lang="ko-KR" altLang="en-US" sz="1200" b="1" spc="-5" dirty="0">
+                          <a:latin typeface="맑은 고딕"/>
+                          <a:cs typeface="맑은 고딕"/>
+                        </a:rPr>
+                        <a:t>주어</a:t>
+                      </a:r>
+                      <a:r>
+                        <a:rPr lang="en-US" altLang="ko-KR" sz="1200" b="1" spc="-5" dirty="0">
+                          <a:latin typeface="맑은 고딕"/>
+                          <a:cs typeface="맑은 고딕"/>
+                        </a:rPr>
+                        <a:t>, </a:t>
+                      </a:r>
+                      <a:r>
+                        <a:rPr lang="ko-KR" altLang="en-US" sz="1200" b="1" spc="-5" dirty="0">
+                          <a:latin typeface="맑은 고딕"/>
+                          <a:cs typeface="맑은 고딕"/>
+                        </a:rPr>
+                        <a:t>목적어 정확하게 작성</a:t>
+                      </a:r>
+                      <a:r>
+                        <a:rPr lang="en-US" altLang="ko-KR" sz="1200" b="1" spc="-5" dirty="0">
+                          <a:latin typeface="맑은 고딕"/>
+                          <a:cs typeface="맑은 고딕"/>
+                        </a:rPr>
+                        <a:t>)</a:t>
                       </a:r>
                       <a:endParaRPr sz="1200" b="1" dirty="0">
                         <a:latin typeface="맑은 고딕"/>
@@ -22948,7 +23800,7 @@
                         <a:t>무게감지 </a:t>
                       </a:r>
                       <a:r>
-                        <a:rPr lang="ko-KR" altLang="en-US" sz="1200" dirty="0" err="1">
+                        <a:rPr lang="ko-KR" altLang="en-US" sz="1200">
                           <a:latin typeface="맑은 고딕"/>
                           <a:cs typeface="맑은 고딕"/>
                         </a:rPr>
@@ -25177,10 +26029,10 @@
       </p:grpSpPr>
       <p:sp>
         <p:nvSpPr>
-          <p:cNvPr id="2" name="제목 1">
+          <p:cNvPr id="3" name="텍스트 개체 틀 2">
             <a:extLst>
               <a:ext uri="{FF2B5EF4-FFF2-40B4-BE49-F238E27FC236}">
-                <a16:creationId xmlns:a16="http://schemas.microsoft.com/office/drawing/2014/main" id="{13F76DA1-B188-CA3D-AB00-DAF6D667E4D1}"/>
+                <a16:creationId xmlns:a16="http://schemas.microsoft.com/office/drawing/2014/main" id="{805D843B-2AE5-5ECC-301A-69BFF9A4CC79}"/>
               </a:ext>
             </a:extLst>
           </p:cNvPr>
@@ -25188,653 +26040,805 @@
             <a:spLocks noGrp="1"/>
           </p:cNvSpPr>
           <p:nvPr>
-            <p:ph type="title"/>
+            <p:ph type="body" sz="quarter" idx="10"/>
           </p:nvPr>
         </p:nvSpPr>
-        <p:spPr/>
+        <p:spPr>
+          <a:xfrm>
+            <a:off x="451011" y="284099"/>
+            <a:ext cx="11411115" cy="914400"/>
+          </a:xfrm>
+        </p:spPr>
         <p:txBody>
           <a:bodyPr/>
           <a:lstStyle/>
           <a:p>
             <a:r>
               <a:rPr lang="en-US" altLang="ko-KR" dirty="0"/>
-              <a:t>5. </a:t>
+              <a:t>Entity Class</a:t>
+            </a:r>
+          </a:p>
+          <a:p>
+            <a:pPr>
+              <a:buFontTx/>
+              <a:buChar char="-"/>
+            </a:pPr>
+            <a:r>
+              <a:rPr lang="ko-KR" altLang="en-US" sz="1600" dirty="0"/>
+              <a:t>무게감지 데이터</a:t>
+            </a:r>
+            <a:endParaRPr lang="en-US" altLang="ko-KR" sz="1600" dirty="0"/>
+          </a:p>
+          <a:p>
+            <a:pPr>
+              <a:buFontTx/>
+              <a:buChar char="-"/>
+            </a:pPr>
+            <a:r>
+              <a:rPr lang="ko-KR" altLang="en-US" sz="1600" dirty="0"/>
+              <a:t>아동 판별 데이터</a:t>
             </a:r>
             <a:r>
-              <a:rPr lang="ko-KR" altLang="en-US" dirty="0" err="1"/>
-              <a:t>비기능</a:t>
+              <a:rPr lang="en-US" altLang="ko-KR" sz="1600" dirty="0"/>
+              <a:t>(Feature </a:t>
             </a:r>
             <a:r>
-              <a:rPr lang="ko-KR" altLang="en-US" dirty="0"/>
-              <a:t> 요구사항</a:t>
+              <a:rPr lang="ko-KR" altLang="en-US" sz="1600" dirty="0"/>
+              <a:t>결과</a:t>
             </a:r>
+            <a:r>
+              <a:rPr lang="en-US" altLang="ko-KR" sz="1600" dirty="0"/>
+              <a:t>)</a:t>
+            </a:r>
+          </a:p>
+          <a:p>
+            <a:pPr>
+              <a:buFontTx/>
+              <a:buChar char="-"/>
+            </a:pPr>
+            <a:r>
+              <a:rPr lang="ko-KR" altLang="en-US" sz="1600" dirty="0" err="1"/>
+              <a:t>차일드락</a:t>
+            </a:r>
+            <a:r>
+              <a:rPr lang="ko-KR" altLang="en-US" sz="1600" dirty="0"/>
+              <a:t> </a:t>
+            </a:r>
+            <a:r>
+              <a:rPr lang="en-US" altLang="ko-KR" sz="1600" dirty="0"/>
+              <a:t>ON/OFF </a:t>
+            </a:r>
+            <a:r>
+              <a:rPr lang="ko-KR" altLang="en-US" sz="1600" dirty="0"/>
+              <a:t>데이터</a:t>
+            </a:r>
+            <a:endParaRPr lang="en-US" altLang="ko-KR" sz="1600" dirty="0"/>
+          </a:p>
+          <a:p>
+            <a:pPr>
+              <a:buFontTx/>
+              <a:buChar char="-"/>
+            </a:pPr>
+            <a:endParaRPr lang="ko-KR" altLang="en-US" sz="1600" dirty="0"/>
           </a:p>
         </p:txBody>
       </p:sp>
-      <p:graphicFrame>
-        <p:nvGraphicFramePr>
-          <p:cNvPr id="4" name="Google Shape;189;g2ef8994fb9e_7_73">
+      <p:sp>
+        <p:nvSpPr>
+          <p:cNvPr id="6" name="텍스트 개체 틀 2">
             <a:extLst>
               <a:ext uri="{FF2B5EF4-FFF2-40B4-BE49-F238E27FC236}">
-                <a16:creationId xmlns:a16="http://schemas.microsoft.com/office/drawing/2014/main" id="{59E7F329-E264-36B2-3450-151761BD641B}"/>
+                <a16:creationId xmlns:a16="http://schemas.microsoft.com/office/drawing/2014/main" id="{7DA5FAEE-E1C9-B322-E1B4-079F4CEEA27E}"/>
               </a:ext>
             </a:extLst>
           </p:cNvPr>
-          <p:cNvGraphicFramePr/>
-          <p:nvPr>
-            <p:extLst>
-              <p:ext uri="{D42A27DB-BD31-4B8C-83A1-F6EECF244321}">
-                <p14:modId xmlns:p14="http://schemas.microsoft.com/office/powerpoint/2010/main" val="117744743"/>
-              </p:ext>
-            </p:extLst>
-          </p:nvPr>
-        </p:nvGraphicFramePr>
-        <p:xfrm>
-          <a:off x="673261" y="925007"/>
-          <a:ext cx="10845476" cy="3573030"/>
-        </p:xfrm>
-        <a:graphic>
-          <a:graphicData uri="http://schemas.openxmlformats.org/drawingml/2006/table">
-            <a:tbl>
-              <a:tblPr>
+          <p:cNvSpPr txBox="1">
+            <a:spLocks/>
+          </p:cNvSpPr>
+          <p:nvPr/>
+        </p:nvSpPr>
+        <p:spPr>
+          <a:xfrm>
+            <a:off x="390442" y="2514600"/>
+            <a:ext cx="11411115" cy="914400"/>
+          </a:xfrm>
+          <a:prstGeom prst="rect">
+            <a:avLst/>
+          </a:prstGeom>
+        </p:spPr>
+        <p:txBody>
+          <a:bodyPr vert="horz" lIns="91440" tIns="45720" rIns="91440" bIns="45720" rtlCol="0">
+            <a:noAutofit/>
+          </a:bodyPr>
+          <a:lstStyle>
+            <a:lvl1pPr marL="355600" indent="-355600" algn="l" defTabSz="914400" rtl="0" eaLnBrk="1" latinLnBrk="0" hangingPunct="1">
+              <a:lnSpc>
+                <a:spcPct val="100000"/>
+              </a:lnSpc>
+              <a:spcBef>
+                <a:spcPts val="1000"/>
+              </a:spcBef>
+              <a:spcAft>
+                <a:spcPts val="300"/>
+              </a:spcAft>
+              <a:buClr>
+                <a:srgbClr val="FFFFFF"/>
+              </a:buClr>
+              <a:buSzPct val="100000"/>
+              <a:buFontTx/>
+              <a:buBlip>
+                <a:blip r:embed="rId2"/>
+              </a:buBlip>
+              <a:tabLst>
+                <a:tab pos="271463" algn="l"/>
+              </a:tabLst>
+              <a:defRPr lang="ko-KR" altLang="en-US" sz="2400" b="0" kern="200" spc="-60">
+                <a:solidFill>
+                  <a:srgbClr val="242424"/>
+                </a:solidFill>
+                <a:latin typeface="프리젠테이션 6 SemiBold" pitchFamily="2" charset="-127"/>
+                <a:ea typeface="프리젠테이션 6 SemiBold" pitchFamily="2" charset="-127"/>
+                <a:cs typeface="+mn-cs"/>
+              </a:defRPr>
+            </a:lvl1pPr>
+            <a:lvl2pPr marL="447675" indent="-177800" algn="l" defTabSz="914400" rtl="0" eaLnBrk="1" latinLnBrk="0" hangingPunct="1">
+              <a:lnSpc>
+                <a:spcPct val="120000"/>
+              </a:lnSpc>
+              <a:spcBef>
+                <a:spcPts val="500"/>
+              </a:spcBef>
+              <a:spcAft>
+                <a:spcPts val="400"/>
+              </a:spcAft>
+              <a:buClr>
+                <a:schemeClr val="tx2">
+                  <a:lumMod val="50000"/>
+                </a:schemeClr>
+              </a:buClr>
+              <a:buFont typeface="Wingdings" panose="05000000000000000000" pitchFamily="2" charset="2"/>
+              <a:buChar char="§"/>
+              <a:tabLst>
+                <a:tab pos="1163638" algn="l"/>
+              </a:tabLst>
+              <a:defRPr sz="2000" kern="1200">
+                <a:solidFill>
+                  <a:schemeClr val="tx1"/>
+                </a:solidFill>
+                <a:latin typeface="+mn-ea"/>
+                <a:ea typeface="+mn-ea"/>
+                <a:cs typeface="+mn-cs"/>
+              </a:defRPr>
+            </a:lvl2pPr>
+            <a:lvl3pPr marL="715963" indent="-180975" algn="l" defTabSz="914400" rtl="0" eaLnBrk="1" latinLnBrk="0" hangingPunct="1">
+              <a:lnSpc>
+                <a:spcPct val="100000"/>
+              </a:lnSpc>
+              <a:spcBef>
+                <a:spcPts val="500"/>
+              </a:spcBef>
+              <a:buFont typeface="Calibri" panose="020F0502020204030204" pitchFamily="34" charset="0"/>
+              <a:buChar char="−"/>
+              <a:defRPr sz="1800" kern="1200">
+                <a:solidFill>
+                  <a:schemeClr val="tx1"/>
+                </a:solidFill>
+                <a:latin typeface="+mn-ea"/>
+                <a:ea typeface="+mn-ea"/>
+                <a:cs typeface="+mn-cs"/>
+              </a:defRPr>
+            </a:lvl3pPr>
+            <a:lvl4pPr marL="1076325" indent="-90488" algn="l" defTabSz="914400" rtl="0" eaLnBrk="1" latinLnBrk="1" hangingPunct="1">
+              <a:lnSpc>
+                <a:spcPct val="90000"/>
+              </a:lnSpc>
+              <a:spcBef>
+                <a:spcPts val="500"/>
+              </a:spcBef>
+              <a:buFont typeface="Arial" panose="020B0604020202020204" pitchFamily="34" charset="0"/>
+              <a:buChar char="•"/>
+              <a:defRPr sz="1600" kern="1200">
+                <a:solidFill>
+                  <a:schemeClr val="tx1"/>
+                </a:solidFill>
+                <a:latin typeface="+mn-lt"/>
+                <a:ea typeface="+mn-ea"/>
+                <a:cs typeface="+mn-cs"/>
+              </a:defRPr>
+            </a:lvl4pPr>
+            <a:lvl5pPr marL="1346200" indent="-92075" algn="l" defTabSz="914400" rtl="0" eaLnBrk="1" latinLnBrk="1" hangingPunct="1">
+              <a:lnSpc>
+                <a:spcPct val="90000"/>
+              </a:lnSpc>
+              <a:spcBef>
+                <a:spcPts val="500"/>
+              </a:spcBef>
+              <a:buFont typeface="Arial" panose="020B0604020202020204" pitchFamily="34" charset="0"/>
+              <a:buChar char="•"/>
+              <a:defRPr sz="1600" kern="1200">
+                <a:solidFill>
+                  <a:schemeClr val="tx1"/>
+                </a:solidFill>
+                <a:latin typeface="+mn-lt"/>
+                <a:ea typeface="+mn-ea"/>
+                <a:cs typeface="+mn-cs"/>
+              </a:defRPr>
+            </a:lvl5pPr>
+            <a:lvl6pPr marL="2514600" indent="-228600" algn="l" defTabSz="914400" rtl="0" eaLnBrk="1" latinLnBrk="1" hangingPunct="1">
+              <a:lnSpc>
+                <a:spcPct val="90000"/>
+              </a:lnSpc>
+              <a:spcBef>
+                <a:spcPts val="500"/>
+              </a:spcBef>
+              <a:buFont typeface="Arial" panose="020B0604020202020204" pitchFamily="34" charset="0"/>
+              <a:buChar char="•"/>
+              <a:defRPr sz="1800" kern="1200">
+                <a:solidFill>
+                  <a:schemeClr val="tx1"/>
+                </a:solidFill>
+                <a:latin typeface="+mn-lt"/>
+                <a:ea typeface="+mn-ea"/>
+                <a:cs typeface="+mn-cs"/>
+              </a:defRPr>
+            </a:lvl6pPr>
+            <a:lvl7pPr marL="2971800" indent="-228600" algn="l" defTabSz="914400" rtl="0" eaLnBrk="1" latinLnBrk="1" hangingPunct="1">
+              <a:lnSpc>
+                <a:spcPct val="90000"/>
+              </a:lnSpc>
+              <a:spcBef>
+                <a:spcPts val="500"/>
+              </a:spcBef>
+              <a:buFont typeface="Arial" panose="020B0604020202020204" pitchFamily="34" charset="0"/>
+              <a:buChar char="•"/>
+              <a:defRPr sz="1800" kern="1200">
+                <a:solidFill>
+                  <a:schemeClr val="tx1"/>
+                </a:solidFill>
+                <a:latin typeface="+mn-lt"/>
+                <a:ea typeface="+mn-ea"/>
+                <a:cs typeface="+mn-cs"/>
+              </a:defRPr>
+            </a:lvl7pPr>
+            <a:lvl8pPr marL="3429000" indent="-228600" algn="l" defTabSz="914400" rtl="0" eaLnBrk="1" latinLnBrk="1" hangingPunct="1">
+              <a:lnSpc>
+                <a:spcPct val="90000"/>
+              </a:lnSpc>
+              <a:spcBef>
+                <a:spcPts val="500"/>
+              </a:spcBef>
+              <a:buFont typeface="Arial" panose="020B0604020202020204" pitchFamily="34" charset="0"/>
+              <a:buChar char="•"/>
+              <a:defRPr sz="1800" kern="1200">
+                <a:solidFill>
+                  <a:schemeClr val="tx1"/>
+                </a:solidFill>
+                <a:latin typeface="+mn-lt"/>
+                <a:ea typeface="+mn-ea"/>
+                <a:cs typeface="+mn-cs"/>
+              </a:defRPr>
+            </a:lvl8pPr>
+            <a:lvl9pPr marL="3886200" indent="-228600" algn="l" defTabSz="914400" rtl="0" eaLnBrk="1" latinLnBrk="1" hangingPunct="1">
+              <a:lnSpc>
+                <a:spcPct val="90000"/>
+              </a:lnSpc>
+              <a:spcBef>
+                <a:spcPts val="500"/>
+              </a:spcBef>
+              <a:buFont typeface="Arial" panose="020B0604020202020204" pitchFamily="34" charset="0"/>
+              <a:buChar char="•"/>
+              <a:defRPr sz="1800" kern="1200">
+                <a:solidFill>
+                  <a:schemeClr val="tx1"/>
+                </a:solidFill>
+                <a:latin typeface="+mn-lt"/>
+                <a:ea typeface="+mn-ea"/>
+                <a:cs typeface="+mn-cs"/>
+              </a:defRPr>
+            </a:lvl9pPr>
+          </a:lstStyle>
+          <a:p>
+            <a:r>
+              <a:rPr lang="en-US" altLang="ko-KR" dirty="0"/>
+              <a:t>Control Class</a:t>
+            </a:r>
+          </a:p>
+          <a:p>
+            <a:pPr marL="355600" marR="0" lvl="0" indent="-355600" algn="l" defTabSz="914400" rtl="0" eaLnBrk="1" fontAlgn="auto" latinLnBrk="0" hangingPunct="1">
+              <a:lnSpc>
+                <a:spcPct val="100000"/>
+              </a:lnSpc>
+              <a:spcBef>
+                <a:spcPts val="1000"/>
+              </a:spcBef>
+              <a:spcAft>
+                <a:spcPts val="300"/>
+              </a:spcAft>
+              <a:buClr>
+                <a:srgbClr val="FFFFFF"/>
+              </a:buClr>
+              <a:buSzPct val="100000"/>
+              <a:buFontTx/>
+              <a:buChar char="-"/>
+              <a:tabLst>
+                <a:tab pos="271463" algn="l"/>
+              </a:tabLst>
+              <a:defRPr/>
+            </a:pPr>
+            <a:r>
+              <a:rPr kumimoji="0" lang="ko-KR" altLang="en-US" sz="1600" b="0" i="0" u="none" strike="noStrike" kern="200" cap="none" spc="-60" normalizeH="0" baseline="0" noProof="0" dirty="0">
+                <a:ln>
+                  <a:noFill/>
+                </a:ln>
+                <a:solidFill>
+                  <a:srgbClr val="242424"/>
+                </a:solidFill>
+                <a:effectLst/>
+                <a:uLnTx/>
+                <a:uFillTx/>
+                <a:ea typeface="프리젠테이션 6 SemiBold" pitchFamily="2" charset="-127"/>
+                <a:cs typeface="+mn-cs"/>
+              </a:rPr>
+              <a:t>아동 탑승 감지</a:t>
+            </a:r>
+            <a:endParaRPr kumimoji="0" lang="en-US" altLang="ko-KR" sz="1600" b="0" i="0" u="none" strike="noStrike" kern="200" cap="none" spc="-60" normalizeH="0" baseline="0" noProof="0" dirty="0">
+              <a:ln>
                 <a:noFill/>
-              </a:tblPr>
-              <a:tblGrid>
-                <a:gridCol w="1460504">
-                  <a:extLst>
-                    <a:ext uri="{9D8B030D-6E8A-4147-A177-3AD203B41FA5}">
-                      <a16:colId xmlns:a16="http://schemas.microsoft.com/office/drawing/2014/main" val="20000"/>
-                    </a:ext>
-                  </a:extLst>
-                </a:gridCol>
-                <a:gridCol w="8040941">
-                  <a:extLst>
-                    <a:ext uri="{9D8B030D-6E8A-4147-A177-3AD203B41FA5}">
-                      <a16:colId xmlns:a16="http://schemas.microsoft.com/office/drawing/2014/main" val="20001"/>
-                    </a:ext>
-                  </a:extLst>
-                </a:gridCol>
-                <a:gridCol w="1344031">
-                  <a:extLst>
-                    <a:ext uri="{9D8B030D-6E8A-4147-A177-3AD203B41FA5}">
-                      <a16:colId xmlns:a16="http://schemas.microsoft.com/office/drawing/2014/main" val="20002"/>
-                    </a:ext>
-                  </a:extLst>
-                </a:gridCol>
-              </a:tblGrid>
-              <a:tr h="241764">
-                <a:tc>
-                  <a:txBody>
-                    <a:bodyPr/>
-                    <a:lstStyle/>
-                    <a:p>
-                      <a:pPr marL="0" lvl="0" indent="0" algn="ctr" defTabSz="914400" rtl="0" eaLnBrk="1" latinLnBrk="1" hangingPunct="1">
-                        <a:spcBef>
-                          <a:spcPts val="0"/>
-                        </a:spcBef>
-                        <a:spcAft>
-                          <a:spcPts val="0"/>
-                        </a:spcAft>
-                        <a:buNone/>
-                      </a:pPr>
-                      <a:r>
-                        <a:rPr lang="en-US" sz="1800" b="1" kern="1200" dirty="0" err="1">
-                          <a:solidFill>
-                            <a:schemeClr val="tx1"/>
-                          </a:solidFill>
-                          <a:latin typeface="+mn-lt"/>
-                          <a:ea typeface="+mn-ea"/>
-                          <a:cs typeface="+mn-cs"/>
-                        </a:rPr>
-                        <a:t>주특성</a:t>
-                      </a:r>
-                      <a:endParaRPr sz="1800" b="1" kern="1200" dirty="0">
-                        <a:solidFill>
-                          <a:schemeClr val="tx1"/>
-                        </a:solidFill>
-                        <a:latin typeface="+mn-lt"/>
-                        <a:ea typeface="+mn-ea"/>
-                        <a:cs typeface="+mn-cs"/>
-                      </a:endParaRPr>
-                    </a:p>
-                  </a:txBody>
-                  <a:tcPr marL="91425" marR="91425" marT="91425" marB="91425">
-                    <a:solidFill>
-                      <a:srgbClr val="C9DAF8"/>
-                    </a:solidFill>
-                  </a:tcPr>
-                </a:tc>
-                <a:tc>
-                  <a:txBody>
-                    <a:bodyPr/>
-                    <a:lstStyle/>
-                    <a:p>
-                      <a:pPr marL="0" lvl="0" indent="0" algn="ctr" defTabSz="914400" rtl="0" eaLnBrk="1" latinLnBrk="1" hangingPunct="1">
-                        <a:spcBef>
-                          <a:spcPts val="0"/>
-                        </a:spcBef>
-                        <a:spcAft>
-                          <a:spcPts val="0"/>
-                        </a:spcAft>
-                        <a:buNone/>
-                      </a:pPr>
-                      <a:r>
-                        <a:rPr lang="en-US" sz="1800" b="1" kern="1200">
-                          <a:solidFill>
-                            <a:schemeClr val="tx1"/>
-                          </a:solidFill>
-                          <a:latin typeface="+mn-lt"/>
-                          <a:ea typeface="+mn-ea"/>
-                          <a:cs typeface="+mn-cs"/>
-                        </a:rPr>
-                        <a:t>비기능 요구사항</a:t>
-                      </a:r>
-                      <a:endParaRPr sz="1800" b="1" kern="1200">
-                        <a:solidFill>
-                          <a:schemeClr val="tx1"/>
-                        </a:solidFill>
-                        <a:latin typeface="+mn-lt"/>
-                        <a:ea typeface="+mn-ea"/>
-                        <a:cs typeface="+mn-cs"/>
-                      </a:endParaRPr>
-                    </a:p>
-                  </a:txBody>
-                  <a:tcPr marL="91425" marR="91425" marT="91425" marB="91425">
-                    <a:solidFill>
-                      <a:srgbClr val="C9DAF8"/>
-                    </a:solidFill>
-                  </a:tcPr>
-                </a:tc>
-                <a:tc>
-                  <a:txBody>
-                    <a:bodyPr/>
-                    <a:lstStyle/>
-                    <a:p>
-                      <a:pPr marL="0" lvl="0" indent="0" algn="ctr" defTabSz="914400" rtl="0" eaLnBrk="1" latinLnBrk="1" hangingPunct="1">
-                        <a:spcBef>
-                          <a:spcPts val="0"/>
-                        </a:spcBef>
-                        <a:spcAft>
-                          <a:spcPts val="0"/>
-                        </a:spcAft>
-                        <a:buNone/>
-                      </a:pPr>
-                      <a:r>
-                        <a:rPr lang="en-US" sz="1800" b="1" kern="1200">
-                          <a:solidFill>
-                            <a:schemeClr val="tx1"/>
-                          </a:solidFill>
-                          <a:latin typeface="+mn-lt"/>
-                          <a:ea typeface="+mn-ea"/>
-                          <a:cs typeface="+mn-cs"/>
-                        </a:rPr>
-                        <a:t>비고</a:t>
-                      </a:r>
-                      <a:endParaRPr sz="1800" b="1" kern="1200">
-                        <a:solidFill>
-                          <a:schemeClr val="tx1"/>
-                        </a:solidFill>
-                        <a:latin typeface="+mn-lt"/>
-                        <a:ea typeface="+mn-ea"/>
-                        <a:cs typeface="+mn-cs"/>
-                      </a:endParaRPr>
-                    </a:p>
-                  </a:txBody>
-                  <a:tcPr marL="91425" marR="91425" marT="91425" marB="91425">
-                    <a:solidFill>
-                      <a:srgbClr val="C9DAF8"/>
-                    </a:solidFill>
-                  </a:tcPr>
-                </a:tc>
-                <a:extLst>
-                  <a:ext uri="{0D108BD9-81ED-4DB2-BD59-A6C34878D82A}">
-                    <a16:rowId xmlns:a16="http://schemas.microsoft.com/office/drawing/2014/main" val="10000"/>
-                  </a:ext>
-                </a:extLst>
-              </a:tr>
-              <a:tr h="623172">
-                <a:tc>
-                  <a:txBody>
-                    <a:bodyPr/>
-                    <a:lstStyle/>
-                    <a:p>
-                      <a:pPr marL="0" lvl="0" indent="0" algn="ctr" defTabSz="914400" rtl="0" eaLnBrk="1" latinLnBrk="1" hangingPunct="1">
-                        <a:spcBef>
-                          <a:spcPts val="0"/>
-                        </a:spcBef>
-                        <a:spcAft>
-                          <a:spcPts val="0"/>
-                        </a:spcAft>
-                        <a:buNone/>
-                      </a:pPr>
-                      <a:endParaRPr sz="1800" b="0" kern="1200" dirty="0">
-                        <a:solidFill>
-                          <a:schemeClr val="tx1"/>
-                        </a:solidFill>
-                        <a:latin typeface="+mn-lt"/>
-                        <a:ea typeface="+mn-ea"/>
-                        <a:cs typeface="+mn-cs"/>
-                      </a:endParaRPr>
-                    </a:p>
-                  </a:txBody>
-                  <a:tcPr marL="91425" marR="91425" marT="91425" marB="91425"/>
-                </a:tc>
-                <a:tc>
-                  <a:txBody>
-                    <a:bodyPr/>
-                    <a:lstStyle/>
-                    <a:p>
-                      <a:pPr marL="0" lvl="0" indent="0" algn="ctr" defTabSz="914400" rtl="0" eaLnBrk="1" latinLnBrk="1" hangingPunct="1">
-                        <a:spcBef>
-                          <a:spcPts val="0"/>
-                        </a:spcBef>
-                        <a:spcAft>
-                          <a:spcPts val="0"/>
-                        </a:spcAft>
-                        <a:buNone/>
-                      </a:pPr>
-                      <a:endParaRPr sz="1800" b="0" kern="1200" dirty="0">
-                        <a:solidFill>
-                          <a:schemeClr val="tx1"/>
-                        </a:solidFill>
-                        <a:latin typeface="+mn-lt"/>
-                        <a:ea typeface="+mn-ea"/>
-                        <a:cs typeface="+mn-cs"/>
-                      </a:endParaRPr>
-                    </a:p>
-                  </a:txBody>
-                  <a:tcPr marL="91425" marR="91425" marT="91425" marB="91425"/>
-                </a:tc>
-                <a:tc>
-                  <a:txBody>
-                    <a:bodyPr/>
-                    <a:lstStyle/>
-                    <a:p>
-                      <a:pPr marL="0" lvl="0" indent="0" algn="ctr" defTabSz="914400" rtl="0" eaLnBrk="1" latinLnBrk="1" hangingPunct="1">
-                        <a:spcBef>
-                          <a:spcPts val="0"/>
-                        </a:spcBef>
-                        <a:spcAft>
-                          <a:spcPts val="0"/>
-                        </a:spcAft>
-                        <a:buNone/>
-                      </a:pPr>
-                      <a:endParaRPr sz="1800" b="0" kern="1200">
-                        <a:solidFill>
-                          <a:schemeClr val="tx1"/>
-                        </a:solidFill>
-                        <a:latin typeface="+mn-lt"/>
-                        <a:ea typeface="+mn-ea"/>
-                        <a:cs typeface="+mn-cs"/>
-                      </a:endParaRPr>
-                    </a:p>
-                  </a:txBody>
-                  <a:tcPr marL="91425" marR="91425" marT="91425" marB="91425"/>
-                </a:tc>
-                <a:extLst>
-                  <a:ext uri="{0D108BD9-81ED-4DB2-BD59-A6C34878D82A}">
-                    <a16:rowId xmlns:a16="http://schemas.microsoft.com/office/drawing/2014/main" val="10001"/>
-                  </a:ext>
-                </a:extLst>
-              </a:tr>
-              <a:tr h="623172">
-                <a:tc>
-                  <a:txBody>
-                    <a:bodyPr/>
-                    <a:lstStyle/>
-                    <a:p>
-                      <a:pPr marL="0" lvl="0" indent="0" algn="ctr" defTabSz="914400" rtl="0" eaLnBrk="1" latinLnBrk="1" hangingPunct="1">
-                        <a:spcBef>
-                          <a:spcPts val="0"/>
-                        </a:spcBef>
-                        <a:spcAft>
-                          <a:spcPts val="0"/>
-                        </a:spcAft>
-                        <a:buNone/>
-                      </a:pPr>
-                      <a:endParaRPr sz="1800" b="0" kern="1200">
-                        <a:solidFill>
-                          <a:schemeClr val="tx1"/>
-                        </a:solidFill>
-                        <a:latin typeface="+mn-lt"/>
-                        <a:ea typeface="+mn-ea"/>
-                        <a:cs typeface="+mn-cs"/>
-                      </a:endParaRPr>
-                    </a:p>
-                  </a:txBody>
-                  <a:tcPr marL="91425" marR="91425" marT="91425" marB="91425"/>
-                </a:tc>
-                <a:tc>
-                  <a:txBody>
-                    <a:bodyPr/>
-                    <a:lstStyle/>
-                    <a:p>
-                      <a:pPr marL="0" lvl="0" indent="0" algn="ctr" defTabSz="914400" rtl="0" eaLnBrk="1" latinLnBrk="1" hangingPunct="1">
-                        <a:spcBef>
-                          <a:spcPts val="0"/>
-                        </a:spcBef>
-                        <a:spcAft>
-                          <a:spcPts val="0"/>
-                        </a:spcAft>
-                        <a:buNone/>
-                      </a:pPr>
-                      <a:endParaRPr sz="1800" b="0" kern="1200" dirty="0">
-                        <a:solidFill>
-                          <a:schemeClr val="tx1"/>
-                        </a:solidFill>
-                        <a:latin typeface="+mn-lt"/>
-                        <a:ea typeface="+mn-ea"/>
-                        <a:cs typeface="+mn-cs"/>
-                      </a:endParaRPr>
-                    </a:p>
-                  </a:txBody>
-                  <a:tcPr marL="91425" marR="91425" marT="91425" marB="91425"/>
-                </a:tc>
-                <a:tc>
-                  <a:txBody>
-                    <a:bodyPr/>
-                    <a:lstStyle/>
-                    <a:p>
-                      <a:pPr marL="0" lvl="0" indent="0" algn="ctr" defTabSz="914400" rtl="0" eaLnBrk="1" latinLnBrk="1" hangingPunct="1">
-                        <a:spcBef>
-                          <a:spcPts val="0"/>
-                        </a:spcBef>
-                        <a:spcAft>
-                          <a:spcPts val="0"/>
-                        </a:spcAft>
-                        <a:buNone/>
-                      </a:pPr>
-                      <a:endParaRPr sz="1800" b="0" kern="1200">
-                        <a:solidFill>
-                          <a:schemeClr val="tx1"/>
-                        </a:solidFill>
-                        <a:latin typeface="+mn-lt"/>
-                        <a:ea typeface="+mn-ea"/>
-                        <a:cs typeface="+mn-cs"/>
-                      </a:endParaRPr>
-                    </a:p>
-                  </a:txBody>
-                  <a:tcPr marL="91425" marR="91425" marT="91425" marB="91425"/>
-                </a:tc>
-                <a:extLst>
-                  <a:ext uri="{0D108BD9-81ED-4DB2-BD59-A6C34878D82A}">
-                    <a16:rowId xmlns:a16="http://schemas.microsoft.com/office/drawing/2014/main" val="10002"/>
-                  </a:ext>
-                </a:extLst>
-              </a:tr>
-              <a:tr h="623172">
-                <a:tc>
-                  <a:txBody>
-                    <a:bodyPr/>
-                    <a:lstStyle/>
-                    <a:p>
-                      <a:pPr marL="0" lvl="0" indent="0" algn="ctr" defTabSz="914400" rtl="0" eaLnBrk="1" latinLnBrk="1" hangingPunct="1">
-                        <a:spcBef>
-                          <a:spcPts val="0"/>
-                        </a:spcBef>
-                        <a:spcAft>
-                          <a:spcPts val="0"/>
-                        </a:spcAft>
-                        <a:buNone/>
-                      </a:pPr>
-                      <a:endParaRPr sz="1800" b="0" kern="1200" dirty="0">
-                        <a:solidFill>
-                          <a:schemeClr val="tx1"/>
-                        </a:solidFill>
-                        <a:latin typeface="+mn-lt"/>
-                        <a:ea typeface="+mn-ea"/>
-                        <a:cs typeface="+mn-cs"/>
-                      </a:endParaRPr>
-                    </a:p>
-                  </a:txBody>
-                  <a:tcPr marL="91425" marR="91425" marT="91425" marB="91425"/>
-                </a:tc>
-                <a:tc>
-                  <a:txBody>
-                    <a:bodyPr/>
-                    <a:lstStyle/>
-                    <a:p>
-                      <a:pPr marL="0" lvl="0" indent="0" algn="ctr" defTabSz="914400" rtl="0" eaLnBrk="1" latinLnBrk="1" hangingPunct="1">
-                        <a:spcBef>
-                          <a:spcPts val="0"/>
-                        </a:spcBef>
-                        <a:spcAft>
-                          <a:spcPts val="0"/>
-                        </a:spcAft>
-                        <a:buNone/>
-                      </a:pPr>
-                      <a:endParaRPr sz="1800" b="0" kern="1200">
-                        <a:solidFill>
-                          <a:schemeClr val="tx1"/>
-                        </a:solidFill>
-                        <a:latin typeface="+mn-lt"/>
-                        <a:ea typeface="+mn-ea"/>
-                        <a:cs typeface="+mn-cs"/>
-                      </a:endParaRPr>
-                    </a:p>
-                  </a:txBody>
-                  <a:tcPr marL="91425" marR="91425" marT="91425" marB="91425"/>
-                </a:tc>
-                <a:tc>
-                  <a:txBody>
-                    <a:bodyPr/>
-                    <a:lstStyle/>
-                    <a:p>
-                      <a:pPr marL="0" lvl="0" indent="0" algn="ctr" defTabSz="914400" rtl="0" eaLnBrk="1" latinLnBrk="1" hangingPunct="1">
-                        <a:spcBef>
-                          <a:spcPts val="0"/>
-                        </a:spcBef>
-                        <a:spcAft>
-                          <a:spcPts val="0"/>
-                        </a:spcAft>
-                        <a:buNone/>
-                      </a:pPr>
-                      <a:endParaRPr sz="1800" b="0" kern="1200">
-                        <a:solidFill>
-                          <a:schemeClr val="tx1"/>
-                        </a:solidFill>
-                        <a:latin typeface="+mn-lt"/>
-                        <a:ea typeface="+mn-ea"/>
-                        <a:cs typeface="+mn-cs"/>
-                      </a:endParaRPr>
-                    </a:p>
-                  </a:txBody>
-                  <a:tcPr marL="91425" marR="91425" marT="91425" marB="91425"/>
-                </a:tc>
-                <a:extLst>
-                  <a:ext uri="{0D108BD9-81ED-4DB2-BD59-A6C34878D82A}">
-                    <a16:rowId xmlns:a16="http://schemas.microsoft.com/office/drawing/2014/main" val="10003"/>
-                  </a:ext>
-                </a:extLst>
-              </a:tr>
-              <a:tr h="623172">
-                <a:tc>
-                  <a:txBody>
-                    <a:bodyPr/>
-                    <a:lstStyle/>
-                    <a:p>
-                      <a:pPr marL="0" lvl="0" indent="0" algn="ctr" defTabSz="914400" rtl="0" eaLnBrk="1" latinLnBrk="1" hangingPunct="1">
-                        <a:spcBef>
-                          <a:spcPts val="0"/>
-                        </a:spcBef>
-                        <a:spcAft>
-                          <a:spcPts val="0"/>
-                        </a:spcAft>
-                        <a:buNone/>
-                      </a:pPr>
-                      <a:endParaRPr sz="1800" b="0" kern="1200" dirty="0">
-                        <a:solidFill>
-                          <a:schemeClr val="tx1"/>
-                        </a:solidFill>
-                        <a:latin typeface="+mn-lt"/>
-                        <a:ea typeface="+mn-ea"/>
-                        <a:cs typeface="+mn-cs"/>
-                      </a:endParaRPr>
-                    </a:p>
-                  </a:txBody>
-                  <a:tcPr marL="91425" marR="91425" marT="91425" marB="91425"/>
-                </a:tc>
-                <a:tc>
-                  <a:txBody>
-                    <a:bodyPr/>
-                    <a:lstStyle/>
-                    <a:p>
-                      <a:pPr marL="0" lvl="0" indent="0" algn="ctr" defTabSz="914400" rtl="0" eaLnBrk="1" latinLnBrk="1" hangingPunct="1">
-                        <a:spcBef>
-                          <a:spcPts val="0"/>
-                        </a:spcBef>
-                        <a:spcAft>
-                          <a:spcPts val="0"/>
-                        </a:spcAft>
-                        <a:buClr>
-                          <a:schemeClr val="dk1"/>
-                        </a:buClr>
-                        <a:buSzPts val="1100"/>
-                        <a:buFont typeface="Arial"/>
-                        <a:buNone/>
-                      </a:pPr>
-                      <a:endParaRPr sz="1800" b="0" kern="1200" dirty="0">
-                        <a:solidFill>
-                          <a:schemeClr val="tx1"/>
-                        </a:solidFill>
-                        <a:latin typeface="+mn-lt"/>
-                        <a:ea typeface="+mn-ea"/>
-                        <a:cs typeface="+mn-cs"/>
-                      </a:endParaRPr>
-                    </a:p>
-                  </a:txBody>
-                  <a:tcPr marL="91425" marR="91425" marT="91425" marB="91425"/>
-                </a:tc>
-                <a:tc>
-                  <a:txBody>
-                    <a:bodyPr/>
-                    <a:lstStyle/>
-                    <a:p>
-                      <a:pPr marL="0" lvl="0" indent="0" algn="ctr" defTabSz="914400" rtl="0" eaLnBrk="1" latinLnBrk="1" hangingPunct="1">
-                        <a:spcBef>
-                          <a:spcPts val="0"/>
-                        </a:spcBef>
-                        <a:spcAft>
-                          <a:spcPts val="0"/>
-                        </a:spcAft>
-                        <a:buNone/>
-                      </a:pPr>
-                      <a:endParaRPr sz="1800" b="0" kern="1200">
-                        <a:solidFill>
-                          <a:schemeClr val="tx1"/>
-                        </a:solidFill>
-                        <a:latin typeface="+mn-lt"/>
-                        <a:ea typeface="+mn-ea"/>
-                        <a:cs typeface="+mn-cs"/>
-                      </a:endParaRPr>
-                    </a:p>
-                  </a:txBody>
-                  <a:tcPr marL="91425" marR="91425" marT="91425" marB="91425"/>
-                </a:tc>
-                <a:extLst>
-                  <a:ext uri="{0D108BD9-81ED-4DB2-BD59-A6C34878D82A}">
-                    <a16:rowId xmlns:a16="http://schemas.microsoft.com/office/drawing/2014/main" val="10004"/>
-                  </a:ext>
-                </a:extLst>
-              </a:tr>
-              <a:tr h="623172">
-                <a:tc>
-                  <a:txBody>
-                    <a:bodyPr/>
-                    <a:lstStyle/>
-                    <a:p>
-                      <a:pPr marL="0" lvl="0" indent="0" algn="ctr" defTabSz="914400" rtl="0" eaLnBrk="1" latinLnBrk="1" hangingPunct="1">
-                        <a:spcBef>
-                          <a:spcPts val="0"/>
-                        </a:spcBef>
-                        <a:spcAft>
-                          <a:spcPts val="0"/>
-                        </a:spcAft>
-                        <a:buNone/>
-                      </a:pPr>
-                      <a:endParaRPr sz="1800" b="0" kern="1200">
-                        <a:solidFill>
-                          <a:schemeClr val="tx1"/>
-                        </a:solidFill>
-                        <a:latin typeface="+mn-lt"/>
-                        <a:ea typeface="+mn-ea"/>
-                        <a:cs typeface="+mn-cs"/>
-                      </a:endParaRPr>
-                    </a:p>
-                  </a:txBody>
-                  <a:tcPr marL="91425" marR="91425" marT="91425" marB="91425"/>
-                </a:tc>
-                <a:tc>
-                  <a:txBody>
-                    <a:bodyPr/>
-                    <a:lstStyle/>
-                    <a:p>
-                      <a:pPr marL="0" lvl="0" indent="0" algn="ctr" defTabSz="914400" rtl="0" eaLnBrk="1" latinLnBrk="1" hangingPunct="1">
-                        <a:spcBef>
-                          <a:spcPts val="0"/>
-                        </a:spcBef>
-                        <a:spcAft>
-                          <a:spcPts val="0"/>
-                        </a:spcAft>
-                        <a:buClr>
-                          <a:schemeClr val="dk1"/>
-                        </a:buClr>
-                        <a:buSzPts val="1100"/>
-                        <a:buFont typeface="Arial"/>
-                        <a:buNone/>
-                      </a:pPr>
-                      <a:endParaRPr sz="1800" b="0" kern="1200" dirty="0">
-                        <a:solidFill>
-                          <a:schemeClr val="tx1"/>
-                        </a:solidFill>
-                        <a:latin typeface="+mn-lt"/>
-                        <a:ea typeface="+mn-ea"/>
-                        <a:cs typeface="+mn-cs"/>
-                      </a:endParaRPr>
-                    </a:p>
-                  </a:txBody>
-                  <a:tcPr marL="91425" marR="91425" marT="91425" marB="91425"/>
-                </a:tc>
-                <a:tc>
-                  <a:txBody>
-                    <a:bodyPr/>
-                    <a:lstStyle/>
-                    <a:p>
-                      <a:pPr marL="0" lvl="0" indent="0" algn="ctr" defTabSz="914400" rtl="0" eaLnBrk="1" latinLnBrk="1" hangingPunct="1">
-                        <a:spcBef>
-                          <a:spcPts val="0"/>
-                        </a:spcBef>
-                        <a:spcAft>
-                          <a:spcPts val="0"/>
-                        </a:spcAft>
-                        <a:buNone/>
-                      </a:pPr>
-                      <a:endParaRPr sz="1800" b="0" kern="1200" dirty="0">
-                        <a:solidFill>
-                          <a:schemeClr val="tx1"/>
-                        </a:solidFill>
-                        <a:latin typeface="+mn-lt"/>
-                        <a:ea typeface="+mn-ea"/>
-                        <a:cs typeface="+mn-cs"/>
-                      </a:endParaRPr>
-                    </a:p>
-                  </a:txBody>
-                  <a:tcPr marL="91425" marR="91425" marT="91425" marB="91425"/>
-                </a:tc>
-                <a:extLst>
-                  <a:ext uri="{0D108BD9-81ED-4DB2-BD59-A6C34878D82A}">
-                    <a16:rowId xmlns:a16="http://schemas.microsoft.com/office/drawing/2014/main" val="10005"/>
-                  </a:ext>
-                </a:extLst>
-              </a:tr>
-            </a:tbl>
-          </a:graphicData>
-        </a:graphic>
-      </p:graphicFrame>
+              </a:ln>
+              <a:solidFill>
+                <a:srgbClr val="242424"/>
+              </a:solidFill>
+              <a:effectLst/>
+              <a:uLnTx/>
+              <a:uFillTx/>
+              <a:ea typeface="프리젠테이션 6 SemiBold" pitchFamily="2" charset="-127"/>
+              <a:cs typeface="+mn-cs"/>
+            </a:endParaRPr>
+          </a:p>
+        </p:txBody>
+      </p:sp>
+      <p:sp>
+        <p:nvSpPr>
+          <p:cNvPr id="7" name="텍스트 개체 틀 2">
+            <a:extLst>
+              <a:ext uri="{FF2B5EF4-FFF2-40B4-BE49-F238E27FC236}">
+                <a16:creationId xmlns:a16="http://schemas.microsoft.com/office/drawing/2014/main" id="{7BBF3D23-63AF-EB0A-9A3C-76EC637D70C7}"/>
+              </a:ext>
+            </a:extLst>
+          </p:cNvPr>
+          <p:cNvSpPr txBox="1">
+            <a:spLocks/>
+          </p:cNvSpPr>
+          <p:nvPr/>
+        </p:nvSpPr>
+        <p:spPr>
+          <a:xfrm>
+            <a:off x="451010" y="3991866"/>
+            <a:ext cx="11411115" cy="914400"/>
+          </a:xfrm>
+          <a:prstGeom prst="rect">
+            <a:avLst/>
+          </a:prstGeom>
+        </p:spPr>
+        <p:txBody>
+          <a:bodyPr vert="horz" lIns="91440" tIns="45720" rIns="91440" bIns="45720" rtlCol="0">
+            <a:noAutofit/>
+          </a:bodyPr>
+          <a:lstStyle>
+            <a:lvl1pPr marL="355600" indent="-355600" algn="l" defTabSz="914400" rtl="0" eaLnBrk="1" latinLnBrk="0" hangingPunct="1">
+              <a:lnSpc>
+                <a:spcPct val="100000"/>
+              </a:lnSpc>
+              <a:spcBef>
+                <a:spcPts val="1000"/>
+              </a:spcBef>
+              <a:spcAft>
+                <a:spcPts val="300"/>
+              </a:spcAft>
+              <a:buClr>
+                <a:srgbClr val="FFFFFF"/>
+              </a:buClr>
+              <a:buSzPct val="100000"/>
+              <a:buFontTx/>
+              <a:buBlip>
+                <a:blip r:embed="rId2"/>
+              </a:buBlip>
+              <a:tabLst>
+                <a:tab pos="271463" algn="l"/>
+              </a:tabLst>
+              <a:defRPr lang="ko-KR" altLang="en-US" sz="2400" b="0" kern="200" spc="-60">
+                <a:solidFill>
+                  <a:srgbClr val="242424"/>
+                </a:solidFill>
+                <a:latin typeface="프리젠테이션 6 SemiBold" pitchFamily="2" charset="-127"/>
+                <a:ea typeface="프리젠테이션 6 SemiBold" pitchFamily="2" charset="-127"/>
+                <a:cs typeface="+mn-cs"/>
+              </a:defRPr>
+            </a:lvl1pPr>
+            <a:lvl2pPr marL="447675" indent="-177800" algn="l" defTabSz="914400" rtl="0" eaLnBrk="1" latinLnBrk="0" hangingPunct="1">
+              <a:lnSpc>
+                <a:spcPct val="120000"/>
+              </a:lnSpc>
+              <a:spcBef>
+                <a:spcPts val="500"/>
+              </a:spcBef>
+              <a:spcAft>
+                <a:spcPts val="400"/>
+              </a:spcAft>
+              <a:buClr>
+                <a:schemeClr val="tx2">
+                  <a:lumMod val="50000"/>
+                </a:schemeClr>
+              </a:buClr>
+              <a:buFont typeface="Wingdings" panose="05000000000000000000" pitchFamily="2" charset="2"/>
+              <a:buChar char="§"/>
+              <a:tabLst>
+                <a:tab pos="1163638" algn="l"/>
+              </a:tabLst>
+              <a:defRPr sz="2000" kern="1200">
+                <a:solidFill>
+                  <a:schemeClr val="tx1"/>
+                </a:solidFill>
+                <a:latin typeface="+mn-ea"/>
+                <a:ea typeface="+mn-ea"/>
+                <a:cs typeface="+mn-cs"/>
+              </a:defRPr>
+            </a:lvl2pPr>
+            <a:lvl3pPr marL="715963" indent="-180975" algn="l" defTabSz="914400" rtl="0" eaLnBrk="1" latinLnBrk="0" hangingPunct="1">
+              <a:lnSpc>
+                <a:spcPct val="100000"/>
+              </a:lnSpc>
+              <a:spcBef>
+                <a:spcPts val="500"/>
+              </a:spcBef>
+              <a:buFont typeface="Calibri" panose="020F0502020204030204" pitchFamily="34" charset="0"/>
+              <a:buChar char="−"/>
+              <a:defRPr sz="1800" kern="1200">
+                <a:solidFill>
+                  <a:schemeClr val="tx1"/>
+                </a:solidFill>
+                <a:latin typeface="+mn-ea"/>
+                <a:ea typeface="+mn-ea"/>
+                <a:cs typeface="+mn-cs"/>
+              </a:defRPr>
+            </a:lvl3pPr>
+            <a:lvl4pPr marL="1076325" indent="-90488" algn="l" defTabSz="914400" rtl="0" eaLnBrk="1" latinLnBrk="1" hangingPunct="1">
+              <a:lnSpc>
+                <a:spcPct val="90000"/>
+              </a:lnSpc>
+              <a:spcBef>
+                <a:spcPts val="500"/>
+              </a:spcBef>
+              <a:buFont typeface="Arial" panose="020B0604020202020204" pitchFamily="34" charset="0"/>
+              <a:buChar char="•"/>
+              <a:defRPr sz="1600" kern="1200">
+                <a:solidFill>
+                  <a:schemeClr val="tx1"/>
+                </a:solidFill>
+                <a:latin typeface="+mn-lt"/>
+                <a:ea typeface="+mn-ea"/>
+                <a:cs typeface="+mn-cs"/>
+              </a:defRPr>
+            </a:lvl4pPr>
+            <a:lvl5pPr marL="1346200" indent="-92075" algn="l" defTabSz="914400" rtl="0" eaLnBrk="1" latinLnBrk="1" hangingPunct="1">
+              <a:lnSpc>
+                <a:spcPct val="90000"/>
+              </a:lnSpc>
+              <a:spcBef>
+                <a:spcPts val="500"/>
+              </a:spcBef>
+              <a:buFont typeface="Arial" panose="020B0604020202020204" pitchFamily="34" charset="0"/>
+              <a:buChar char="•"/>
+              <a:defRPr sz="1600" kern="1200">
+                <a:solidFill>
+                  <a:schemeClr val="tx1"/>
+                </a:solidFill>
+                <a:latin typeface="+mn-lt"/>
+                <a:ea typeface="+mn-ea"/>
+                <a:cs typeface="+mn-cs"/>
+              </a:defRPr>
+            </a:lvl5pPr>
+            <a:lvl6pPr marL="2514600" indent="-228600" algn="l" defTabSz="914400" rtl="0" eaLnBrk="1" latinLnBrk="1" hangingPunct="1">
+              <a:lnSpc>
+                <a:spcPct val="90000"/>
+              </a:lnSpc>
+              <a:spcBef>
+                <a:spcPts val="500"/>
+              </a:spcBef>
+              <a:buFont typeface="Arial" panose="020B0604020202020204" pitchFamily="34" charset="0"/>
+              <a:buChar char="•"/>
+              <a:defRPr sz="1800" kern="1200">
+                <a:solidFill>
+                  <a:schemeClr val="tx1"/>
+                </a:solidFill>
+                <a:latin typeface="+mn-lt"/>
+                <a:ea typeface="+mn-ea"/>
+                <a:cs typeface="+mn-cs"/>
+              </a:defRPr>
+            </a:lvl6pPr>
+            <a:lvl7pPr marL="2971800" indent="-228600" algn="l" defTabSz="914400" rtl="0" eaLnBrk="1" latinLnBrk="1" hangingPunct="1">
+              <a:lnSpc>
+                <a:spcPct val="90000"/>
+              </a:lnSpc>
+              <a:spcBef>
+                <a:spcPts val="500"/>
+              </a:spcBef>
+              <a:buFont typeface="Arial" panose="020B0604020202020204" pitchFamily="34" charset="0"/>
+              <a:buChar char="•"/>
+              <a:defRPr sz="1800" kern="1200">
+                <a:solidFill>
+                  <a:schemeClr val="tx1"/>
+                </a:solidFill>
+                <a:latin typeface="+mn-lt"/>
+                <a:ea typeface="+mn-ea"/>
+                <a:cs typeface="+mn-cs"/>
+              </a:defRPr>
+            </a:lvl7pPr>
+            <a:lvl8pPr marL="3429000" indent="-228600" algn="l" defTabSz="914400" rtl="0" eaLnBrk="1" latinLnBrk="1" hangingPunct="1">
+              <a:lnSpc>
+                <a:spcPct val="90000"/>
+              </a:lnSpc>
+              <a:spcBef>
+                <a:spcPts val="500"/>
+              </a:spcBef>
+              <a:buFont typeface="Arial" panose="020B0604020202020204" pitchFamily="34" charset="0"/>
+              <a:buChar char="•"/>
+              <a:defRPr sz="1800" kern="1200">
+                <a:solidFill>
+                  <a:schemeClr val="tx1"/>
+                </a:solidFill>
+                <a:latin typeface="+mn-lt"/>
+                <a:ea typeface="+mn-ea"/>
+                <a:cs typeface="+mn-cs"/>
+              </a:defRPr>
+            </a:lvl8pPr>
+            <a:lvl9pPr marL="3886200" indent="-228600" algn="l" defTabSz="914400" rtl="0" eaLnBrk="1" latinLnBrk="1" hangingPunct="1">
+              <a:lnSpc>
+                <a:spcPct val="90000"/>
+              </a:lnSpc>
+              <a:spcBef>
+                <a:spcPts val="500"/>
+              </a:spcBef>
+              <a:buFont typeface="Arial" panose="020B0604020202020204" pitchFamily="34" charset="0"/>
+              <a:buChar char="•"/>
+              <a:defRPr sz="1800" kern="1200">
+                <a:solidFill>
+                  <a:schemeClr val="tx1"/>
+                </a:solidFill>
+                <a:latin typeface="+mn-lt"/>
+                <a:ea typeface="+mn-ea"/>
+                <a:cs typeface="+mn-cs"/>
+              </a:defRPr>
+            </a:lvl9pPr>
+          </a:lstStyle>
+          <a:p>
+            <a:r>
+              <a:rPr lang="en-US" altLang="ko-KR" dirty="0"/>
+              <a:t>Boundary Class</a:t>
+            </a:r>
+          </a:p>
+          <a:p>
+            <a:pPr marL="355600" marR="0" lvl="0" indent="-355600" algn="l" defTabSz="914400" rtl="0" eaLnBrk="1" fontAlgn="auto" latinLnBrk="0" hangingPunct="1">
+              <a:lnSpc>
+                <a:spcPct val="100000"/>
+              </a:lnSpc>
+              <a:spcBef>
+                <a:spcPts val="1000"/>
+              </a:spcBef>
+              <a:spcAft>
+                <a:spcPts val="300"/>
+              </a:spcAft>
+              <a:buClr>
+                <a:srgbClr val="FFFFFF"/>
+              </a:buClr>
+              <a:buSzPct val="100000"/>
+              <a:buFontTx/>
+              <a:buChar char="-"/>
+              <a:tabLst>
+                <a:tab pos="271463" algn="l"/>
+              </a:tabLst>
+              <a:defRPr/>
+            </a:pPr>
+            <a:r>
+              <a:rPr lang="ko-KR" altLang="en-US" sz="1600" dirty="0"/>
+              <a:t>알람 시스템 인터페이스</a:t>
+            </a:r>
+            <a:endParaRPr lang="en-US" altLang="ko-KR" sz="1600" dirty="0"/>
+          </a:p>
+          <a:p>
+            <a:pPr marL="355600" marR="0" lvl="0" indent="-355600" algn="l" defTabSz="914400" rtl="0" eaLnBrk="1" fontAlgn="auto" latinLnBrk="0" hangingPunct="1">
+              <a:lnSpc>
+                <a:spcPct val="100000"/>
+              </a:lnSpc>
+              <a:spcBef>
+                <a:spcPts val="1000"/>
+              </a:spcBef>
+              <a:spcAft>
+                <a:spcPts val="300"/>
+              </a:spcAft>
+              <a:buClr>
+                <a:srgbClr val="FFFFFF"/>
+              </a:buClr>
+              <a:buSzPct val="100000"/>
+              <a:buFontTx/>
+              <a:buChar char="-"/>
+              <a:tabLst>
+                <a:tab pos="271463" algn="l"/>
+              </a:tabLst>
+              <a:defRPr/>
+            </a:pPr>
+            <a:r>
+              <a:rPr kumimoji="0" lang="ko-KR" altLang="en-US" sz="1600" b="0" i="0" u="none" strike="noStrike" kern="200" cap="none" spc="-60" normalizeH="0" baseline="0" noProof="0" dirty="0">
+                <a:ln>
+                  <a:noFill/>
+                </a:ln>
+                <a:solidFill>
+                  <a:srgbClr val="242424"/>
+                </a:solidFill>
+                <a:effectLst/>
+                <a:uLnTx/>
+                <a:uFillTx/>
+                <a:ea typeface="프리젠테이션 6 SemiBold" pitchFamily="2" charset="-127"/>
+                <a:cs typeface="+mn-cs"/>
+              </a:rPr>
+              <a:t>데이터 제공자 인터페이스 </a:t>
+            </a:r>
+            <a:r>
+              <a:rPr kumimoji="0" lang="en-US" altLang="ko-KR" sz="1600" b="0" i="0" u="none" strike="noStrike" kern="200" cap="none" spc="-60" normalizeH="0" baseline="0" noProof="0" dirty="0">
+                <a:ln>
+                  <a:noFill/>
+                </a:ln>
+                <a:solidFill>
+                  <a:srgbClr val="242424"/>
+                </a:solidFill>
+                <a:effectLst/>
+                <a:uLnTx/>
+                <a:uFillTx/>
+                <a:ea typeface="프리젠테이션 6 SemiBold" pitchFamily="2" charset="-127"/>
+                <a:cs typeface="+mn-cs"/>
+              </a:rPr>
+              <a:t>(</a:t>
+            </a:r>
+            <a:r>
+              <a:rPr kumimoji="0" lang="ko-KR" altLang="en-US" sz="1600" b="0" i="0" u="none" strike="noStrike" kern="200" cap="none" spc="-60" normalizeH="0" baseline="0" noProof="0" dirty="0">
+                <a:ln>
+                  <a:noFill/>
+                </a:ln>
+                <a:solidFill>
+                  <a:srgbClr val="242424"/>
+                </a:solidFill>
+                <a:effectLst/>
+                <a:uLnTx/>
+                <a:uFillTx/>
+                <a:ea typeface="프리젠테이션 6 SemiBold" pitchFamily="2" charset="-127"/>
+                <a:cs typeface="+mn-cs"/>
+              </a:rPr>
+              <a:t>무게감지 센서</a:t>
+            </a:r>
+            <a:r>
+              <a:rPr kumimoji="0" lang="en-US" altLang="ko-KR" sz="1600" b="0" i="0" u="none" strike="noStrike" kern="200" cap="none" spc="-60" normalizeH="0" baseline="0" noProof="0" dirty="0">
+                <a:ln>
+                  <a:noFill/>
+                </a:ln>
+                <a:solidFill>
+                  <a:srgbClr val="242424"/>
+                </a:solidFill>
+                <a:effectLst/>
+                <a:uLnTx/>
+                <a:uFillTx/>
+                <a:ea typeface="프리젠테이션 6 SemiBold" pitchFamily="2" charset="-127"/>
+                <a:cs typeface="+mn-cs"/>
+              </a:rPr>
+              <a:t>, </a:t>
+            </a:r>
+            <a:r>
+              <a:rPr kumimoji="0" lang="ko-KR" altLang="en-US" sz="1600" b="0" i="0" u="none" strike="noStrike" kern="200" cap="none" spc="-60" normalizeH="0" baseline="0" noProof="0" dirty="0">
+                <a:ln>
+                  <a:noFill/>
+                </a:ln>
+                <a:solidFill>
+                  <a:srgbClr val="242424"/>
+                </a:solidFill>
+                <a:effectLst/>
+                <a:uLnTx/>
+                <a:uFillTx/>
+                <a:ea typeface="프리젠테이션 6 SemiBold" pitchFamily="2" charset="-127"/>
+                <a:cs typeface="+mn-cs"/>
+              </a:rPr>
+              <a:t>컴퓨터비전 센서</a:t>
+            </a:r>
+            <a:r>
+              <a:rPr kumimoji="0" lang="en-US" altLang="ko-KR" sz="1600" b="0" i="0" u="none" strike="noStrike" kern="200" cap="none" spc="-60" normalizeH="0" baseline="0" noProof="0" dirty="0">
+                <a:ln>
+                  <a:noFill/>
+                </a:ln>
+                <a:solidFill>
+                  <a:srgbClr val="242424"/>
+                </a:solidFill>
+                <a:effectLst/>
+                <a:uLnTx/>
+                <a:uFillTx/>
+                <a:ea typeface="프리젠테이션 6 SemiBold" pitchFamily="2" charset="-127"/>
+                <a:cs typeface="+mn-cs"/>
+              </a:rPr>
+              <a:t>, </a:t>
+            </a:r>
+            <a:r>
+              <a:rPr kumimoji="0" lang="ko-KR" altLang="en-US" sz="1600" b="0" i="0" u="none" strike="noStrike" kern="200" cap="none" spc="-60" normalizeH="0" baseline="0" noProof="0" dirty="0" err="1">
+                <a:ln>
+                  <a:noFill/>
+                </a:ln>
+                <a:solidFill>
+                  <a:srgbClr val="242424"/>
+                </a:solidFill>
+                <a:effectLst/>
+                <a:uLnTx/>
+                <a:uFillTx/>
+                <a:ea typeface="프리젠테이션 6 SemiBold" pitchFamily="2" charset="-127"/>
+                <a:cs typeface="+mn-cs"/>
+              </a:rPr>
+              <a:t>차일드락</a:t>
+            </a:r>
+            <a:r>
+              <a:rPr kumimoji="0" lang="ko-KR" altLang="en-US" sz="1600" b="0" i="0" u="none" strike="noStrike" kern="200" cap="none" spc="-60" normalizeH="0" baseline="0" noProof="0" dirty="0">
+                <a:ln>
+                  <a:noFill/>
+                </a:ln>
+                <a:solidFill>
+                  <a:srgbClr val="242424"/>
+                </a:solidFill>
+                <a:effectLst/>
+                <a:uLnTx/>
+                <a:uFillTx/>
+                <a:ea typeface="프리젠테이션 6 SemiBold" pitchFamily="2" charset="-127"/>
+                <a:cs typeface="+mn-cs"/>
+              </a:rPr>
+              <a:t> 감지 센서</a:t>
+            </a:r>
+            <a:r>
+              <a:rPr kumimoji="0" lang="en-US" altLang="ko-KR" sz="1600" b="0" i="0" u="none" strike="noStrike" kern="200" cap="none" spc="-60" normalizeH="0" baseline="0" noProof="0" dirty="0">
+                <a:ln>
+                  <a:noFill/>
+                </a:ln>
+                <a:solidFill>
+                  <a:srgbClr val="242424"/>
+                </a:solidFill>
+                <a:effectLst/>
+                <a:uLnTx/>
+                <a:uFillTx/>
+                <a:ea typeface="프리젠테이션 6 SemiBold" pitchFamily="2" charset="-127"/>
+                <a:cs typeface="+mn-cs"/>
+              </a:rPr>
+              <a:t>)</a:t>
+            </a:r>
+          </a:p>
+          <a:p>
+            <a:pPr marL="0" indent="0">
+              <a:buNone/>
+            </a:pPr>
+            <a:endParaRPr lang="en-US" altLang="ko-KR" dirty="0"/>
+          </a:p>
+          <a:p>
+            <a:pPr marL="0" indent="0">
+              <a:buNone/>
+            </a:pPr>
+            <a:r>
+              <a:rPr lang="en-US" altLang="ko-KR" dirty="0"/>
+              <a:t> </a:t>
+            </a:r>
+          </a:p>
+          <a:p>
+            <a:pPr marL="0" indent="0">
+              <a:buNone/>
+            </a:pPr>
+            <a:endParaRPr lang="en-US" dirty="0"/>
+          </a:p>
+        </p:txBody>
+      </p:sp>
     </p:spTree>
     <p:extLst>
       <p:ext uri="{BB962C8B-B14F-4D97-AF65-F5344CB8AC3E}">
-        <p14:creationId xmlns:p14="http://schemas.microsoft.com/office/powerpoint/2010/main" val="3652782612"/>
+        <p14:creationId xmlns:p14="http://schemas.microsoft.com/office/powerpoint/2010/main" val="190553738"/>
       </p:ext>
     </p:extLst>
   </p:cSld>
@@ -25861,67 +26865,40 @@
           <a:chExt cx="0" cy="0"/>
         </a:xfrm>
       </p:grpSpPr>
-      <p:sp>
-        <p:nvSpPr>
-          <p:cNvPr id="2" name="제목 1">
+      <p:pic>
+        <p:nvPicPr>
+          <p:cNvPr id="7" name="그림 6">
             <a:extLst>
               <a:ext uri="{FF2B5EF4-FFF2-40B4-BE49-F238E27FC236}">
-                <a16:creationId xmlns:a16="http://schemas.microsoft.com/office/drawing/2014/main" id="{89468A2C-6A19-C11C-81E6-EA7C9F5E0681}"/>
+                <a16:creationId xmlns:a16="http://schemas.microsoft.com/office/drawing/2014/main" id="{DC865273-ABF1-2A4E-2547-C8092238BEB8}"/>
               </a:ext>
             </a:extLst>
           </p:cNvPr>
-          <p:cNvSpPr>
-            <a:spLocks noGrp="1"/>
-          </p:cNvSpPr>
-          <p:nvPr>
-            <p:ph type="title"/>
-          </p:nvPr>
-        </p:nvSpPr>
-        <p:spPr/>
-        <p:txBody>
-          <a:bodyPr/>
-          <a:lstStyle/>
-          <a:p>
-            <a:r>
-              <a:rPr lang="en-US" altLang="ko-KR" dirty="0"/>
-              <a:t>6. </a:t>
-            </a:r>
-            <a:r>
-              <a:rPr lang="ko-KR" altLang="en-US" dirty="0"/>
-              <a:t>요구사항 검토 체크리스트</a:t>
-            </a:r>
-          </a:p>
-        </p:txBody>
-      </p:sp>
-      <p:sp>
-        <p:nvSpPr>
-          <p:cNvPr id="3" name="텍스트 개체 틀 2">
-            <a:extLst>
-              <a:ext uri="{FF2B5EF4-FFF2-40B4-BE49-F238E27FC236}">
-                <a16:creationId xmlns:a16="http://schemas.microsoft.com/office/drawing/2014/main" id="{6B27578D-77DB-BD75-A1D0-F41CACC63750}"/>
-              </a:ext>
-            </a:extLst>
-          </p:cNvPr>
-          <p:cNvSpPr>
-            <a:spLocks noGrp="1"/>
-          </p:cNvSpPr>
-          <p:nvPr>
-            <p:ph type="body" sz="quarter" idx="10"/>
-          </p:nvPr>
-        </p:nvSpPr>
-        <p:spPr/>
-        <p:txBody>
-          <a:bodyPr/>
-          <a:lstStyle/>
-          <a:p>
-            <a:endParaRPr lang="ko-KR" altLang="en-US"/>
-          </a:p>
-        </p:txBody>
-      </p:sp>
+          <p:cNvPicPr>
+            <a:picLocks noChangeAspect="1"/>
+          </p:cNvPicPr>
+          <p:nvPr/>
+        </p:nvPicPr>
+        <p:blipFill>
+          <a:blip r:embed="rId2"/>
+          <a:stretch>
+            <a:fillRect/>
+          </a:stretch>
+        </p:blipFill>
+        <p:spPr>
+          <a:xfrm>
+            <a:off x="1442456" y="282941"/>
+            <a:ext cx="9773412" cy="6292117"/>
+          </a:xfrm>
+          <a:prstGeom prst="rect">
+            <a:avLst/>
+          </a:prstGeom>
+        </p:spPr>
+      </p:pic>
     </p:spTree>
     <p:extLst>
       <p:ext uri="{BB962C8B-B14F-4D97-AF65-F5344CB8AC3E}">
-        <p14:creationId xmlns:p14="http://schemas.microsoft.com/office/powerpoint/2010/main" val="836117145"/>
+        <p14:creationId xmlns:p14="http://schemas.microsoft.com/office/powerpoint/2010/main" val="380976664"/>
       </p:ext>
     </p:extLst>
   </p:cSld>
